--- a/data/prezentacije/osnove_turizma/001_Turizam_uvod.pptx
+++ b/data/prezentacije/osnove_turizma/001_Turizam_uvod.pptx
@@ -3367,7 +3367,7 @@
 </file>
 
 <file path=ppt/slides/slide10.xml><?xml version="1.0" encoding="utf-8"?>
-<p:sld xmlns:a="http://schemas.openxmlformats.org/drawingml/2006/main" xmlns:r="http://schemas.openxmlformats.org/officeDocument/2006/relationships" xmlns:p="http://schemas.openxmlformats.org/presentationml/2006/main">
+<p:sld xmlns:a="http://schemas.openxmlformats.org/drawingml/2006/main" xmlns:r="http://schemas.openxmlformats.org/officeDocument/2006/relationships" xmlns:p="http://schemas.openxmlformats.org/presentationml/2006/main" show="0">
   <p:cSld>
     <p:spTree>
       <p:nvGrpSpPr>
@@ -3810,7 +3810,7 @@
 </file>
 
 <file path=ppt/slides/slide11.xml><?xml version="1.0" encoding="utf-8"?>
-<p:sld xmlns:a="http://schemas.openxmlformats.org/drawingml/2006/main" xmlns:r="http://schemas.openxmlformats.org/officeDocument/2006/relationships" xmlns:p="http://schemas.openxmlformats.org/presentationml/2006/main">
+<p:sld xmlns:a="http://schemas.openxmlformats.org/drawingml/2006/main" xmlns:r="http://schemas.openxmlformats.org/officeDocument/2006/relationships" xmlns:p="http://schemas.openxmlformats.org/presentationml/2006/main" show="0">
   <p:cSld>
     <p:spTree>
       <p:nvGrpSpPr>
@@ -5351,37 +5351,7 @@
                 <a:ea typeface="Calibri"/>
                 <a:cs typeface="Times New Roman"/>
               </a:rPr>
-              <a:t>prijevoza</a:t>
-            </a:r>
-            <a:r>
-              <a:rPr lang="hr-HR" sz="2400" dirty="0">
-                <a:highlight>
-                  <a:srgbClr val="FFFF00"/>
-                </a:highlight>
-                <a:ea typeface="Calibri"/>
-                <a:cs typeface="Times New Roman"/>
-              </a:rPr>
-              <a:t> i </a:t>
-            </a:r>
-            <a:r>
-              <a:rPr lang="hr-HR" sz="2400" dirty="0">
-                <a:highlight>
-                  <a:srgbClr val="FFFF00"/>
-                </a:highlight>
-                <a:ea typeface="Calibri"/>
-                <a:cs typeface="Times New Roman"/>
-              </a:rPr>
-              <a:t>boravka</a:t>
-            </a:r>
-            <a:r>
-              <a:rPr lang="hr-HR" sz="2400" dirty="0">
-                <a:highlight>
-                  <a:srgbClr val="FFFF00"/>
-                </a:highlight>
-                <a:ea typeface="Calibri"/>
-                <a:cs typeface="Times New Roman"/>
-              </a:rPr>
-              <a:t> </a:t>
+              <a:t>prijevoza i boravka </a:t>
             </a:r>
             <a:r>
               <a:rPr lang="hr-HR" sz="2400" dirty="0" smtClean="0"/>
@@ -6796,13 +6766,8 @@
             </a:r>
             <a:r>
               <a:rPr lang="hr-HR" sz="2400" dirty="0"/>
-              <a:t>s </a:t>
-            </a:r>
-            <a:r>
-              <a:rPr lang="hr-HR" sz="2400" dirty="0"/>
-              <a:t>putovanja</a:t>
-            </a:r>
-            <a:endParaRPr lang="hr-HR" sz="2400" dirty="0"/>
+              <a:t>s putovanja</a:t>
+            </a:r>
           </a:p>
         </p:txBody>
       </p:sp>
@@ -7606,7 +7571,7 @@
 </file>
 
 <file path=ppt/slides/slide16.xml><?xml version="1.0" encoding="utf-8"?>
-<p:sld xmlns:a="http://schemas.openxmlformats.org/drawingml/2006/main" xmlns:r="http://schemas.openxmlformats.org/officeDocument/2006/relationships" xmlns:p="http://schemas.openxmlformats.org/presentationml/2006/main">
+<p:sld xmlns:a="http://schemas.openxmlformats.org/drawingml/2006/main" xmlns:r="http://schemas.openxmlformats.org/officeDocument/2006/relationships" xmlns:p="http://schemas.openxmlformats.org/presentationml/2006/main" show="0">
   <p:cSld>
     <p:spTree>
       <p:nvGrpSpPr>
@@ -7939,7 +7904,7 @@
 </file>
 
 <file path=ppt/slides/slide17.xml><?xml version="1.0" encoding="utf-8"?>
-<p:sld xmlns:a="http://schemas.openxmlformats.org/drawingml/2006/main" xmlns:r="http://schemas.openxmlformats.org/officeDocument/2006/relationships" xmlns:p="http://schemas.openxmlformats.org/presentationml/2006/main">
+<p:sld xmlns:a="http://schemas.openxmlformats.org/drawingml/2006/main" xmlns:r="http://schemas.openxmlformats.org/officeDocument/2006/relationships" xmlns:p="http://schemas.openxmlformats.org/presentationml/2006/main" show="0">
   <p:cSld>
     <p:spTree>
       <p:nvGrpSpPr>
@@ -14089,8 +14054,162 @@
                   <a:srgbClr val="FF0000"/>
                 </a:solidFill>
               </a:rPr>
-              <a:t>svrhu odmora</a:t>
-            </a:r>
+              <a:t>svrhu </a:t>
+            </a:r>
+            <a:r>
+              <a:rPr lang="hr-HR" sz="2400" b="1" dirty="0" smtClean="0">
+                <a:solidFill>
+                  <a:srgbClr val="FF0000"/>
+                </a:solidFill>
+              </a:rPr>
+              <a:t>odmora</a:t>
+            </a:r>
+          </a:p>
+          <a:p>
+            <a:pPr marL="0" indent="0">
+              <a:spcBef>
+                <a:spcPts val="1800"/>
+              </a:spcBef>
+              <a:buNone/>
+            </a:pPr>
+            <a:endParaRPr lang="hr-HR" sz="2400" b="1" dirty="0" smtClean="0">
+              <a:solidFill>
+                <a:srgbClr val="FF0000"/>
+              </a:solidFill>
+            </a:endParaRPr>
+          </a:p>
+          <a:p>
+            <a:pPr lvl="0"/>
+            <a:r>
+              <a:rPr lang="hr-HR" sz="2400" b="1" dirty="0">
+                <a:solidFill>
+                  <a:srgbClr val="FF0000"/>
+                </a:solidFill>
+              </a:rPr>
+              <a:t>vrste turizma</a:t>
+            </a:r>
+            <a:r>
+              <a:rPr lang="hr-HR" sz="2400" dirty="0">
+                <a:solidFill>
+                  <a:srgbClr val="FF0000"/>
+                </a:solidFill>
+              </a:rPr>
+              <a:t>:</a:t>
+            </a:r>
+          </a:p>
+          <a:p>
+            <a:pPr lvl="1">
+              <a:spcBef>
+                <a:spcPts val="1200"/>
+              </a:spcBef>
+            </a:pPr>
+            <a:r>
+              <a:rPr lang="hr-HR" sz="2400" b="1" dirty="0">
+                <a:solidFill>
+                  <a:srgbClr val="FF0000"/>
+                </a:solidFill>
+              </a:rPr>
+              <a:t>domaći</a:t>
+            </a:r>
+            <a:r>
+              <a:rPr lang="hr-HR" sz="2400" dirty="0"/>
+              <a:t> – domaći turisti putuju unutar svoje zemlje </a:t>
+            </a:r>
+            <a:br>
+              <a:rPr lang="hr-HR" sz="2400" dirty="0"/>
+            </a:br>
+            <a:r>
+              <a:rPr lang="hr-HR" sz="2400" dirty="0"/>
+              <a:t>(npr. hrvatski turisti unutar Hrvatske)</a:t>
+            </a:r>
+          </a:p>
+          <a:p>
+            <a:pPr lvl="1">
+              <a:spcBef>
+                <a:spcPts val="1200"/>
+              </a:spcBef>
+            </a:pPr>
+            <a:r>
+              <a:rPr lang="hr-HR" sz="2400" b="1" dirty="0">
+                <a:solidFill>
+                  <a:srgbClr val="FF0000"/>
+                </a:solidFill>
+              </a:rPr>
+              <a:t>receptivni</a:t>
+            </a:r>
+            <a:r>
+              <a:rPr lang="hr-HR" sz="2400" dirty="0"/>
+              <a:t> ili </a:t>
+            </a:r>
+            <a:r>
+              <a:rPr lang="hr-HR" sz="2400" b="1" dirty="0">
+                <a:solidFill>
+                  <a:srgbClr val="FF0000"/>
+                </a:solidFill>
+              </a:rPr>
+              <a:t>ulazni</a:t>
+            </a:r>
+            <a:r>
+              <a:rPr lang="hr-HR" sz="2400" dirty="0"/>
+              <a:t> – strani turisti dolaze u neku zemlju </a:t>
+            </a:r>
+            <a:br>
+              <a:rPr lang="hr-HR" sz="2400" dirty="0"/>
+            </a:br>
+            <a:r>
+              <a:rPr lang="hr-HR" sz="2400" dirty="0"/>
+              <a:t>(npr. njemački turisti u Hrvatskoj)</a:t>
+            </a:r>
+          </a:p>
+          <a:p>
+            <a:pPr lvl="1">
+              <a:spcBef>
+                <a:spcPts val="1200"/>
+              </a:spcBef>
+            </a:pPr>
+            <a:r>
+              <a:rPr lang="hr-HR" sz="2400" b="1" dirty="0">
+                <a:solidFill>
+                  <a:srgbClr val="FF0000"/>
+                </a:solidFill>
+              </a:rPr>
+              <a:t>emitivni</a:t>
+            </a:r>
+            <a:r>
+              <a:rPr lang="hr-HR" sz="2400" dirty="0"/>
+              <a:t> ili </a:t>
+            </a:r>
+            <a:r>
+              <a:rPr lang="hr-HR" sz="2400" b="1" dirty="0">
+                <a:solidFill>
+                  <a:srgbClr val="FF0000"/>
+                </a:solidFill>
+              </a:rPr>
+              <a:t>izlazni</a:t>
+            </a:r>
+            <a:r>
+              <a:rPr lang="hr-HR" sz="2400" dirty="0"/>
+              <a:t> – domaći turisti odlaze izvan svoje zemlje </a:t>
+            </a:r>
+            <a:br>
+              <a:rPr lang="hr-HR" sz="2400" dirty="0"/>
+            </a:br>
+            <a:r>
+              <a:rPr lang="hr-HR" sz="2400" dirty="0"/>
+              <a:t>(npr. hrvatski turisti u inozemstvu) </a:t>
+            </a:r>
+          </a:p>
+          <a:p>
+            <a:pPr>
+              <a:spcBef>
+                <a:spcPts val="1800"/>
+              </a:spcBef>
+            </a:pPr>
+            <a:endParaRPr lang="hr-HR" sz="2400" b="1" dirty="0">
+              <a:solidFill>
+                <a:srgbClr val="FF0000"/>
+              </a:solidFill>
+            </a:endParaRPr>
           </a:p>
           <a:p>
             <a:pPr lvl="0">
@@ -14452,148 +14571,26 @@
           </a:bodyPr>
           <a:lstStyle/>
           <a:p>
-            <a:pPr lvl="0"/>
+            <a:pPr>
+              <a:spcBef>
+                <a:spcPts val="3000"/>
+              </a:spcBef>
+            </a:pPr>
             <a:r>
               <a:rPr lang="hr-HR" sz="2400" b="1" dirty="0" smtClean="0">
                 <a:solidFill>
                   <a:srgbClr val="FF0000"/>
                 </a:solidFill>
               </a:rPr>
-              <a:t>vrste turizma</a:t>
-            </a:r>
-            <a:r>
-              <a:rPr lang="hr-HR" sz="2400" dirty="0" smtClean="0">
-                <a:solidFill>
-                  <a:srgbClr val="FF0000"/>
-                </a:solidFill>
-              </a:rPr>
-              <a:t>:</a:t>
-            </a:r>
-          </a:p>
-          <a:p>
-            <a:pPr lvl="1">
-              <a:spcBef>
-                <a:spcPts val="1200"/>
-              </a:spcBef>
-            </a:pPr>
-            <a:r>
-              <a:rPr lang="hr-HR" sz="2400" b="1" dirty="0">
-                <a:solidFill>
-                  <a:srgbClr val="FF0000"/>
-                </a:solidFill>
-              </a:rPr>
-              <a:t>domaći</a:t>
-            </a:r>
-            <a:r>
-              <a:rPr lang="hr-HR" sz="2400" dirty="0"/>
-              <a:t> – domaći turisti putuju unutar svoje zemlje </a:t>
-            </a:r>
-            <a:br>
-              <a:rPr lang="hr-HR" sz="2400" dirty="0"/>
-            </a:br>
-            <a:r>
-              <a:rPr lang="hr-HR" sz="2400" dirty="0"/>
-              <a:t>(npr. hrvatski turisti unutar Hrvatske)</a:t>
-            </a:r>
-          </a:p>
-          <a:p>
-            <a:pPr lvl="1">
-              <a:spcBef>
-                <a:spcPts val="1200"/>
-              </a:spcBef>
-            </a:pPr>
-            <a:r>
-              <a:rPr lang="hr-HR" sz="2400" b="1" dirty="0">
-                <a:solidFill>
-                  <a:srgbClr val="FF0000"/>
-                </a:solidFill>
-              </a:rPr>
-              <a:t>receptivni</a:t>
-            </a:r>
-            <a:r>
-              <a:rPr lang="hr-HR" sz="2400" dirty="0"/>
-              <a:t> ili </a:t>
-            </a:r>
-            <a:r>
-              <a:rPr lang="hr-HR" sz="2400" b="1" dirty="0">
-                <a:solidFill>
-                  <a:srgbClr val="FF0000"/>
-                </a:solidFill>
-              </a:rPr>
-              <a:t>ulazni</a:t>
-            </a:r>
-            <a:r>
-              <a:rPr lang="hr-HR" sz="2400" dirty="0"/>
-              <a:t> – strani turisti dolaze u neku zemlju </a:t>
-            </a:r>
-            <a:br>
-              <a:rPr lang="hr-HR" sz="2400" dirty="0"/>
-            </a:br>
-            <a:r>
-              <a:rPr lang="hr-HR" sz="2400" dirty="0"/>
-              <a:t>(npr. njemački turisti u Hrvatskoj)</a:t>
-            </a:r>
-          </a:p>
-          <a:p>
-            <a:pPr lvl="1">
-              <a:spcBef>
-                <a:spcPts val="1200"/>
-              </a:spcBef>
-            </a:pPr>
-            <a:r>
-              <a:rPr lang="hr-HR" sz="2400" b="1" dirty="0">
-                <a:solidFill>
-                  <a:srgbClr val="FF0000"/>
-                </a:solidFill>
-              </a:rPr>
-              <a:t>emitivni</a:t>
-            </a:r>
-            <a:r>
-              <a:rPr lang="hr-HR" sz="2400" dirty="0"/>
-              <a:t> ili </a:t>
-            </a:r>
-            <a:r>
-              <a:rPr lang="hr-HR" sz="2400" b="1" dirty="0">
-                <a:solidFill>
-                  <a:srgbClr val="FF0000"/>
-                </a:solidFill>
-              </a:rPr>
-              <a:t>izlazni</a:t>
-            </a:r>
-            <a:r>
-              <a:rPr lang="hr-HR" sz="2400" dirty="0"/>
-              <a:t> – domaći turisti odlaze izvan svoje zemlje </a:t>
-            </a:r>
-            <a:r>
-              <a:rPr lang="hr-HR" sz="2400" dirty="0" smtClean="0"/>
-              <a:t/>
-            </a:r>
-            <a:br>
-              <a:rPr lang="hr-HR" sz="2400" dirty="0" smtClean="0"/>
-            </a:br>
-            <a:r>
-              <a:rPr lang="hr-HR" sz="2400" dirty="0" smtClean="0"/>
-              <a:t>(</a:t>
-            </a:r>
-            <a:r>
-              <a:rPr lang="hr-HR" sz="2400" dirty="0"/>
-              <a:t>npr. hrvatski turisti u inozemstvu) </a:t>
-            </a:r>
-            <a:endParaRPr lang="hr-HR" sz="2400" dirty="0" smtClean="0"/>
-          </a:p>
-          <a:p>
-            <a:pPr>
-              <a:spcBef>
-                <a:spcPts val="3000"/>
-              </a:spcBef>
-            </a:pPr>
+              <a:t>specifični </a:t>
+            </a:r>
             <a:r>
               <a:rPr lang="hr-HR" sz="2400" b="1" dirty="0" smtClean="0">
                 <a:solidFill>
                   <a:srgbClr val="FF0000"/>
                 </a:solidFill>
               </a:rPr>
-              <a:t>specifični oblici turizma</a:t>
+              <a:t>oblici turizma</a:t>
             </a:r>
             <a:r>
               <a:rPr lang="hr-HR" sz="2400" dirty="0" smtClean="0">
@@ -21790,7 +21787,7 @@
 </file>
 
 <file path=ppt/slides/slide5.xml><?xml version="1.0" encoding="utf-8"?>
-<p:sld xmlns:a="http://schemas.openxmlformats.org/drawingml/2006/main" xmlns:r="http://schemas.openxmlformats.org/officeDocument/2006/relationships" xmlns:p="http://schemas.openxmlformats.org/presentationml/2006/main">
+<p:sld xmlns:a="http://schemas.openxmlformats.org/drawingml/2006/main" xmlns:r="http://schemas.openxmlformats.org/officeDocument/2006/relationships" xmlns:p="http://schemas.openxmlformats.org/presentationml/2006/main" show="0">
   <p:cSld>
     <p:spTree>
       <p:nvGrpSpPr>
@@ -23266,7 +23263,7 @@
 </file>
 
 <file path=ppt/slides/slide6.xml><?xml version="1.0" encoding="utf-8"?>
-<p:sld xmlns:a="http://schemas.openxmlformats.org/drawingml/2006/main" xmlns:r="http://schemas.openxmlformats.org/officeDocument/2006/relationships" xmlns:p="http://schemas.openxmlformats.org/presentationml/2006/main">
+<p:sld xmlns:a="http://schemas.openxmlformats.org/drawingml/2006/main" xmlns:r="http://schemas.openxmlformats.org/officeDocument/2006/relationships" xmlns:p="http://schemas.openxmlformats.org/presentationml/2006/main" show="0">
   <p:cSld>
     <p:spTree>
       <p:nvGrpSpPr>
@@ -23813,7 +23810,7 @@
 </file>
 
 <file path=ppt/slides/slide7.xml><?xml version="1.0" encoding="utf-8"?>
-<p:sld xmlns:a="http://schemas.openxmlformats.org/drawingml/2006/main" xmlns:r="http://schemas.openxmlformats.org/officeDocument/2006/relationships" xmlns:p="http://schemas.openxmlformats.org/presentationml/2006/main">
+<p:sld xmlns:a="http://schemas.openxmlformats.org/drawingml/2006/main" xmlns:r="http://schemas.openxmlformats.org/officeDocument/2006/relationships" xmlns:p="http://schemas.openxmlformats.org/presentationml/2006/main" show="0">
   <p:cSld>
     <p:spTree>
       <p:nvGrpSpPr>
@@ -24342,7 +24339,7 @@
 </file>
 
 <file path=ppt/slides/slide8.xml><?xml version="1.0" encoding="utf-8"?>
-<p:sld xmlns:a="http://schemas.openxmlformats.org/drawingml/2006/main" xmlns:r="http://schemas.openxmlformats.org/officeDocument/2006/relationships" xmlns:p="http://schemas.openxmlformats.org/presentationml/2006/main">
+<p:sld xmlns:a="http://schemas.openxmlformats.org/drawingml/2006/main" xmlns:r="http://schemas.openxmlformats.org/officeDocument/2006/relationships" xmlns:p="http://schemas.openxmlformats.org/presentationml/2006/main" show="0">
   <p:cSld>
     <p:spTree>
       <p:nvGrpSpPr>
@@ -24748,7 +24745,7 @@
 </file>
 
 <file path=ppt/slides/slide9.xml><?xml version="1.0" encoding="utf-8"?>
-<p:sld xmlns:a="http://schemas.openxmlformats.org/drawingml/2006/main" xmlns:r="http://schemas.openxmlformats.org/officeDocument/2006/relationships" xmlns:p="http://schemas.openxmlformats.org/presentationml/2006/main">
+<p:sld xmlns:a="http://schemas.openxmlformats.org/drawingml/2006/main" xmlns:r="http://schemas.openxmlformats.org/officeDocument/2006/relationships" xmlns:p="http://schemas.openxmlformats.org/presentationml/2006/main" show="0">
   <p:cSld>
     <p:spTree>
       <p:nvGrpSpPr>

--- a/data/prezentacije/osnove_turizma/001_Turizam_uvod.pptx
+++ b/data/prezentacije/osnove_turizma/001_Turizam_uvod.pptx
@@ -338,7 +338,7 @@
             <a:fld id="{FDC1A071-2A74-455A-A49A-8BB21E4AC2F6}" type="datetimeFigureOut">
               <a:rPr lang="sr-Latn-CS" smtClean="0"/>
               <a:pPr/>
-              <a:t>14.9.2017.</a:t>
+              <a:t>15.9.2017.</a:t>
             </a:fld>
             <a:endParaRPr lang="hr-HR"/>
           </a:p>
@@ -529,7 +529,7 @@
             <a:fld id="{FDC1A071-2A74-455A-A49A-8BB21E4AC2F6}" type="datetimeFigureOut">
               <a:rPr lang="sr-Latn-CS" smtClean="0"/>
               <a:pPr/>
-              <a:t>14.9.2017.</a:t>
+              <a:t>15.9.2017.</a:t>
             </a:fld>
             <a:endParaRPr lang="hr-HR"/>
           </a:p>
@@ -730,7 +730,7 @@
             <a:fld id="{FDC1A071-2A74-455A-A49A-8BB21E4AC2F6}" type="datetimeFigureOut">
               <a:rPr lang="sr-Latn-CS" smtClean="0"/>
               <a:pPr/>
-              <a:t>14.9.2017.</a:t>
+              <a:t>15.9.2017.</a:t>
             </a:fld>
             <a:endParaRPr lang="hr-HR"/>
           </a:p>
@@ -1182,7 +1182,7 @@
             <a:fld id="{FDC1A071-2A74-455A-A49A-8BB21E4AC2F6}" type="datetimeFigureOut">
               <a:rPr lang="sr-Latn-CS" smtClean="0"/>
               <a:pPr/>
-              <a:t>14.9.2017.</a:t>
+              <a:t>15.9.2017.</a:t>
             </a:fld>
             <a:endParaRPr lang="hr-HR"/>
           </a:p>
@@ -1491,7 +1491,7 @@
             <a:fld id="{FDC1A071-2A74-455A-A49A-8BB21E4AC2F6}" type="datetimeFigureOut">
               <a:rPr lang="sr-Latn-CS" smtClean="0"/>
               <a:pPr/>
-              <a:t>14.9.2017.</a:t>
+              <a:t>15.9.2017.</a:t>
             </a:fld>
             <a:endParaRPr lang="hr-HR"/>
           </a:p>
@@ -1934,7 +1934,7 @@
             <a:fld id="{FDC1A071-2A74-455A-A49A-8BB21E4AC2F6}" type="datetimeFigureOut">
               <a:rPr lang="sr-Latn-CS" smtClean="0"/>
               <a:pPr/>
-              <a:t>14.9.2017.</a:t>
+              <a:t>15.9.2017.</a:t>
             </a:fld>
             <a:endParaRPr lang="hr-HR"/>
           </a:p>
@@ -2073,7 +2073,7 @@
             <a:fld id="{FDC1A071-2A74-455A-A49A-8BB21E4AC2F6}" type="datetimeFigureOut">
               <a:rPr lang="sr-Latn-CS" smtClean="0"/>
               <a:pPr/>
-              <a:t>14.9.2017.</a:t>
+              <a:t>15.9.2017.</a:t>
             </a:fld>
             <a:endParaRPr lang="hr-HR"/>
           </a:p>
@@ -2189,7 +2189,7 @@
             <a:fld id="{FDC1A071-2A74-455A-A49A-8BB21E4AC2F6}" type="datetimeFigureOut">
               <a:rPr lang="sr-Latn-CS" smtClean="0"/>
               <a:pPr/>
-              <a:t>14.9.2017.</a:t>
+              <a:t>15.9.2017.</a:t>
             </a:fld>
             <a:endParaRPr lang="hr-HR"/>
           </a:p>
@@ -2487,7 +2487,7 @@
             <a:fld id="{FDC1A071-2A74-455A-A49A-8BB21E4AC2F6}" type="datetimeFigureOut">
               <a:rPr lang="sr-Latn-CS" smtClean="0"/>
               <a:pPr/>
-              <a:t>14.9.2017.</a:t>
+              <a:t>15.9.2017.</a:t>
             </a:fld>
             <a:endParaRPr lang="hr-HR"/>
           </a:p>
@@ -2761,7 +2761,7 @@
             <a:fld id="{FDC1A071-2A74-455A-A49A-8BB21E4AC2F6}" type="datetimeFigureOut">
               <a:rPr lang="sr-Latn-CS" smtClean="0"/>
               <a:pPr/>
-              <a:t>14.9.2017.</a:t>
+              <a:t>15.9.2017.</a:t>
             </a:fld>
             <a:endParaRPr lang="hr-HR"/>
           </a:p>
@@ -5351,7 +5351,11 @@
                 <a:ea typeface="Calibri"/>
                 <a:cs typeface="Times New Roman"/>
               </a:rPr>
-              <a:t>prijevoza i boravka </a:t>
+              <a:t>prijevoza i boravka</a:t>
+            </a:r>
+            <a:r>
+              <a:rPr lang="hr-HR" dirty="0"/>
+              <a:t> </a:t>
             </a:r>
             <a:r>
               <a:rPr lang="hr-HR" sz="2400" dirty="0" smtClean="0"/>
@@ -5365,7 +5369,11 @@
                 <a:ea typeface="Calibri"/>
                 <a:cs typeface="Times New Roman"/>
               </a:rPr>
-              <a:t>od trenutka polaska do trenutka povratka </a:t>
+              <a:t>od trenutka polaska do trenutka povratka</a:t>
+            </a:r>
+            <a:r>
+              <a:rPr lang="hr-HR" dirty="0"/>
+              <a:t> </a:t>
             </a:r>
             <a:r>
               <a:rPr lang="hr-HR" sz="2400" dirty="0" smtClean="0"/>
@@ -6305,7 +6313,15 @@
             </a:pPr>
             <a:r>
               <a:rPr lang="hr-HR" sz="2200" dirty="0" smtClean="0"/>
-              <a:t>posjetitelje možemo podijeliti na </a:t>
+              <a:t>posjetitelje </a:t>
+            </a:r>
+            <a:r>
+              <a:rPr lang="hr-HR" sz="2200" dirty="0" smtClean="0"/>
+              <a:t>dijelimo </a:t>
+            </a:r>
+            <a:r>
+              <a:rPr lang="hr-HR" sz="2200" dirty="0" smtClean="0"/>
+              <a:t>na </a:t>
             </a:r>
             <a:r>
               <a:rPr lang="hr-HR" sz="2200" b="1" dirty="0" smtClean="0"/>
@@ -6500,7 +6516,23 @@
             </a:r>
             <a:r>
               <a:rPr lang="hr-HR" sz="2200" dirty="0" smtClean="0"/>
-              <a:t>aktivni pripadnici oružanih snaga, putnici na dnevnim rutinskim putovanjima (posao, škola…), migranti, izbjeglice, prognanici, putnici u tranzitu, radnici na privremenom radu, nomadi…</a:t>
+              <a:t>aktivni pripadnici oružanih snaga, putnici na </a:t>
+            </a:r>
+            <a:r>
+              <a:rPr lang="hr-HR" sz="2200" dirty="0" smtClean="0"/>
+              <a:t>svakodnevnim putovanjima </a:t>
+            </a:r>
+            <a:r>
+              <a:rPr lang="hr-HR" sz="2200" dirty="0" smtClean="0"/>
+              <a:t>(posao, škola…), migranti</a:t>
+            </a:r>
+            <a:r>
+              <a:rPr lang="hr-HR" sz="2200" dirty="0" smtClean="0"/>
+              <a:t>, </a:t>
+            </a:r>
+            <a:r>
+              <a:rPr lang="hr-HR" sz="2200" dirty="0" smtClean="0"/>
+              <a:t>putnici u tranzitu, radnici na privremenom radu, nomadi…</a:t>
             </a:r>
             <a:endParaRPr lang="hr-HR" sz="2200" dirty="0"/>
           </a:p>
@@ -10091,7 +10123,15 @@
             </a:r>
             <a:r>
               <a:rPr lang="hr-HR" sz="2400" dirty="0" smtClean="0"/>
-              <a:t> – domaći turisti putuju unutar svoje zemlje </a:t>
+              <a:t> – </a:t>
+            </a:r>
+            <a:r>
+              <a:rPr lang="hr-HR" sz="2400" dirty="0" smtClean="0"/>
+              <a:t>domaći </a:t>
+            </a:r>
+            <a:r>
+              <a:rPr lang="hr-HR" sz="2400" dirty="0" smtClean="0"/>
+              <a:t>turisti putuju unutar svoje zemlje </a:t>
             </a:r>
             <a:br>
               <a:rPr lang="hr-HR" sz="2400" dirty="0" smtClean="0"/>
@@ -10290,7 +10330,15 @@
             </a:r>
             <a:r>
               <a:rPr lang="hr-HR" sz="2200" dirty="0" smtClean="0"/>
-              <a:t> – putovanje van regije (npr. Europljana u SAD)</a:t>
+              <a:t> – putovanje </a:t>
+            </a:r>
+            <a:r>
+              <a:rPr lang="hr-HR" sz="2200" dirty="0" smtClean="0"/>
+              <a:t>izvan </a:t>
+            </a:r>
+            <a:r>
+              <a:rPr lang="hr-HR" sz="2200" dirty="0" smtClean="0"/>
+              <a:t>regije (npr. Europljana u SAD)</a:t>
             </a:r>
           </a:p>
         </p:txBody>
@@ -14582,15 +14630,7 @@
                   <a:srgbClr val="FF0000"/>
                 </a:solidFill>
               </a:rPr>
-              <a:t>specifični </a:t>
-            </a:r>
-            <a:r>
-              <a:rPr lang="hr-HR" sz="2400" b="1" dirty="0" smtClean="0">
-                <a:solidFill>
-                  <a:srgbClr val="FF0000"/>
-                </a:solidFill>
-              </a:rPr>
-              <a:t>oblici turizma</a:t>
+              <a:t>specifični oblici turizma</a:t>
             </a:r>
             <a:r>
               <a:rPr lang="hr-HR" sz="2400" dirty="0" smtClean="0">

--- a/data/prezentacije/osnove_turizma/001_Turizam_uvod.pptx
+++ b/data/prezentacije/osnove_turizma/001_Turizam_uvod.pptx
@@ -7892,7 +7892,7 @@
 </file>
 
 <file path=ppt/slides/slide14.xml><?xml version="1.0" encoding="utf-8"?>
-<p:sld xmlns:a="http://schemas.openxmlformats.org/drawingml/2006/main" xmlns:r="http://schemas.openxmlformats.org/officeDocument/2006/relationships" xmlns:p="http://schemas.openxmlformats.org/presentationml/2006/main">
+<p:sld xmlns:a="http://schemas.openxmlformats.org/drawingml/2006/main" xmlns:r="http://schemas.openxmlformats.org/officeDocument/2006/relationships" xmlns:p="http://schemas.openxmlformats.org/presentationml/2006/main" show="0">
   <p:cSld>
     <p:spTree>
       <p:nvGrpSpPr>
@@ -8262,7 +8262,7 @@
 </file>
 
 <file path=ppt/slides/slide15.xml><?xml version="1.0" encoding="utf-8"?>
-<p:sld xmlns:a="http://schemas.openxmlformats.org/drawingml/2006/main" xmlns:r="http://schemas.openxmlformats.org/officeDocument/2006/relationships" xmlns:p="http://schemas.openxmlformats.org/presentationml/2006/main">
+<p:sld xmlns:a="http://schemas.openxmlformats.org/drawingml/2006/main" xmlns:r="http://schemas.openxmlformats.org/officeDocument/2006/relationships" xmlns:p="http://schemas.openxmlformats.org/presentationml/2006/main" show="0">
   <p:cSld>
     <p:spTree>
       <p:nvGrpSpPr>
@@ -10010,7 +10010,7 @@
 </file>
 
 <file path=ppt/slides/slide19.xml><?xml version="1.0" encoding="utf-8"?>
-<p:sld xmlns:a="http://schemas.openxmlformats.org/drawingml/2006/main" xmlns:r="http://schemas.openxmlformats.org/officeDocument/2006/relationships" xmlns:p="http://schemas.openxmlformats.org/presentationml/2006/main">
+<p:sld xmlns:a="http://schemas.openxmlformats.org/drawingml/2006/main" xmlns:r="http://schemas.openxmlformats.org/officeDocument/2006/relationships" xmlns:p="http://schemas.openxmlformats.org/presentationml/2006/main" show="0">
   <p:cSld>
     <p:spTree>
       <p:nvGrpSpPr>
@@ -11213,7 +11213,7 @@
 </file>
 
 <file path=ppt/slides/slide20.xml><?xml version="1.0" encoding="utf-8"?>
-<p:sld xmlns:a="http://schemas.openxmlformats.org/drawingml/2006/main" xmlns:r="http://schemas.openxmlformats.org/officeDocument/2006/relationships" xmlns:p="http://schemas.openxmlformats.org/presentationml/2006/main">
+<p:sld xmlns:a="http://schemas.openxmlformats.org/drawingml/2006/main" xmlns:r="http://schemas.openxmlformats.org/officeDocument/2006/relationships" xmlns:p="http://schemas.openxmlformats.org/presentationml/2006/main" show="0">
   <p:cSld>
     <p:spTree>
       <p:nvGrpSpPr>
@@ -11734,7 +11734,7 @@
 </file>
 
 <file path=ppt/slides/slide21.xml><?xml version="1.0" encoding="utf-8"?>
-<p:sld xmlns:a="http://schemas.openxmlformats.org/drawingml/2006/main" xmlns:r="http://schemas.openxmlformats.org/officeDocument/2006/relationships" xmlns:p="http://schemas.openxmlformats.org/presentationml/2006/main">
+<p:sld xmlns:a="http://schemas.openxmlformats.org/drawingml/2006/main" xmlns:r="http://schemas.openxmlformats.org/officeDocument/2006/relationships" xmlns:p="http://schemas.openxmlformats.org/presentationml/2006/main" show="0">
   <p:cSld>
     <p:spTree>
       <p:nvGrpSpPr>
@@ -11843,11 +11843,7 @@
             </a:pPr>
             <a:r>
               <a:rPr lang="hr-HR" sz="2400" dirty="0" smtClean="0"/>
-              <a:t>	(</a:t>
-            </a:r>
-            <a:r>
-              <a:rPr lang="hr-HR" sz="2400" dirty="0" smtClean="0"/>
-              <a:t>npr. hrvatski turisti unutar Hrvatske)</a:t>
+              <a:t>	(npr. hrvatski turisti unutar Hrvatske)</a:t>
             </a:r>
           </a:p>
           <a:p>
@@ -11891,15 +11887,7 @@
             </a:pPr>
             <a:r>
               <a:rPr lang="hr-HR" sz="2400" dirty="0" smtClean="0"/>
-              <a:t>	</a:t>
-            </a:r>
-            <a:r>
-              <a:rPr lang="hr-HR" sz="2400" dirty="0" smtClean="0"/>
-              <a:t>(npr</a:t>
-            </a:r>
-            <a:r>
-              <a:rPr lang="hr-HR" sz="2400" dirty="0" smtClean="0"/>
-              <a:t>. njemački turisti u Hrvatskoj)</a:t>
+              <a:t>	(npr. njemački turisti u Hrvatskoj)</a:t>
             </a:r>
           </a:p>
           <a:p>
@@ -11947,17 +11935,8 @@
             </a:pPr>
             <a:r>
               <a:rPr lang="hr-HR" sz="2400" dirty="0" smtClean="0"/>
-              <a:t>	(</a:t>
-            </a:r>
-            <a:r>
-              <a:rPr lang="hr-HR" sz="2400" dirty="0" smtClean="0"/>
-              <a:t>npr. hrvatski turisti u Njemačkoj</a:t>
-            </a:r>
-            <a:r>
-              <a:rPr lang="hr-HR" sz="2400" dirty="0" smtClean="0"/>
-              <a:t>)</a:t>
-            </a:r>
-            <a:endParaRPr lang="hr-HR" sz="2400" dirty="0" smtClean="0"/>
+              <a:t>	(npr. hrvatski turisti u Njemačkoj)</a:t>
+            </a:r>
           </a:p>
         </p:txBody>
       </p:sp>
@@ -13542,7 +13521,7 @@
 </file>
 
 <file path=ppt/slides/slide22.xml><?xml version="1.0" encoding="utf-8"?>
-<p:sld xmlns:a="http://schemas.openxmlformats.org/drawingml/2006/main" xmlns:r="http://schemas.openxmlformats.org/officeDocument/2006/relationships" xmlns:p="http://schemas.openxmlformats.org/presentationml/2006/main">
+<p:sld xmlns:a="http://schemas.openxmlformats.org/drawingml/2006/main" xmlns:r="http://schemas.openxmlformats.org/officeDocument/2006/relationships" xmlns:p="http://schemas.openxmlformats.org/presentationml/2006/main" show="0">
   <p:cSld>
     <p:spTree>
       <p:nvGrpSpPr>
@@ -13756,23 +13735,7 @@
                   <a:srgbClr val="FF0000"/>
                 </a:solidFill>
               </a:rPr>
-              <a:t>intenzitetu korištenja </a:t>
-            </a:r>
-            <a:r>
-              <a:rPr lang="hr-HR" sz="2800" b="1" dirty="0" smtClean="0">
-                <a:solidFill>
-                  <a:srgbClr val="FF0000"/>
-                </a:solidFill>
-              </a:rPr>
-              <a:t>prihvatnih </a:t>
-            </a:r>
-            <a:r>
-              <a:rPr lang="hr-HR" sz="2800" b="1" dirty="0" smtClean="0">
-                <a:solidFill>
-                  <a:srgbClr val="FF0000"/>
-                </a:solidFill>
-              </a:rPr>
-              <a:t>kapaciteta</a:t>
+              <a:t>intenzitetu korištenja prihvatnih kapaciteta</a:t>
             </a:r>
           </a:p>
           <a:p>
@@ -14510,7 +14473,7 @@
 </file>
 
 <file path=ppt/slides/slide23.xml><?xml version="1.0" encoding="utf-8"?>
-<p:sld xmlns:a="http://schemas.openxmlformats.org/drawingml/2006/main" xmlns:r="http://schemas.openxmlformats.org/officeDocument/2006/relationships" xmlns:p="http://schemas.openxmlformats.org/presentationml/2006/main">
+<p:sld xmlns:a="http://schemas.openxmlformats.org/drawingml/2006/main" xmlns:r="http://schemas.openxmlformats.org/officeDocument/2006/relationships" xmlns:p="http://schemas.openxmlformats.org/presentationml/2006/main" show="0">
   <p:cSld>
     <p:spTree>
       <p:nvGrpSpPr>
@@ -15057,7 +15020,7 @@
 </file>
 
 <file path=ppt/slides/slide24.xml><?xml version="1.0" encoding="utf-8"?>
-<p:sld xmlns:a="http://schemas.openxmlformats.org/drawingml/2006/main" xmlns:r="http://schemas.openxmlformats.org/officeDocument/2006/relationships" xmlns:p="http://schemas.openxmlformats.org/presentationml/2006/main">
+<p:sld xmlns:a="http://schemas.openxmlformats.org/drawingml/2006/main" xmlns:r="http://schemas.openxmlformats.org/officeDocument/2006/relationships" xmlns:p="http://schemas.openxmlformats.org/presentationml/2006/main" show="0">
   <p:cSld>
     <p:spTree>
       <p:nvGrpSpPr>
@@ -15396,7 +15359,7 @@
 </file>
 
 <file path=ppt/slides/slide25.xml><?xml version="1.0" encoding="utf-8"?>
-<p:sld xmlns:a="http://schemas.openxmlformats.org/drawingml/2006/main" xmlns:r="http://schemas.openxmlformats.org/officeDocument/2006/relationships" xmlns:p="http://schemas.openxmlformats.org/presentationml/2006/main">
+<p:sld xmlns:a="http://schemas.openxmlformats.org/drawingml/2006/main" xmlns:r="http://schemas.openxmlformats.org/officeDocument/2006/relationships" xmlns:p="http://schemas.openxmlformats.org/presentationml/2006/main" show="0">
   <p:cSld>
     <p:spTree>
       <p:nvGrpSpPr>
@@ -15579,7 +15542,7 @@
 </file>
 
 <file path=ppt/slides/slide26.xml><?xml version="1.0" encoding="utf-8"?>
-<p:sld xmlns:a="http://schemas.openxmlformats.org/drawingml/2006/main" xmlns:r="http://schemas.openxmlformats.org/officeDocument/2006/relationships" xmlns:p="http://schemas.openxmlformats.org/presentationml/2006/main">
+<p:sld xmlns:a="http://schemas.openxmlformats.org/drawingml/2006/main" xmlns:r="http://schemas.openxmlformats.org/officeDocument/2006/relationships" xmlns:p="http://schemas.openxmlformats.org/presentationml/2006/main" show="0">
   <p:cSld>
     <p:spTree>
       <p:nvGrpSpPr>
@@ -15926,7 +15889,7 @@
 </file>
 
 <file path=ppt/slides/slide27.xml><?xml version="1.0" encoding="utf-8"?>
-<p:sld xmlns:a="http://schemas.openxmlformats.org/drawingml/2006/main" xmlns:r="http://schemas.openxmlformats.org/officeDocument/2006/relationships" xmlns:p="http://schemas.openxmlformats.org/presentationml/2006/main">
+<p:sld xmlns:a="http://schemas.openxmlformats.org/drawingml/2006/main" xmlns:r="http://schemas.openxmlformats.org/officeDocument/2006/relationships" xmlns:p="http://schemas.openxmlformats.org/presentationml/2006/main" show="0">
   <p:cSld>
     <p:spTree>
       <p:nvGrpSpPr>
@@ -16109,7 +16072,7 @@
 </file>
 
 <file path=ppt/slides/slide28.xml><?xml version="1.0" encoding="utf-8"?>
-<p:sld xmlns:a="http://schemas.openxmlformats.org/drawingml/2006/main" xmlns:r="http://schemas.openxmlformats.org/officeDocument/2006/relationships" xmlns:p="http://schemas.openxmlformats.org/presentationml/2006/main">
+<p:sld xmlns:a="http://schemas.openxmlformats.org/drawingml/2006/main" xmlns:r="http://schemas.openxmlformats.org/officeDocument/2006/relationships" xmlns:p="http://schemas.openxmlformats.org/presentationml/2006/main" show="0">
   <p:cSld>
     <p:spTree>
       <p:nvGrpSpPr>
@@ -16381,7 +16344,7 @@
 </file>
 
 <file path=ppt/slides/slide29.xml><?xml version="1.0" encoding="utf-8"?>
-<p:sld xmlns:a="http://schemas.openxmlformats.org/drawingml/2006/main" xmlns:r="http://schemas.openxmlformats.org/officeDocument/2006/relationships" xmlns:p="http://schemas.openxmlformats.org/presentationml/2006/main">
+<p:sld xmlns:a="http://schemas.openxmlformats.org/drawingml/2006/main" xmlns:r="http://schemas.openxmlformats.org/officeDocument/2006/relationships" xmlns:p="http://schemas.openxmlformats.org/presentationml/2006/main" show="0">
   <p:cSld>
     <p:spTree>
       <p:nvGrpSpPr>
@@ -16983,7 +16946,7 @@
 </file>
 
 <file path=ppt/slides/slide30.xml><?xml version="1.0" encoding="utf-8"?>
-<p:sld xmlns:a="http://schemas.openxmlformats.org/drawingml/2006/main" xmlns:r="http://schemas.openxmlformats.org/officeDocument/2006/relationships" xmlns:p="http://schemas.openxmlformats.org/presentationml/2006/main">
+<p:sld xmlns:a="http://schemas.openxmlformats.org/drawingml/2006/main" xmlns:r="http://schemas.openxmlformats.org/officeDocument/2006/relationships" xmlns:p="http://schemas.openxmlformats.org/presentationml/2006/main" show="0">
   <p:cSld>
     <p:spTree>
       <p:nvGrpSpPr>
@@ -17508,11 +17471,7 @@
             </a:r>
             <a:r>
               <a:rPr lang="hr-HR" sz="2400" dirty="0"/>
-              <a:t> – </a:t>
-            </a:r>
-            <a:r>
-              <a:rPr lang="hr-HR" sz="2400" dirty="0"/>
-              <a:t>strani turisti dolaze u neku zemlju </a:t>
+              <a:t> – strani turisti dolaze u neku zemlju </a:t>
             </a:r>
             <a:br>
               <a:rPr lang="hr-HR" sz="2400" dirty="0"/>
@@ -17969,9 +17928,6 @@
                     <p:cTn id="3" fill="hold">
                       <p:stCondLst>
                         <p:cond delay="indefinite"/>
-                        <p:cond evt="onBegin" delay="0">
-                          <p:tn val="2"/>
-                        </p:cond>
                       </p:stCondLst>
                       <p:childTnLst>
                         <p:par>
@@ -17981,7 +17937,7 @@
                             </p:stCondLst>
                             <p:childTnLst>
                               <p:par>
-                                <p:cTn id="5" presetID="10" presetClass="entr" presetSubtype="0" fill="hold" nodeType="afterEffect">
+                                <p:cTn id="5" presetID="10" presetClass="entr" presetSubtype="0" fill="hold" nodeType="clickEffect">
                                   <p:stCondLst>
                                     <p:cond delay="0"/>
                                   </p:stCondLst>
@@ -18026,21 +17982,30 @@
                             </p:childTnLst>
                           </p:cTn>
                         </p:par>
+                      </p:childTnLst>
+                    </p:cTn>
+                  </p:par>
+                  <p:par>
+                    <p:cTn id="8" fill="hold">
+                      <p:stCondLst>
+                        <p:cond delay="indefinite"/>
+                      </p:stCondLst>
+                      <p:childTnLst>
                         <p:par>
-                          <p:cTn id="8" fill="hold">
+                          <p:cTn id="9" fill="hold">
                             <p:stCondLst>
-                              <p:cond delay="250"/>
+                              <p:cond delay="0"/>
                             </p:stCondLst>
                             <p:childTnLst>
                               <p:par>
-                                <p:cTn id="9" presetID="10" presetClass="entr" presetSubtype="0" fill="hold" nodeType="afterEffect">
+                                <p:cTn id="10" presetID="10" presetClass="entr" presetSubtype="0" fill="hold" nodeType="clickEffect">
                                   <p:stCondLst>
                                     <p:cond delay="0"/>
                                   </p:stCondLst>
                                   <p:childTnLst>
                                     <p:set>
                                       <p:cBhvr>
-                                        <p:cTn id="10" dur="1" fill="hold">
+                                        <p:cTn id="11" dur="1" fill="hold">
                                           <p:stCondLst>
                                             <p:cond delay="0"/>
                                           </p:stCondLst>
@@ -18062,7 +18027,7 @@
                                     </p:set>
                                     <p:animEffect transition="in" filter="fade">
                                       <p:cBhvr>
-                                        <p:cTn id="11" dur="250"/>
+                                        <p:cTn id="12" dur="250"/>
                                         <p:tgtEl>
                                           <p:spTgt spid="3">
                                             <p:txEl>
@@ -18078,21 +18043,30 @@
                             </p:childTnLst>
                           </p:cTn>
                         </p:par>
+                      </p:childTnLst>
+                    </p:cTn>
+                  </p:par>
+                  <p:par>
+                    <p:cTn id="13" fill="hold">
+                      <p:stCondLst>
+                        <p:cond delay="indefinite"/>
+                      </p:stCondLst>
+                      <p:childTnLst>
                         <p:par>
-                          <p:cTn id="12" fill="hold">
+                          <p:cTn id="14" fill="hold">
                             <p:stCondLst>
-                              <p:cond delay="500"/>
+                              <p:cond delay="0"/>
                             </p:stCondLst>
                             <p:childTnLst>
                               <p:par>
-                                <p:cTn id="13" presetID="10" presetClass="entr" presetSubtype="0" fill="hold" nodeType="afterEffect">
+                                <p:cTn id="15" presetID="10" presetClass="entr" presetSubtype="0" fill="hold" nodeType="clickEffect">
                                   <p:stCondLst>
                                     <p:cond delay="0"/>
                                   </p:stCondLst>
                                   <p:childTnLst>
                                     <p:set>
                                       <p:cBhvr>
-                                        <p:cTn id="14" dur="1" fill="hold">
+                                        <p:cTn id="16" dur="1" fill="hold">
                                           <p:stCondLst>
                                             <p:cond delay="0"/>
                                           </p:stCondLst>
@@ -18114,7 +18088,7 @@
                                     </p:set>
                                     <p:animEffect transition="in" filter="fade">
                                       <p:cBhvr>
-                                        <p:cTn id="15" dur="250"/>
+                                        <p:cTn id="17" dur="250"/>
                                         <p:tgtEl>
                                           <p:spTgt spid="3">
                                             <p:txEl>
@@ -18130,21 +18104,30 @@
                             </p:childTnLst>
                           </p:cTn>
                         </p:par>
+                      </p:childTnLst>
+                    </p:cTn>
+                  </p:par>
+                  <p:par>
+                    <p:cTn id="18" fill="hold">
+                      <p:stCondLst>
+                        <p:cond delay="indefinite"/>
+                      </p:stCondLst>
+                      <p:childTnLst>
                         <p:par>
-                          <p:cTn id="16" fill="hold">
+                          <p:cTn id="19" fill="hold">
                             <p:stCondLst>
-                              <p:cond delay="750"/>
+                              <p:cond delay="0"/>
                             </p:stCondLst>
                             <p:childTnLst>
                               <p:par>
-                                <p:cTn id="17" presetID="10" presetClass="entr" presetSubtype="0" fill="hold" nodeType="afterEffect">
+                                <p:cTn id="20" presetID="10" presetClass="entr" presetSubtype="0" fill="hold" nodeType="clickEffect">
                                   <p:stCondLst>
                                     <p:cond delay="0"/>
                                   </p:stCondLst>
                                   <p:childTnLst>
                                     <p:set>
                                       <p:cBhvr>
-                                        <p:cTn id="18" dur="1" fill="hold">
+                                        <p:cTn id="21" dur="1" fill="hold">
                                           <p:stCondLst>
                                             <p:cond delay="0"/>
                                           </p:stCondLst>
@@ -18166,7 +18149,7 @@
                                     </p:set>
                                     <p:animEffect transition="in" filter="fade">
                                       <p:cBhvr>
-                                        <p:cTn id="19" dur="250"/>
+                                        <p:cTn id="22" dur="250"/>
                                         <p:tgtEl>
                                           <p:spTgt spid="3">
                                             <p:txEl>
@@ -18182,21 +18165,30 @@
                             </p:childTnLst>
                           </p:cTn>
                         </p:par>
+                      </p:childTnLst>
+                    </p:cTn>
+                  </p:par>
+                  <p:par>
+                    <p:cTn id="23" fill="hold">
+                      <p:stCondLst>
+                        <p:cond delay="indefinite"/>
+                      </p:stCondLst>
+                      <p:childTnLst>
                         <p:par>
-                          <p:cTn id="20" fill="hold">
+                          <p:cTn id="24" fill="hold">
                             <p:stCondLst>
-                              <p:cond delay="1000"/>
+                              <p:cond delay="0"/>
                             </p:stCondLst>
                             <p:childTnLst>
                               <p:par>
-                                <p:cTn id="21" presetID="10" presetClass="entr" presetSubtype="0" fill="hold" nodeType="afterEffect">
+                                <p:cTn id="25" presetID="10" presetClass="entr" presetSubtype="0" fill="hold" nodeType="clickEffect">
                                   <p:stCondLst>
                                     <p:cond delay="0"/>
                                   </p:stCondLst>
                                   <p:childTnLst>
                                     <p:set>
                                       <p:cBhvr>
-                                        <p:cTn id="22" dur="1" fill="hold">
+                                        <p:cTn id="26" dur="1" fill="hold">
                                           <p:stCondLst>
                                             <p:cond delay="0"/>
                                           </p:stCondLst>
@@ -18218,7 +18210,7 @@
                                     </p:set>
                                     <p:animEffect transition="in" filter="fade">
                                       <p:cBhvr>
-                                        <p:cTn id="23" dur="250"/>
+                                        <p:cTn id="27" dur="250"/>
                                         <p:tgtEl>
                                           <p:spTgt spid="3">
                                             <p:txEl>
@@ -18234,21 +18226,30 @@
                             </p:childTnLst>
                           </p:cTn>
                         </p:par>
+                      </p:childTnLst>
+                    </p:cTn>
+                  </p:par>
+                  <p:par>
+                    <p:cTn id="28" fill="hold">
+                      <p:stCondLst>
+                        <p:cond delay="indefinite"/>
+                      </p:stCondLst>
+                      <p:childTnLst>
                         <p:par>
-                          <p:cTn id="24" fill="hold">
+                          <p:cTn id="29" fill="hold">
                             <p:stCondLst>
-                              <p:cond delay="1250"/>
+                              <p:cond delay="0"/>
                             </p:stCondLst>
                             <p:childTnLst>
                               <p:par>
-                                <p:cTn id="25" presetID="10" presetClass="entr" presetSubtype="0" fill="hold" nodeType="afterEffect">
+                                <p:cTn id="30" presetID="10" presetClass="entr" presetSubtype="0" fill="hold" nodeType="clickEffect">
                                   <p:stCondLst>
                                     <p:cond delay="0"/>
                                   </p:stCondLst>
                                   <p:childTnLst>
                                     <p:set>
                                       <p:cBhvr>
-                                        <p:cTn id="26" dur="1" fill="hold">
+                                        <p:cTn id="31" dur="1" fill="hold">
                                           <p:stCondLst>
                                             <p:cond delay="0"/>
                                           </p:stCondLst>
@@ -18270,7 +18271,7 @@
                                     </p:set>
                                     <p:animEffect transition="in" filter="fade">
                                       <p:cBhvr>
-                                        <p:cTn id="27" dur="250"/>
+                                        <p:cTn id="32" dur="250"/>
                                         <p:tgtEl>
                                           <p:spTgt spid="3">
                                             <p:txEl>
@@ -18286,21 +18287,30 @@
                             </p:childTnLst>
                           </p:cTn>
                         </p:par>
+                      </p:childTnLst>
+                    </p:cTn>
+                  </p:par>
+                  <p:par>
+                    <p:cTn id="33" fill="hold">
+                      <p:stCondLst>
+                        <p:cond delay="indefinite"/>
+                      </p:stCondLst>
+                      <p:childTnLst>
                         <p:par>
-                          <p:cTn id="28" fill="hold">
+                          <p:cTn id="34" fill="hold">
                             <p:stCondLst>
-                              <p:cond delay="1500"/>
+                              <p:cond delay="0"/>
                             </p:stCondLst>
                             <p:childTnLst>
                               <p:par>
-                                <p:cTn id="29" presetID="10" presetClass="entr" presetSubtype="0" fill="hold" nodeType="afterEffect">
+                                <p:cTn id="35" presetID="10" presetClass="entr" presetSubtype="0" fill="hold" nodeType="clickEffect">
                                   <p:stCondLst>
                                     <p:cond delay="0"/>
                                   </p:stCondLst>
                                   <p:childTnLst>
                                     <p:set>
                                       <p:cBhvr>
-                                        <p:cTn id="30" dur="1" fill="hold">
+                                        <p:cTn id="36" dur="1" fill="hold">
                                           <p:stCondLst>
                                             <p:cond delay="0"/>
                                           </p:stCondLst>
@@ -18322,7 +18332,7 @@
                                     </p:set>
                                     <p:animEffect transition="in" filter="fade">
                                       <p:cBhvr>
-                                        <p:cTn id="31" dur="250"/>
+                                        <p:cTn id="37" dur="250"/>
                                         <p:tgtEl>
                                           <p:spTgt spid="3">
                                             <p:txEl>
@@ -18338,21 +18348,30 @@
                             </p:childTnLst>
                           </p:cTn>
                         </p:par>
+                      </p:childTnLst>
+                    </p:cTn>
+                  </p:par>
+                  <p:par>
+                    <p:cTn id="38" fill="hold">
+                      <p:stCondLst>
+                        <p:cond delay="indefinite"/>
+                      </p:stCondLst>
+                      <p:childTnLst>
                         <p:par>
-                          <p:cTn id="32" fill="hold">
+                          <p:cTn id="39" fill="hold">
                             <p:stCondLst>
-                              <p:cond delay="1750"/>
+                              <p:cond delay="0"/>
                             </p:stCondLst>
                             <p:childTnLst>
                               <p:par>
-                                <p:cTn id="33" presetID="10" presetClass="entr" presetSubtype="0" fill="hold" nodeType="afterEffect">
+                                <p:cTn id="40" presetID="10" presetClass="entr" presetSubtype="0" fill="hold" nodeType="clickEffect">
                                   <p:stCondLst>
                                     <p:cond delay="0"/>
                                   </p:stCondLst>
                                   <p:childTnLst>
                                     <p:set>
                                       <p:cBhvr>
-                                        <p:cTn id="34" dur="1" fill="hold">
+                                        <p:cTn id="41" dur="1" fill="hold">
                                           <p:stCondLst>
                                             <p:cond delay="0"/>
                                           </p:stCondLst>
@@ -18374,7 +18393,7 @@
                                     </p:set>
                                     <p:animEffect transition="in" filter="fade">
                                       <p:cBhvr>
-                                        <p:cTn id="35" dur="250"/>
+                                        <p:cTn id="42" dur="250"/>
                                         <p:tgtEl>
                                           <p:spTgt spid="3">
                                             <p:txEl>
@@ -19235,7 +19254,15 @@
             </a:pPr>
             <a:r>
               <a:rPr lang="hr-HR" i="1" dirty="0" smtClean="0"/>
-              <a:t>npr. turističko mjesto Novalja kao turistička destinacija obuhvaća i Zrće, Staru Novalju, </a:t>
+              <a:t>npr. turističko mjesto Novalja kao turistička destinacija </a:t>
+            </a:r>
+            <a:r>
+              <a:rPr lang="hr-HR" i="1" dirty="0" smtClean="0"/>
+              <a:t>obuhvaća i </a:t>
+            </a:r>
+            <a:r>
+              <a:rPr lang="hr-HR" i="1" dirty="0" smtClean="0"/>
+              <a:t>Zrće, Staru Novalju, </a:t>
             </a:r>
             <a:r>
               <a:rPr lang="hr-HR" i="1" dirty="0" err="1" smtClean="0"/>
@@ -20759,26 +20786,46 @@
               </a:spcBef>
             </a:pPr>
             <a:r>
-              <a:rPr lang="hr-HR" sz="2200" b="1" dirty="0"/>
+              <a:rPr lang="hr-HR" sz="2200" b="1" dirty="0">
+                <a:solidFill>
+                  <a:srgbClr val="FF0000"/>
+                </a:solidFill>
+              </a:rPr>
               <a:t>uvjeti</a:t>
             </a:r>
             <a:r>
+              <a:rPr lang="hr-HR" sz="2200" dirty="0">
+                <a:solidFill>
+                  <a:srgbClr val="FF0000"/>
+                </a:solidFill>
+              </a:rPr>
+              <a:t> </a:t>
+            </a:r>
+            <a:r>
               <a:rPr lang="hr-HR" sz="2200" dirty="0"/>
-              <a:t> po kojima je neko područje turistička destinacija:</a:t>
+              <a:t>po kojima je neko područje turistička destinacija:</a:t>
             </a:r>
           </a:p>
           <a:p>
             <a:pPr lvl="1">
               <a:spcBef>
-                <a:spcPts val="0"/>
+                <a:spcPts val="300"/>
               </a:spcBef>
             </a:pPr>
             <a:r>
-              <a:rPr lang="hr-HR" sz="2200" b="1" dirty="0" smtClean="0"/>
+              <a:rPr lang="hr-HR" sz="2200" b="1" dirty="0" smtClean="0">
+                <a:solidFill>
+                  <a:srgbClr val="FF0000"/>
+                </a:solidFill>
+              </a:rPr>
               <a:t>privlačnost</a:t>
             </a:r>
             <a:r>
-              <a:rPr lang="hr-HR" sz="2200" dirty="0" smtClean="0"/>
+              <a:rPr lang="hr-HR" sz="2200" dirty="0" smtClean="0">
+                <a:solidFill>
+                  <a:srgbClr val="FF0000"/>
+                </a:solidFill>
+              </a:rPr>
               <a:t> </a:t>
             </a:r>
             <a:r>
@@ -20789,16 +20836,28 @@
           <a:p>
             <a:pPr lvl="1">
               <a:spcBef>
-                <a:spcPts val="0"/>
+                <a:spcPts val="300"/>
               </a:spcBef>
             </a:pPr>
             <a:r>
-              <a:rPr lang="hr-HR" sz="2200" b="1" dirty="0" smtClean="0"/>
+              <a:rPr lang="hr-HR" sz="2200" b="1" dirty="0" smtClean="0">
+                <a:solidFill>
+                  <a:srgbClr val="FF0000"/>
+                </a:solidFill>
+              </a:rPr>
               <a:t>dostupnost</a:t>
             </a:r>
             <a:r>
+              <a:rPr lang="hr-HR" sz="2200" dirty="0" smtClean="0">
+                <a:solidFill>
+                  <a:srgbClr val="FF0000"/>
+                </a:solidFill>
+              </a:rPr>
+              <a:t> </a:t>
+            </a:r>
+            <a:r>
               <a:rPr lang="hr-HR" sz="2200" dirty="0" smtClean="0"/>
-              <a:t> – </a:t>
+              <a:t>– </a:t>
             </a:r>
             <a:r>
               <a:rPr lang="hr-HR" sz="2200" i="1" dirty="0" smtClean="0"/>
@@ -20808,23 +20867,47 @@
           <a:p>
             <a:pPr lvl="1">
               <a:spcBef>
-                <a:spcPts val="0"/>
+                <a:spcPts val="300"/>
               </a:spcBef>
             </a:pPr>
             <a:r>
-              <a:rPr lang="hr-HR" sz="2200" b="1" dirty="0" smtClean="0"/>
+              <a:rPr lang="hr-HR" sz="2200" b="1" dirty="0" smtClean="0">
+                <a:solidFill>
+                  <a:srgbClr val="FF0000"/>
+                </a:solidFill>
+              </a:rPr>
               <a:t>odgovarajući smještajni kapaciteti</a:t>
             </a:r>
           </a:p>
           <a:p>
             <a:pPr lvl="1">
               <a:spcBef>
-                <a:spcPts val="0"/>
+                <a:spcPts val="300"/>
               </a:spcBef>
             </a:pPr>
             <a:r>
+              <a:rPr lang="hr-HR" sz="2200" b="1" dirty="0" smtClean="0">
+                <a:solidFill>
+                  <a:srgbClr val="FF0000"/>
+                </a:solidFill>
+              </a:rPr>
+              <a:t>izbor</a:t>
+            </a:r>
+            <a:r>
               <a:rPr lang="hr-HR" sz="2200" b="1" dirty="0" smtClean="0"/>
-              <a:t>izbor aktivnosti </a:t>
+              <a:t> </a:t>
+            </a:r>
+            <a:r>
+              <a:rPr lang="hr-HR" sz="2200" b="1" dirty="0" smtClean="0">
+                <a:solidFill>
+                  <a:srgbClr val="FF0000"/>
+                </a:solidFill>
+              </a:rPr>
+              <a:t>aktivnosti</a:t>
+            </a:r>
+            <a:r>
+              <a:rPr lang="hr-HR" sz="2200" b="1" dirty="0" smtClean="0"/>
+              <a:t> </a:t>
             </a:r>
             <a:r>
               <a:rPr lang="hr-HR" sz="2200" dirty="0" smtClean="0"/>
@@ -20846,12 +20929,32 @@
           <a:p>
             <a:pPr lvl="1">
               <a:spcBef>
-                <a:spcPts val="0"/>
+                <a:spcPts val="300"/>
               </a:spcBef>
             </a:pPr>
             <a:r>
+              <a:rPr lang="hr-HR" sz="2200" b="1" dirty="0">
+                <a:solidFill>
+                  <a:srgbClr val="FF0000"/>
+                </a:solidFill>
+              </a:rPr>
+              <a:t>ostali</a:t>
+            </a:r>
+            <a:r>
               <a:rPr lang="hr-HR" sz="2200" b="1" dirty="0"/>
-              <a:t>ostali sadržaji </a:t>
+              <a:t> </a:t>
+            </a:r>
+            <a:r>
+              <a:rPr lang="hr-HR" sz="2200" b="1" dirty="0">
+                <a:solidFill>
+                  <a:srgbClr val="FF0000"/>
+                </a:solidFill>
+              </a:rPr>
+              <a:t>sadržaji</a:t>
+            </a:r>
+            <a:r>
+              <a:rPr lang="hr-HR" sz="2200" b="1" dirty="0"/>
+              <a:t> </a:t>
             </a:r>
             <a:r>
               <a:rPr lang="hr-HR" sz="2200" dirty="0"/>

--- a/data/prezentacije/osnove_turizma/001_Turizam_uvod.pptx
+++ b/data/prezentacije/osnove_turizma/001_Turizam_uvod.pptx
@@ -340,7 +340,7 @@
             <a:fld id="{FDC1A071-2A74-455A-A49A-8BB21E4AC2F6}" type="datetimeFigureOut">
               <a:rPr lang="sr-Latn-CS" smtClean="0"/>
               <a:pPr/>
-              <a:t>21.9.2017.</a:t>
+              <a:t>22.9.2017.</a:t>
             </a:fld>
             <a:endParaRPr lang="hr-HR"/>
           </a:p>
@@ -531,7 +531,7 @@
             <a:fld id="{FDC1A071-2A74-455A-A49A-8BB21E4AC2F6}" type="datetimeFigureOut">
               <a:rPr lang="sr-Latn-CS" smtClean="0"/>
               <a:pPr/>
-              <a:t>21.9.2017.</a:t>
+              <a:t>22.9.2017.</a:t>
             </a:fld>
             <a:endParaRPr lang="hr-HR"/>
           </a:p>
@@ -732,7 +732,7 @@
             <a:fld id="{FDC1A071-2A74-455A-A49A-8BB21E4AC2F6}" type="datetimeFigureOut">
               <a:rPr lang="sr-Latn-CS" smtClean="0"/>
               <a:pPr/>
-              <a:t>21.9.2017.</a:t>
+              <a:t>22.9.2017.</a:t>
             </a:fld>
             <a:endParaRPr lang="hr-HR"/>
           </a:p>
@@ -1184,7 +1184,7 @@
             <a:fld id="{FDC1A071-2A74-455A-A49A-8BB21E4AC2F6}" type="datetimeFigureOut">
               <a:rPr lang="sr-Latn-CS" smtClean="0"/>
               <a:pPr/>
-              <a:t>21.9.2017.</a:t>
+              <a:t>22.9.2017.</a:t>
             </a:fld>
             <a:endParaRPr lang="hr-HR"/>
           </a:p>
@@ -1493,7 +1493,7 @@
             <a:fld id="{FDC1A071-2A74-455A-A49A-8BB21E4AC2F6}" type="datetimeFigureOut">
               <a:rPr lang="sr-Latn-CS" smtClean="0"/>
               <a:pPr/>
-              <a:t>21.9.2017.</a:t>
+              <a:t>22.9.2017.</a:t>
             </a:fld>
             <a:endParaRPr lang="hr-HR"/>
           </a:p>
@@ -1936,7 +1936,7 @@
             <a:fld id="{FDC1A071-2A74-455A-A49A-8BB21E4AC2F6}" type="datetimeFigureOut">
               <a:rPr lang="sr-Latn-CS" smtClean="0"/>
               <a:pPr/>
-              <a:t>21.9.2017.</a:t>
+              <a:t>22.9.2017.</a:t>
             </a:fld>
             <a:endParaRPr lang="hr-HR"/>
           </a:p>
@@ -2075,7 +2075,7 @@
             <a:fld id="{FDC1A071-2A74-455A-A49A-8BB21E4AC2F6}" type="datetimeFigureOut">
               <a:rPr lang="sr-Latn-CS" smtClean="0"/>
               <a:pPr/>
-              <a:t>21.9.2017.</a:t>
+              <a:t>22.9.2017.</a:t>
             </a:fld>
             <a:endParaRPr lang="hr-HR"/>
           </a:p>
@@ -2191,7 +2191,7 @@
             <a:fld id="{FDC1A071-2A74-455A-A49A-8BB21E4AC2F6}" type="datetimeFigureOut">
               <a:rPr lang="sr-Latn-CS" smtClean="0"/>
               <a:pPr/>
-              <a:t>21.9.2017.</a:t>
+              <a:t>22.9.2017.</a:t>
             </a:fld>
             <a:endParaRPr lang="hr-HR"/>
           </a:p>
@@ -2489,7 +2489,7 @@
             <a:fld id="{FDC1A071-2A74-455A-A49A-8BB21E4AC2F6}" type="datetimeFigureOut">
               <a:rPr lang="sr-Latn-CS" smtClean="0"/>
               <a:pPr/>
-              <a:t>21.9.2017.</a:t>
+              <a:t>22.9.2017.</a:t>
             </a:fld>
             <a:endParaRPr lang="hr-HR"/>
           </a:p>
@@ -2763,7 +2763,7 @@
             <a:fld id="{FDC1A071-2A74-455A-A49A-8BB21E4AC2F6}" type="datetimeFigureOut">
               <a:rPr lang="sr-Latn-CS" smtClean="0"/>
               <a:pPr/>
-              <a:t>21.9.2017.</a:t>
+              <a:t>22.9.2017.</a:t>
             </a:fld>
             <a:endParaRPr lang="hr-HR"/>
           </a:p>
@@ -3355,9 +3355,18 @@
   <p:clrMapOvr>
     <a:masterClrMapping/>
   </p:clrMapOvr>
-  <p:transition>
-    <p:fade/>
-  </p:transition>
+  <mc:AlternateContent xmlns:mc="http://schemas.openxmlformats.org/markup-compatibility/2006">
+    <mc:Choice xmlns:p14="http://schemas.microsoft.com/office/powerpoint/2010/main" Requires="p14">
+      <p:transition p14:dur="250">
+        <p:fade/>
+      </p:transition>
+    </mc:Choice>
+    <mc:Fallback>
+      <p:transition>
+        <p:fade/>
+      </p:transition>
+    </mc:Fallback>
+  </mc:AlternateContent>
   <p:timing>
     <p:tnLst>
       <p:par>
@@ -3555,9 +3564,18 @@
   <p:clrMapOvr>
     <a:masterClrMapping/>
   </p:clrMapOvr>
-  <p:transition>
-    <p:fade/>
-  </p:transition>
+  <mc:AlternateContent xmlns:mc="http://schemas.openxmlformats.org/markup-compatibility/2006">
+    <mc:Choice xmlns:p14="http://schemas.microsoft.com/office/powerpoint/2010/main" Requires="p14">
+      <p:transition p14:dur="250">
+        <p:fade/>
+      </p:transition>
+    </mc:Choice>
+    <mc:Fallback>
+      <p:transition>
+        <p:fade/>
+      </p:transition>
+    </mc:Fallback>
+  </mc:AlternateContent>
   <p:timing>
     <p:tnLst>
       <p:par>
@@ -3977,9 +3995,18 @@
   <p:clrMapOvr>
     <a:masterClrMapping/>
   </p:clrMapOvr>
-  <p:transition>
-    <p:fade/>
-  </p:transition>
+  <mc:AlternateContent xmlns:mc="http://schemas.openxmlformats.org/markup-compatibility/2006">
+    <mc:Choice xmlns:p14="http://schemas.microsoft.com/office/powerpoint/2010/main" Requires="p14">
+      <p:transition p14:dur="250">
+        <p:fade/>
+      </p:transition>
+    </mc:Choice>
+    <mc:Fallback>
+      <p:transition>
+        <p:fade/>
+      </p:transition>
+    </mc:Fallback>
+  </mc:AlternateContent>
   <p:timing>
     <p:tnLst>
       <p:par>
@@ -5395,9 +5422,18 @@
   <p:clrMapOvr>
     <a:masterClrMapping/>
   </p:clrMapOvr>
-  <p:transition>
-    <p:fade/>
-  </p:transition>
+  <mc:AlternateContent xmlns:mc="http://schemas.openxmlformats.org/markup-compatibility/2006">
+    <mc:Choice xmlns:p14="http://schemas.microsoft.com/office/powerpoint/2010/main" Requires="p14">
+      <p:transition p14:dur="250">
+        <p:fade/>
+      </p:transition>
+    </mc:Choice>
+    <mc:Fallback>
+      <p:transition>
+        <p:fade/>
+      </p:transition>
+    </mc:Fallback>
+  </mc:AlternateContent>
   <p:timing>
     <p:tnLst>
       <p:par>
@@ -7112,9 +7148,18 @@
   <p:clrMapOvr>
     <a:masterClrMapping/>
   </p:clrMapOvr>
-  <p:transition>
-    <p:fade/>
-  </p:transition>
+  <mc:AlternateContent xmlns:mc="http://schemas.openxmlformats.org/markup-compatibility/2006">
+    <mc:Choice xmlns:p14="http://schemas.microsoft.com/office/powerpoint/2010/main" Requires="p14">
+      <p:transition p14:dur="250">
+        <p:fade/>
+      </p:transition>
+    </mc:Choice>
+    <mc:Fallback>
+      <p:transition>
+        <p:fade/>
+      </p:transition>
+    </mc:Fallback>
+  </mc:AlternateContent>
   <p:timing>
     <p:tnLst>
       <p:par>
@@ -8248,9 +8293,18 @@
   <p:clrMapOvr>
     <a:masterClrMapping/>
   </p:clrMapOvr>
-  <p:transition>
-    <p:fade/>
-  </p:transition>
+  <mc:AlternateContent xmlns:mc="http://schemas.openxmlformats.org/markup-compatibility/2006">
+    <mc:Choice xmlns:p14="http://schemas.microsoft.com/office/powerpoint/2010/main" Requires="p14">
+      <p:transition p14:dur="250">
+        <p:fade/>
+      </p:transition>
+    </mc:Choice>
+    <mc:Fallback>
+      <p:transition>
+        <p:fade/>
+      </p:transition>
+    </mc:Fallback>
+  </mc:AlternateContent>
   <p:timing>
     <p:tnLst>
       <p:par>
@@ -8525,9 +8579,18 @@
   <p:clrMapOvr>
     <a:masterClrMapping/>
   </p:clrMapOvr>
-  <p:transition>
-    <p:fade/>
-  </p:transition>
+  <mc:AlternateContent xmlns:mc="http://schemas.openxmlformats.org/markup-compatibility/2006">
+    <mc:Choice xmlns:p14="http://schemas.microsoft.com/office/powerpoint/2010/main" Requires="p14">
+      <p:transition p14:dur="250">
+        <p:fade/>
+      </p:transition>
+    </mc:Choice>
+    <mc:Fallback>
+      <p:transition>
+        <p:fade/>
+      </p:transition>
+    </mc:Fallback>
+  </mc:AlternateContent>
   <p:timing>
     <p:tnLst>
       <p:par>
@@ -8726,9 +8789,18 @@
   <p:clrMapOvr>
     <a:masterClrMapping/>
   </p:clrMapOvr>
-  <p:transition>
-    <p:fade/>
-  </p:transition>
+  <mc:AlternateContent xmlns:mc="http://schemas.openxmlformats.org/markup-compatibility/2006">
+    <mc:Choice xmlns:p14="http://schemas.microsoft.com/office/powerpoint/2010/main" Requires="p14">
+      <p:transition p14:dur="250">
+        <p:fade/>
+      </p:transition>
+    </mc:Choice>
+    <mc:Fallback>
+      <p:transition>
+        <p:fade/>
+      </p:transition>
+    </mc:Fallback>
+  </mc:AlternateContent>
   <p:timing>
     <p:tnLst>
       <p:par>
@@ -9500,9 +9572,18 @@
   <p:clrMapOvr>
     <a:masterClrMapping/>
   </p:clrMapOvr>
-  <p:transition>
-    <p:fade/>
-  </p:transition>
+  <mc:AlternateContent xmlns:mc="http://schemas.openxmlformats.org/markup-compatibility/2006">
+    <mc:Choice xmlns:p14="http://schemas.microsoft.com/office/powerpoint/2010/main" Requires="p14">
+      <p:transition p14:dur="250">
+        <p:fade/>
+      </p:transition>
+    </mc:Choice>
+    <mc:Fallback>
+      <p:transition>
+        <p:fade/>
+      </p:transition>
+    </mc:Fallback>
+  </mc:AlternateContent>
   <p:timing>
     <p:tnLst>
       <p:par>
@@ -9845,9 +9926,18 @@
   <p:clrMapOvr>
     <a:masterClrMapping/>
   </p:clrMapOvr>
-  <p:transition>
-    <p:fade/>
-  </p:transition>
+  <mc:AlternateContent xmlns:mc="http://schemas.openxmlformats.org/markup-compatibility/2006">
+    <mc:Choice xmlns:p14="http://schemas.microsoft.com/office/powerpoint/2010/main" Requires="p14">
+      <p:transition p14:dur="250">
+        <p:fade/>
+      </p:transition>
+    </mc:Choice>
+    <mc:Fallback>
+      <p:transition>
+        <p:fade/>
+      </p:transition>
+    </mc:Fallback>
+  </mc:AlternateContent>
   <p:timing>
     <p:tnLst>
       <p:par>
@@ -10259,9 +10349,18 @@
   <p:clrMapOvr>
     <a:masterClrMapping/>
   </p:clrMapOvr>
-  <p:transition>
-    <p:fade/>
-  </p:transition>
+  <mc:AlternateContent xmlns:mc="http://schemas.openxmlformats.org/markup-compatibility/2006">
+    <mc:Choice xmlns:p14="http://schemas.microsoft.com/office/powerpoint/2010/main" Requires="p14">
+      <p:transition p14:dur="250">
+        <p:fade/>
+      </p:transition>
+    </mc:Choice>
+    <mc:Fallback>
+      <p:transition>
+        <p:fade/>
+      </p:transition>
+    </mc:Fallback>
+  </mc:AlternateContent>
   <p:timing>
     <p:tnLst>
       <p:par>
@@ -10849,9 +10948,18 @@
   <p:clrMapOvr>
     <a:masterClrMapping/>
   </p:clrMapOvr>
-  <p:transition>
-    <p:fade/>
-  </p:transition>
+  <mc:AlternateContent xmlns:mc="http://schemas.openxmlformats.org/markup-compatibility/2006">
+    <mc:Choice xmlns:p14="http://schemas.microsoft.com/office/powerpoint/2010/main" Requires="p14">
+      <p:transition p14:dur="250">
+        <p:fade/>
+      </p:transition>
+    </mc:Choice>
+    <mc:Fallback>
+      <p:transition>
+        <p:fade/>
+      </p:transition>
+    </mc:Fallback>
+  </mc:AlternateContent>
   <p:timing>
     <p:tnLst>
       <p:par>
@@ -11438,9 +11546,18 @@
   <p:clrMapOvr>
     <a:masterClrMapping/>
   </p:clrMapOvr>
-  <p:transition>
-    <p:fade/>
-  </p:transition>
+  <mc:AlternateContent xmlns:mc="http://schemas.openxmlformats.org/markup-compatibility/2006">
+    <mc:Choice xmlns:p14="http://schemas.microsoft.com/office/powerpoint/2010/main" Requires="p14">
+      <p:transition p14:dur="250">
+        <p:fade/>
+      </p:transition>
+    </mc:Choice>
+    <mc:Fallback>
+      <p:transition>
+        <p:fade/>
+      </p:transition>
+    </mc:Fallback>
+  </mc:AlternateContent>
   <p:timing>
     <p:tnLst>
       <p:par>
@@ -12407,9 +12524,18 @@
   <p:clrMapOvr>
     <a:masterClrMapping/>
   </p:clrMapOvr>
-  <p:transition>
-    <p:fade/>
-  </p:transition>
+  <mc:AlternateContent xmlns:mc="http://schemas.openxmlformats.org/markup-compatibility/2006">
+    <mc:Choice xmlns:p14="http://schemas.microsoft.com/office/powerpoint/2010/main" Requires="p14">
+      <p:transition p14:dur="250">
+        <p:fade/>
+      </p:transition>
+    </mc:Choice>
+    <mc:Fallback>
+      <p:transition>
+        <p:fade/>
+      </p:transition>
+    </mc:Fallback>
+  </mc:AlternateContent>
   <p:timing>
     <p:tnLst>
       <p:par>
@@ -13804,9 +13930,18 @@
   <p:clrMapOvr>
     <a:masterClrMapping/>
   </p:clrMapOvr>
-  <p:transition>
-    <p:fade/>
-  </p:transition>
+  <mc:AlternateContent xmlns:mc="http://schemas.openxmlformats.org/markup-compatibility/2006">
+    <mc:Choice xmlns:p14="http://schemas.microsoft.com/office/powerpoint/2010/main" Requires="p14">
+      <p:transition p14:dur="250">
+        <p:fade/>
+      </p:transition>
+    </mc:Choice>
+    <mc:Fallback>
+      <p:transition>
+        <p:fade/>
+      </p:transition>
+    </mc:Fallback>
+  </mc:AlternateContent>
   <p:timing>
     <p:tnLst>
       <p:par>
@@ -14656,9 +14791,18 @@
   <p:clrMapOvr>
     <a:masterClrMapping/>
   </p:clrMapOvr>
-  <p:transition>
-    <p:fade/>
-  </p:transition>
+  <mc:AlternateContent xmlns:mc="http://schemas.openxmlformats.org/markup-compatibility/2006">
+    <mc:Choice xmlns:p14="http://schemas.microsoft.com/office/powerpoint/2010/main" Requires="p14">
+      <p:transition p14:dur="250">
+        <p:fade/>
+      </p:transition>
+    </mc:Choice>
+    <mc:Fallback>
+      <p:transition>
+        <p:fade/>
+      </p:transition>
+    </mc:Fallback>
+  </mc:AlternateContent>
   <p:timing>
     <p:tnLst>
       <p:par>
@@ -15210,9 +15354,18 @@
   <p:clrMapOvr>
     <a:masterClrMapping/>
   </p:clrMapOvr>
-  <p:transition>
-    <p:fade/>
-  </p:transition>
+  <mc:AlternateContent xmlns:mc="http://schemas.openxmlformats.org/markup-compatibility/2006">
+    <mc:Choice xmlns:p14="http://schemas.microsoft.com/office/powerpoint/2010/main" Requires="p14">
+      <p:transition p14:dur="250">
+        <p:fade/>
+      </p:transition>
+    </mc:Choice>
+    <mc:Fallback>
+      <p:transition>
+        <p:fade/>
+      </p:transition>
+    </mc:Fallback>
+  </mc:AlternateContent>
   <p:timing>
     <p:tnLst>
       <p:par>
@@ -15449,9 +15602,18 @@
   <p:clrMapOvr>
     <a:masterClrMapping/>
   </p:clrMapOvr>
-  <p:transition>
-    <p:fade/>
-  </p:transition>
+  <mc:AlternateContent xmlns:mc="http://schemas.openxmlformats.org/markup-compatibility/2006">
+    <mc:Choice xmlns:p14="http://schemas.microsoft.com/office/powerpoint/2010/main" Requires="p14">
+      <p:transition p14:dur="250">
+        <p:fade/>
+      </p:transition>
+    </mc:Choice>
+    <mc:Fallback>
+      <p:transition>
+        <p:fade/>
+      </p:transition>
+    </mc:Fallback>
+  </mc:AlternateContent>
   <p:timing>
     <p:tnLst>
       <p:par>
@@ -15708,9 +15870,18 @@
   <p:clrMapOvr>
     <a:masterClrMapping/>
   </p:clrMapOvr>
-  <p:transition>
-    <p:fade/>
-  </p:transition>
+  <mc:AlternateContent xmlns:mc="http://schemas.openxmlformats.org/markup-compatibility/2006">
+    <mc:Choice xmlns:p14="http://schemas.microsoft.com/office/powerpoint/2010/main" Requires="p14">
+      <p:transition p14:dur="250">
+        <p:fade/>
+      </p:transition>
+    </mc:Choice>
+    <mc:Fallback>
+      <p:transition>
+        <p:fade/>
+      </p:transition>
+    </mc:Fallback>
+  </mc:AlternateContent>
   <p:timing>
     <p:tnLst>
       <p:par>
@@ -15979,9 +16150,18 @@
   <p:clrMapOvr>
     <a:masterClrMapping/>
   </p:clrMapOvr>
-  <p:transition>
-    <p:fade/>
-  </p:transition>
+  <mc:AlternateContent xmlns:mc="http://schemas.openxmlformats.org/markup-compatibility/2006">
+    <mc:Choice xmlns:p14="http://schemas.microsoft.com/office/powerpoint/2010/main" Requires="p14">
+      <p:transition p14:dur="250">
+        <p:fade/>
+      </p:transition>
+    </mc:Choice>
+    <mc:Fallback>
+      <p:transition>
+        <p:fade/>
+      </p:transition>
+    </mc:Fallback>
+  </mc:AlternateContent>
   <p:timing>
     <p:tnLst>
       <p:par>
@@ -16207,9 +16387,18 @@
   <p:clrMapOvr>
     <a:masterClrMapping/>
   </p:clrMapOvr>
-  <p:transition>
-    <p:fade/>
-  </p:transition>
+  <mc:AlternateContent xmlns:mc="http://schemas.openxmlformats.org/markup-compatibility/2006">
+    <mc:Choice xmlns:p14="http://schemas.microsoft.com/office/powerpoint/2010/main" Requires="p14">
+      <p:transition p14:dur="250">
+        <p:fade/>
+      </p:transition>
+    </mc:Choice>
+    <mc:Fallback>
+      <p:transition>
+        <p:fade/>
+      </p:transition>
+    </mc:Fallback>
+  </mc:AlternateContent>
   <p:timing>
     <p:tnLst>
       <p:par>
@@ -16516,9 +16705,18 @@
   <p:clrMapOvr>
     <a:masterClrMapping/>
   </p:clrMapOvr>
-  <p:transition>
-    <p:fade/>
-  </p:transition>
+  <mc:AlternateContent xmlns:mc="http://schemas.openxmlformats.org/markup-compatibility/2006">
+    <mc:Choice xmlns:p14="http://schemas.microsoft.com/office/powerpoint/2010/main" Requires="p14">
+      <p:transition p14:dur="250">
+        <p:fade/>
+      </p:transition>
+    </mc:Choice>
+    <mc:Fallback>
+      <p:transition>
+        <p:fade/>
+      </p:transition>
+    </mc:Fallback>
+  </mc:AlternateContent>
   <p:timing>
     <p:tnLst>
       <p:par>
@@ -16845,9 +17043,18 @@
   <p:clrMapOvr>
     <a:masterClrMapping/>
   </p:clrMapOvr>
-  <p:transition>
-    <p:fade/>
-  </p:transition>
+  <mc:AlternateContent xmlns:mc="http://schemas.openxmlformats.org/markup-compatibility/2006">
+    <mc:Choice xmlns:p14="http://schemas.microsoft.com/office/powerpoint/2010/main" Requires="p14">
+      <p:transition p14:dur="250">
+        <p:fade/>
+      </p:transition>
+    </mc:Choice>
+    <mc:Fallback>
+      <p:transition>
+        <p:fade/>
+      </p:transition>
+    </mc:Fallback>
+  </mc:AlternateContent>
   <p:timing>
     <p:tnLst>
       <p:par>
@@ -17077,9 +17284,18 @@
   <p:clrMapOvr>
     <a:masterClrMapping/>
   </p:clrMapOvr>
-  <p:transition>
-    <p:fade/>
-  </p:transition>
+  <mc:AlternateContent xmlns:mc="http://schemas.openxmlformats.org/markup-compatibility/2006">
+    <mc:Choice xmlns:p14="http://schemas.microsoft.com/office/powerpoint/2010/main" Requires="p14">
+      <p:transition p14:dur="250">
+        <p:fade/>
+      </p:transition>
+    </mc:Choice>
+    <mc:Fallback>
+      <p:transition>
+        <p:fade/>
+      </p:transition>
+    </mc:Fallback>
+  </mc:AlternateContent>
   <p:timing>
     <p:tnLst>
       <p:par>
@@ -17559,9 +17775,18 @@
   <p:clrMapOvr>
     <a:masterClrMapping/>
   </p:clrMapOvr>
-  <p:transition>
-    <p:fade/>
-  </p:transition>
+  <mc:AlternateContent xmlns:mc="http://schemas.openxmlformats.org/markup-compatibility/2006">
+    <mc:Choice xmlns:p14="http://schemas.microsoft.com/office/powerpoint/2010/main" Requires="p14">
+      <p:transition p14:dur="250">
+        <p:fade/>
+      </p:transition>
+    </mc:Choice>
+    <mc:Fallback>
+      <p:transition>
+        <p:fade/>
+      </p:transition>
+    </mc:Fallback>
+  </mc:AlternateContent>
   <p:timing>
     <p:tnLst>
       <p:par>
@@ -17744,9 +17969,18 @@
   <p:clrMapOvr>
     <a:masterClrMapping/>
   </p:clrMapOvr>
-  <p:transition>
-    <p:fade/>
-  </p:transition>
+  <mc:AlternateContent xmlns:mc="http://schemas.openxmlformats.org/markup-compatibility/2006">
+    <mc:Choice xmlns:p14="http://schemas.microsoft.com/office/powerpoint/2010/main" Requires="p14">
+      <p:transition p14:dur="250">
+        <p:fade/>
+      </p:transition>
+    </mc:Choice>
+    <mc:Fallback>
+      <p:transition>
+        <p:fade/>
+      </p:transition>
+    </mc:Fallback>
+  </mc:AlternateContent>
   <p:timing>
     <p:tnLst>
       <p:par>
@@ -17913,9 +18147,18 @@
   <p:clrMapOvr>
     <a:masterClrMapping/>
   </p:clrMapOvr>
-  <p:transition>
-    <p:fade/>
-  </p:transition>
+  <mc:AlternateContent xmlns:mc="http://schemas.openxmlformats.org/markup-compatibility/2006">
+    <mc:Choice xmlns:p14="http://schemas.microsoft.com/office/powerpoint/2010/main" Requires="p14">
+      <p:transition p14:dur="250">
+        <p:fade/>
+      </p:transition>
+    </mc:Choice>
+    <mc:Fallback>
+      <p:transition>
+        <p:fade/>
+      </p:transition>
+    </mc:Fallback>
+  </mc:AlternateContent>
   <p:timing>
     <p:tnLst>
       <p:par>
@@ -18575,9 +18818,18 @@
   <p:clrMapOvr>
     <a:masterClrMapping/>
   </p:clrMapOvr>
-  <p:transition>
-    <p:fade/>
-  </p:transition>
+  <mc:AlternateContent xmlns:mc="http://schemas.openxmlformats.org/markup-compatibility/2006">
+    <mc:Choice xmlns:p14="http://schemas.microsoft.com/office/powerpoint/2010/main" Requires="p14">
+      <p:transition p14:dur="250">
+        <p:fade/>
+      </p:transition>
+    </mc:Choice>
+    <mc:Fallback>
+      <p:transition>
+        <p:fade/>
+      </p:transition>
+    </mc:Fallback>
+  </mc:AlternateContent>
   <p:timing>
     <p:tnLst>
       <p:par>
@@ -18667,10 +18919,15 @@
               <a:t> se počinju razvijati kada se </a:t>
             </a:r>
             <a:r>
-              <a:rPr lang="hr-HR" sz="2800" b="1" dirty="0" smtClean="0">
+              <a:rPr lang="hr-HR" sz="3000" b="1" dirty="0">
                 <a:solidFill>
                   <a:srgbClr val="FF0000"/>
                 </a:solidFill>
+                <a:highlight>
+                  <a:srgbClr val="FFFF00"/>
+                </a:highlight>
+                <a:ea typeface="Calibri"/>
+                <a:cs typeface="Times New Roman"/>
               </a:rPr>
               <a:t>prometno povežu</a:t>
             </a:r>
@@ -18687,12 +18944,17 @@
               <a:t>i kada se </a:t>
             </a:r>
             <a:r>
-              <a:rPr lang="hr-HR" sz="2800" b="1" dirty="0" smtClean="0">
+              <a:rPr lang="hr-HR" sz="3000" b="1" dirty="0">
                 <a:solidFill>
                   <a:srgbClr val="FF0000"/>
                 </a:solidFill>
+                <a:highlight>
+                  <a:srgbClr val="FFFF00"/>
+                </a:highlight>
+                <a:ea typeface="Calibri"/>
+                <a:cs typeface="Times New Roman"/>
               </a:rPr>
-              <a:t>razviju</a:t>
+              <a:t>razviju kapaciteti</a:t>
             </a:r>
             <a:r>
               <a:rPr lang="hr-HR" sz="2800" dirty="0" smtClean="0">
@@ -18703,15 +18965,58 @@
               <a:t> </a:t>
             </a:r>
             <a:r>
-              <a:rPr lang="hr-HR" sz="2800" b="1" dirty="0" smtClean="0">
+              <a:rPr lang="hr-HR" sz="2800" dirty="0" smtClean="0"/>
+              <a:t>nužni za prihvat turista</a:t>
+            </a:r>
+          </a:p>
+          <a:p>
+            <a:pPr lvl="0">
+              <a:spcBef>
+                <a:spcPts val="1800"/>
+              </a:spcBef>
+            </a:pPr>
+            <a:r>
+              <a:rPr lang="hr-HR" sz="2800" dirty="0" smtClean="0"/>
+              <a:t>turistička mjesta se razlikuju po:</a:t>
+            </a:r>
+          </a:p>
+          <a:p>
+            <a:pPr lvl="2" indent="-324000"/>
+            <a:r>
+              <a:rPr lang="hr-HR" sz="2800" dirty="0" smtClean="0"/>
+              <a:t>razvijenosti atrakcija</a:t>
+            </a:r>
+          </a:p>
+          <a:p>
+            <a:pPr lvl="2" indent="-324000"/>
+            <a:r>
+              <a:rPr lang="hr-HR" sz="2800" dirty="0" smtClean="0"/>
+              <a:t>prometnoj dostupnosti</a:t>
+            </a:r>
+          </a:p>
+          <a:p>
+            <a:pPr lvl="2" indent="-324000"/>
+            <a:r>
+              <a:rPr lang="hr-HR" sz="2800" dirty="0" smtClean="0"/>
+              <a:t>vrsti prihvatnih kapaciteta</a:t>
+            </a:r>
+          </a:p>
+          <a:p>
+            <a:pPr lvl="0">
+              <a:spcBef>
+                <a:spcPts val="3000"/>
+              </a:spcBef>
+            </a:pPr>
+            <a:r>
+              <a:rPr lang="hr-HR" sz="3000" b="1" dirty="0" smtClean="0">
                 <a:solidFill>
                   <a:srgbClr val="FF0000"/>
                 </a:solidFill>
               </a:rPr>
-              <a:t>kapaciteti</a:t>
-            </a:r>
-            <a:r>
-              <a:rPr lang="hr-HR" sz="2800" dirty="0" smtClean="0">
+              <a:t>turistička mjesta</a:t>
+            </a:r>
+            <a:r>
+              <a:rPr lang="hr-HR" sz="3000" dirty="0" smtClean="0">
                 <a:solidFill>
                   <a:srgbClr val="FF0000"/>
                 </a:solidFill>
@@ -18719,59 +19024,22 @@
               <a:t> </a:t>
             </a:r>
             <a:r>
-              <a:rPr lang="hr-HR" sz="2800" dirty="0" smtClean="0"/>
-              <a:t>nužni za prihvat turista</a:t>
-            </a:r>
-          </a:p>
-          <a:p>
-            <a:pPr lvl="0">
-              <a:spcBef>
-                <a:spcPts val="1800"/>
-              </a:spcBef>
-            </a:pPr>
-            <a:r>
-              <a:rPr lang="hr-HR" sz="2800" dirty="0" smtClean="0"/>
-              <a:t>turistička mjesta se razlikuju po:</a:t>
-            </a:r>
-          </a:p>
-          <a:p>
-            <a:pPr lvl="2" indent="-324000"/>
-            <a:r>
-              <a:rPr lang="hr-HR" sz="2800" dirty="0" smtClean="0"/>
-              <a:t>razvijenosti atrakcija</a:t>
-            </a:r>
-          </a:p>
-          <a:p>
-            <a:pPr lvl="2" indent="-324000"/>
-            <a:r>
-              <a:rPr lang="hr-HR" sz="2800" dirty="0" smtClean="0"/>
-              <a:t>prometnoj dostupnosti</a:t>
-            </a:r>
-          </a:p>
-          <a:p>
-            <a:pPr lvl="2" indent="-324000"/>
-            <a:r>
-              <a:rPr lang="hr-HR" sz="2800" dirty="0" smtClean="0"/>
-              <a:t>vrsti prihvatnih kapaciteta</a:t>
-            </a:r>
-          </a:p>
-          <a:p>
-            <a:pPr lvl="0">
-              <a:spcBef>
-                <a:spcPts val="3000"/>
-              </a:spcBef>
-            </a:pPr>
-            <a:r>
-              <a:rPr lang="hr-HR" sz="3000" b="1" dirty="0" smtClean="0"/>
-              <a:t>turistička mjesta</a:t>
-            </a:r>
-            <a:r>
               <a:rPr lang="hr-HR" sz="3000" dirty="0" smtClean="0"/>
-              <a:t> su ona mjesta koja turisti i izletnici </a:t>
-            </a:r>
-            <a:r>
-              <a:rPr lang="hr-HR" sz="3000" b="1" dirty="0" smtClean="0"/>
-              <a:t>posjećuju u većem broju </a:t>
+              <a:t>su ona mjesta koja turisti i izletnici </a:t>
+            </a:r>
+            <a:r>
+              <a:rPr lang="hr-HR" sz="3000" dirty="0">
+                <a:highlight>
+                  <a:srgbClr val="FFFF00"/>
+                </a:highlight>
+                <a:ea typeface="Calibri"/>
+                <a:cs typeface="Times New Roman"/>
+              </a:rPr>
+              <a:t>posjećuju u većem broju</a:t>
+            </a:r>
+            <a:r>
+              <a:rPr lang="hr-HR" dirty="0"/>
+              <a:t> </a:t>
             </a:r>
             <a:r>
               <a:rPr lang="hr-HR" sz="3000" dirty="0" smtClean="0"/>
@@ -18799,9 +19067,18 @@
   <p:clrMapOvr>
     <a:masterClrMapping/>
   </p:clrMapOvr>
-  <p:transition>
-    <p:fade/>
-  </p:transition>
+  <mc:AlternateContent xmlns:mc="http://schemas.openxmlformats.org/markup-compatibility/2006">
+    <mc:Choice xmlns:p14="http://schemas.microsoft.com/office/powerpoint/2010/main" Requires="p14">
+      <p:transition p14:dur="250">
+        <p:fade/>
+      </p:transition>
+    </mc:Choice>
+    <mc:Fallback>
+      <p:transition>
+        <p:fade/>
+      </p:transition>
+    </mc:Fallback>
+  </mc:AlternateContent>
   <p:timing>
     <p:tnLst>
       <p:par>
@@ -18814,9 +19091,6 @@
                     <p:cTn id="3" fill="hold">
                       <p:stCondLst>
                         <p:cond delay="indefinite"/>
-                        <p:cond evt="onBegin" delay="0">
-                          <p:tn val="2"/>
-                        </p:cond>
                       </p:stCondLst>
                       <p:childTnLst>
                         <p:par>
@@ -18826,7 +19100,7 @@
                             </p:stCondLst>
                             <p:childTnLst>
                               <p:par>
-                                <p:cTn id="5" presetID="10" presetClass="entr" presetSubtype="0" fill="hold" grpId="0" nodeType="afterEffect">
+                                <p:cTn id="5" presetID="10" presetClass="entr" presetSubtype="0" fill="hold" grpId="0" nodeType="clickEffect">
                                   <p:stCondLst>
                                     <p:cond delay="0"/>
                                   </p:stCondLst>
@@ -19079,21 +19353,30 @@
                             </p:childTnLst>
                           </p:cTn>
                         </p:par>
+                      </p:childTnLst>
+                    </p:cTn>
+                  </p:par>
+                  <p:par>
+                    <p:cTn id="24" fill="hold">
+                      <p:stCondLst>
+                        <p:cond delay="indefinite"/>
+                      </p:stCondLst>
+                      <p:childTnLst>
                         <p:par>
-                          <p:cTn id="24" fill="hold">
+                          <p:cTn id="25" fill="hold">
                             <p:stCondLst>
-                              <p:cond delay="1250"/>
+                              <p:cond delay="0"/>
                             </p:stCondLst>
                             <p:childTnLst>
                               <p:par>
-                                <p:cTn id="25" presetID="10" presetClass="entr" presetSubtype="0" fill="hold" grpId="0" nodeType="afterEffect">
+                                <p:cTn id="26" presetID="10" presetClass="entr" presetSubtype="0" fill="hold" grpId="0" nodeType="clickEffect">
                                   <p:stCondLst>
                                     <p:cond delay="0"/>
                                   </p:stCondLst>
                                   <p:childTnLst>
                                     <p:set>
                                       <p:cBhvr>
-                                        <p:cTn id="26" dur="1" fill="hold">
+                                        <p:cTn id="27" dur="1" fill="hold">
                                           <p:stCondLst>
                                             <p:cond delay="0"/>
                                           </p:stCondLst>
@@ -19115,7 +19398,7 @@
                                     </p:set>
                                     <p:animEffect transition="in" filter="fade">
                                       <p:cBhvr>
-                                        <p:cTn id="27" dur="250"/>
+                                        <p:cTn id="28" dur="250"/>
                                         <p:tgtEl>
                                           <p:spTgt spid="3">
                                             <p:txEl>
@@ -19229,22 +19512,46 @@
               </a:spcBef>
             </a:pPr>
             <a:r>
-              <a:rPr lang="hr-HR" sz="2800" b="1" dirty="0" smtClean="0"/>
-              <a:t>turistička destinacija </a:t>
-            </a:r>
-            <a:r>
-              <a:rPr lang="hr-HR" sz="2800" dirty="0" smtClean="0"/>
-              <a:t>– prostorna jedinica (zemljopisno područje) </a:t>
-            </a:r>
-            <a:r>
               <a:rPr lang="hr-HR" sz="2800" b="1" dirty="0" smtClean="0">
                 <a:solidFill>
                   <a:srgbClr val="FF0000"/>
                 </a:solidFill>
               </a:rPr>
-              <a:t>šira od turističkog mjesta</a:t>
-            </a:r>
-            <a:endParaRPr lang="hr-HR" sz="2800" dirty="0" smtClean="0"/>
+              <a:t>turistička destinacija </a:t>
+            </a:r>
+            <a:r>
+              <a:rPr lang="hr-HR" sz="2800" dirty="0" smtClean="0"/>
+              <a:t>– područje </a:t>
+            </a:r>
+            <a:r>
+              <a:rPr lang="hr-HR" sz="2800" b="1" dirty="0" smtClean="0">
+                <a:solidFill>
+                  <a:srgbClr val="FF0000"/>
+                </a:solidFill>
+              </a:rPr>
+              <a:t>šire </a:t>
+            </a:r>
+            <a:r>
+              <a:rPr lang="hr-HR" sz="2800" b="1" dirty="0" smtClean="0">
+                <a:solidFill>
+                  <a:srgbClr val="FF0000"/>
+                </a:solidFill>
+              </a:rPr>
+              <a:t>od turističkog </a:t>
+            </a:r>
+            <a:r>
+              <a:rPr lang="hr-HR" sz="2800" b="1" dirty="0" smtClean="0">
+                <a:solidFill>
+                  <a:srgbClr val="FF0000"/>
+                </a:solidFill>
+              </a:rPr>
+              <a:t>mjesta </a:t>
+            </a:r>
+            <a:r>
+              <a:rPr lang="hr-HR" sz="2800" i="1" dirty="0" smtClean="0"/>
+              <a:t>(obuhvaća turističko mjesto i okolicu)</a:t>
+            </a:r>
+            <a:endParaRPr lang="hr-HR" sz="2800" i="1" dirty="0" smtClean="0"/>
           </a:p>
           <a:p>
             <a:pPr lvl="1">
@@ -19254,11 +19561,11 @@
             </a:pPr>
             <a:r>
               <a:rPr lang="hr-HR" i="1" dirty="0" smtClean="0"/>
-              <a:t>npr. turističko mjesto Novalja kao turistička destinacija </a:t>
+              <a:t>npr. </a:t>
             </a:r>
             <a:r>
               <a:rPr lang="hr-HR" i="1" dirty="0" smtClean="0"/>
-              <a:t>obuhvaća i </a:t>
+              <a:t>turistička destinacija Novalja obuhvaća grad Novalju, ali i </a:t>
             </a:r>
             <a:r>
               <a:rPr lang="hr-HR" i="1" dirty="0" smtClean="0"/>
@@ -19281,25 +19588,84 @@
             </a:pPr>
             <a:r>
               <a:rPr lang="hr-HR" sz="2800" b="1" dirty="0" smtClean="0"/>
-              <a:t>turističko mjesto je ishodište razvoja turističke destinacije</a:t>
-            </a:r>
-          </a:p>
-          <a:p>
-            <a:pPr>
-              <a:spcBef>
-                <a:spcPts val="1800"/>
-              </a:spcBef>
-            </a:pPr>
+              <a:t>veličina</a:t>
+            </a:r>
+            <a:r>
+              <a:rPr lang="hr-HR" sz="2800" dirty="0" smtClean="0"/>
+              <a:t> turističke destinacije </a:t>
+            </a:r>
             <a:r>
               <a:rPr lang="hr-HR" sz="2800" b="1" dirty="0" smtClean="0">
                 <a:solidFill>
                   <a:srgbClr val="FF0000"/>
                 </a:solidFill>
               </a:rPr>
+              <a:t>ovisi o turistu / izletniku</a:t>
+            </a:r>
+          </a:p>
+          <a:p>
+            <a:pPr lvl="0">
+              <a:spcBef>
+                <a:spcPts val="1800"/>
+              </a:spcBef>
+            </a:pPr>
+            <a:r>
+              <a:rPr lang="hr-HR" sz="2800" dirty="0" smtClean="0"/>
+              <a:t>turističko</a:t>
+            </a:r>
+            <a:r>
+              <a:rPr lang="hr-HR" sz="2800" b="1" dirty="0" smtClean="0"/>
+              <a:t> </a:t>
+            </a:r>
+            <a:r>
+              <a:rPr lang="hr-HR" sz="2800" b="1" dirty="0" smtClean="0">
+                <a:solidFill>
+                  <a:srgbClr val="FF0000"/>
+                </a:solidFill>
+              </a:rPr>
+              <a:t>mjesto</a:t>
+            </a:r>
+            <a:r>
+              <a:rPr lang="hr-HR" sz="2800" b="1" dirty="0" smtClean="0"/>
+              <a:t> </a:t>
+            </a:r>
+            <a:r>
+              <a:rPr lang="hr-HR" sz="2800" dirty="0" smtClean="0"/>
+              <a:t>je </a:t>
+            </a:r>
+            <a:r>
+              <a:rPr lang="hr-HR" sz="2800" dirty="0" smtClean="0"/>
+              <a:t>izvor razvoja </a:t>
+            </a:r>
+            <a:r>
+              <a:rPr lang="hr-HR" sz="2800" dirty="0" smtClean="0"/>
+              <a:t>turističke </a:t>
+            </a:r>
+            <a:r>
+              <a:rPr lang="hr-HR" sz="2800" b="1" dirty="0" smtClean="0">
+                <a:solidFill>
+                  <a:srgbClr val="FF0000"/>
+                </a:solidFill>
+              </a:rPr>
+              <a:t>destinacije</a:t>
+            </a:r>
+          </a:p>
+          <a:p>
+            <a:pPr>
+              <a:spcBef>
+                <a:spcPts val="2400"/>
+              </a:spcBef>
+            </a:pPr>
+            <a:r>
+              <a:rPr lang="hr-HR" sz="2600" b="1" dirty="0" smtClean="0">
+                <a:solidFill>
+                  <a:srgbClr val="FF0000"/>
+                </a:solidFill>
+              </a:rPr>
               <a:t>turistička destinacija</a:t>
             </a:r>
             <a:r>
-              <a:rPr lang="hr-HR" sz="2800" dirty="0" smtClean="0">
+              <a:rPr lang="hr-HR" sz="2600" dirty="0" smtClean="0">
                 <a:solidFill>
                   <a:srgbClr val="FF0000"/>
                 </a:solidFill>
@@ -19307,19 +19673,19 @@
               <a:t> </a:t>
             </a:r>
             <a:r>
-              <a:rPr lang="hr-HR" sz="2800" dirty="0" smtClean="0"/>
+              <a:rPr lang="hr-HR" sz="2600" dirty="0" smtClean="0"/>
               <a:t>je </a:t>
             </a:r>
             <a:r>
-              <a:rPr lang="hr-HR" sz="2800" b="1" dirty="0" smtClean="0"/>
+              <a:rPr lang="hr-HR" sz="2600" b="1" dirty="0" smtClean="0"/>
               <a:t>zemljopisno područje </a:t>
             </a:r>
             <a:r>
-              <a:rPr lang="hr-HR" sz="2800" dirty="0" smtClean="0"/>
+              <a:rPr lang="hr-HR" sz="2600" dirty="0" smtClean="0"/>
               <a:t>koje posjećuje određen broj turista i izletnika zbog njegovih atraktivnih obilježja, a koje svojom dostupnošću i opremljenošću </a:t>
             </a:r>
             <a:r>
-              <a:rPr lang="hr-HR" sz="2800" b="1" dirty="0" smtClean="0"/>
+              <a:rPr lang="hr-HR" sz="2600" b="1" dirty="0" smtClean="0"/>
               <a:t>omogućuje prihvat, boravak i različite aktivnosti turista</a:t>
             </a:r>
           </a:p>
@@ -19330,9 +19696,18 @@
   <p:clrMapOvr>
     <a:masterClrMapping/>
   </p:clrMapOvr>
-  <p:transition>
-    <p:fade/>
-  </p:transition>
+  <mc:AlternateContent xmlns:mc="http://schemas.openxmlformats.org/markup-compatibility/2006">
+    <mc:Choice xmlns:p14="http://schemas.microsoft.com/office/powerpoint/2010/main" Requires="p14">
+      <p:transition p14:dur="250">
+        <p:fade/>
+      </p:transition>
+    </mc:Choice>
+    <mc:Fallback>
+      <p:transition>
+        <p:fade/>
+      </p:transition>
+    </mc:Fallback>
+  </mc:AlternateContent>
   <p:timing>
     <p:tnLst>
       <p:par>
@@ -19524,21 +19899,30 @@
                             </p:childTnLst>
                           </p:cTn>
                         </p:par>
+                      </p:childTnLst>
+                    </p:cTn>
+                  </p:par>
+                  <p:par>
+                    <p:cTn id="18" fill="hold">
+                      <p:stCondLst>
+                        <p:cond delay="indefinite"/>
+                      </p:stCondLst>
+                      <p:childTnLst>
                         <p:par>
-                          <p:cTn id="18" fill="hold">
+                          <p:cTn id="19" fill="hold">
                             <p:stCondLst>
-                              <p:cond delay="250"/>
+                              <p:cond delay="0"/>
                             </p:stCondLst>
                             <p:childTnLst>
                               <p:par>
-                                <p:cTn id="19" presetID="10" presetClass="entr" presetSubtype="0" fill="hold" grpId="0" nodeType="afterEffect">
+                                <p:cTn id="20" presetID="10" presetClass="entr" presetSubtype="0" fill="hold" grpId="0" nodeType="clickEffect">
                                   <p:stCondLst>
                                     <p:cond delay="0"/>
                                   </p:stCondLst>
                                   <p:childTnLst>
                                     <p:set>
                                       <p:cBhvr>
-                                        <p:cTn id="20" dur="1" fill="hold">
+                                        <p:cTn id="21" dur="1" fill="hold">
                                           <p:stCondLst>
                                             <p:cond delay="0"/>
                                           </p:stCondLst>
@@ -19560,11 +19944,72 @@
                                     </p:set>
                                     <p:animEffect transition="in" filter="fade">
                                       <p:cBhvr>
-                                        <p:cTn id="21" dur="250"/>
+                                        <p:cTn id="22" dur="250"/>
                                         <p:tgtEl>
                                           <p:spTgt spid="3">
                                             <p:txEl>
                                               <p:pRg st="3" end="3"/>
+                                            </p:txEl>
+                                          </p:spTgt>
+                                        </p:tgtEl>
+                                      </p:cBhvr>
+                                    </p:animEffect>
+                                  </p:childTnLst>
+                                </p:cTn>
+                              </p:par>
+                            </p:childTnLst>
+                          </p:cTn>
+                        </p:par>
+                      </p:childTnLst>
+                    </p:cTn>
+                  </p:par>
+                  <p:par>
+                    <p:cTn id="23" fill="hold">
+                      <p:stCondLst>
+                        <p:cond delay="indefinite"/>
+                      </p:stCondLst>
+                      <p:childTnLst>
+                        <p:par>
+                          <p:cTn id="24" fill="hold">
+                            <p:stCondLst>
+                              <p:cond delay="0"/>
+                            </p:stCondLst>
+                            <p:childTnLst>
+                              <p:par>
+                                <p:cTn id="25" presetID="10" presetClass="entr" presetSubtype="0" fill="hold" grpId="0" nodeType="clickEffect">
+                                  <p:stCondLst>
+                                    <p:cond delay="0"/>
+                                  </p:stCondLst>
+                                  <p:childTnLst>
+                                    <p:set>
+                                      <p:cBhvr>
+                                        <p:cTn id="26" dur="1" fill="hold">
+                                          <p:stCondLst>
+                                            <p:cond delay="0"/>
+                                          </p:stCondLst>
+                                        </p:cTn>
+                                        <p:tgtEl>
+                                          <p:spTgt spid="3">
+                                            <p:txEl>
+                                              <p:pRg st="4" end="4"/>
+                                            </p:txEl>
+                                          </p:spTgt>
+                                        </p:tgtEl>
+                                        <p:attrNameLst>
+                                          <p:attrName>style.visibility</p:attrName>
+                                        </p:attrNameLst>
+                                      </p:cBhvr>
+                                      <p:to>
+                                        <p:strVal val="visible"/>
+                                      </p:to>
+                                    </p:set>
+                                    <p:animEffect transition="in" filter="fade">
+                                      <p:cBhvr>
+                                        <p:cTn id="27" dur="250"/>
+                                        <p:tgtEl>
+                                          <p:spTgt spid="3">
+                                            <p:txEl>
+                                              <p:pRg st="4" end="4"/>
                                             </p:txEl>
                                           </p:spTgt>
                                         </p:tgtEl>
@@ -19679,7 +20124,15 @@
             </a:r>
             <a:r>
               <a:rPr lang="hr-HR" sz="2800" dirty="0" smtClean="0"/>
-              <a:t> po kojima je neko područje turistička destinacija:</a:t>
+              <a:t> po kojima je neko područje </a:t>
+            </a:r>
+            <a:r>
+              <a:rPr lang="hr-HR" sz="2800" b="1" dirty="0" smtClean="0"/>
+              <a:t>turistička destinacija</a:t>
+            </a:r>
+            <a:r>
+              <a:rPr lang="hr-HR" sz="2800" dirty="0" smtClean="0"/>
+              <a:t>:</a:t>
             </a:r>
           </a:p>
           <a:p>
@@ -19698,8 +20151,21 @@
             </a:r>
             <a:r>
               <a:rPr lang="hr-HR" dirty="0" smtClean="0"/>
-              <a:t> – mora imati turističke atrakcije zanimljive turistima</a:t>
-            </a:r>
+              <a:t> </a:t>
+            </a:r>
+            <a:endParaRPr lang="hr-HR" dirty="0" smtClean="0"/>
+          </a:p>
+          <a:p>
+            <a:pPr lvl="1">
+              <a:spcBef>
+                <a:spcPts val="600"/>
+              </a:spcBef>
+            </a:pPr>
+            <a:endParaRPr lang="hr-HR" b="1" dirty="0" smtClean="0">
+              <a:solidFill>
+                <a:srgbClr val="FF0000"/>
+              </a:solidFill>
+            </a:endParaRPr>
           </a:p>
           <a:p>
             <a:pPr lvl="1">
@@ -19715,15 +20181,12 @@
               </a:rPr>
               <a:t>dostupnost</a:t>
             </a:r>
-            <a:r>
-              <a:rPr lang="hr-HR" dirty="0" smtClean="0"/>
-              <a:t> – prometno i informacijski</a:t>
-            </a:r>
+            <a:endParaRPr lang="hr-HR" dirty="0" smtClean="0"/>
           </a:p>
           <a:p>
             <a:pPr lvl="1">
               <a:spcBef>
-                <a:spcPts val="600"/>
+                <a:spcPts val="1200"/>
               </a:spcBef>
             </a:pPr>
             <a:r>
@@ -19734,15 +20197,16 @@
               </a:rPr>
               <a:t>odgovarajući smještajni kapaciteti </a:t>
             </a:r>
-            <a:r>
-              <a:rPr lang="hr-HR" dirty="0" smtClean="0"/>
-              <a:t>– za boravak turista</a:t>
-            </a:r>
+            <a:endParaRPr lang="hr-HR" b="1" dirty="0" smtClean="0">
+              <a:solidFill>
+                <a:srgbClr val="FF0000"/>
+              </a:solidFill>
+            </a:endParaRPr>
           </a:p>
           <a:p>
             <a:pPr lvl="1">
               <a:spcBef>
-                <a:spcPts val="600"/>
+                <a:spcPts val="1200"/>
               </a:spcBef>
             </a:pPr>
             <a:r>
@@ -19751,31 +20215,37 @@
                   <a:srgbClr val="FF0000"/>
                 </a:solidFill>
               </a:rPr>
-              <a:t>izbor aktivnosti </a:t>
-            </a:r>
-            <a:r>
-              <a:rPr lang="hr-HR" dirty="0" smtClean="0"/>
-              <a:t>– sport, kultura, zabava…</a:t>
-            </a:r>
-          </a:p>
-          <a:p>
-            <a:pPr lvl="1">
-              <a:spcBef>
-                <a:spcPts val="600"/>
-              </a:spcBef>
-            </a:pPr>
+              <a:t>izbor </a:t>
+            </a:r>
             <a:r>
               <a:rPr lang="hr-HR" b="1" dirty="0" smtClean="0">
                 <a:solidFill>
                   <a:srgbClr val="FF0000"/>
                 </a:solidFill>
               </a:rPr>
-              <a:t>ostali sadržaji </a:t>
-            </a:r>
-            <a:r>
-              <a:rPr lang="hr-HR" dirty="0" smtClean="0"/>
-              <a:t>– restorani, kina, izložbe, trgovine, banke, bolnice…</a:t>
-            </a:r>
+              <a:t>aktivnosti </a:t>
+            </a:r>
+            <a:endParaRPr lang="hr-HR" b="1" dirty="0" smtClean="0">
+              <a:solidFill>
+                <a:srgbClr val="FF0000"/>
+              </a:solidFill>
+            </a:endParaRPr>
+          </a:p>
+          <a:p>
+            <a:pPr lvl="1">
+              <a:spcBef>
+                <a:spcPts val="1200"/>
+              </a:spcBef>
+            </a:pPr>
+            <a:r>
+              <a:rPr lang="hr-HR" b="1" dirty="0" smtClean="0">
+                <a:solidFill>
+                  <a:srgbClr val="FF0000"/>
+                </a:solidFill>
+              </a:rPr>
+              <a:t>ostali sadržaji</a:t>
+            </a:r>
+            <a:endParaRPr lang="hr-HR" dirty="0" smtClean="0"/>
           </a:p>
           <a:p>
             <a:pPr lvl="0">
@@ -19784,6 +20254,311 @@
               </a:spcBef>
             </a:pPr>
             <a:endParaRPr lang="hr-HR" sz="2800" dirty="0" smtClean="0"/>
+          </a:p>
+        </p:txBody>
+      </p:sp>
+      <p:sp>
+        <p:nvSpPr>
+          <p:cNvPr id="5" name="Rectangle 4"/>
+          <p:cNvSpPr/>
+          <p:nvPr/>
+        </p:nvSpPr>
+        <p:spPr>
+          <a:xfrm>
+            <a:off x="2051720" y="1412776"/>
+            <a:ext cx="7092280" cy="984885"/>
+          </a:xfrm>
+          <a:prstGeom prst="rect">
+            <a:avLst/>
+          </a:prstGeom>
+        </p:spPr>
+        <p:txBody>
+          <a:bodyPr wrap="square">
+            <a:spAutoFit/>
+          </a:bodyPr>
+          <a:lstStyle/>
+          <a:p>
+            <a:pPr marL="742950" lvl="1" indent="-285750">
+              <a:spcBef>
+                <a:spcPts val="600"/>
+              </a:spcBef>
+              <a:buFont typeface="Calibri" pitchFamily="34" charset="0"/>
+              <a:buChar char="–"/>
+            </a:pPr>
+            <a:r>
+              <a:rPr lang="hr-HR" sz="2800" dirty="0" smtClean="0">
+                <a:solidFill>
+                  <a:prstClr val="black"/>
+                </a:solidFill>
+              </a:rPr>
+              <a:t>mora </a:t>
+            </a:r>
+            <a:r>
+              <a:rPr lang="hr-HR" sz="2800" dirty="0">
+                <a:solidFill>
+                  <a:prstClr val="black"/>
+                </a:solidFill>
+              </a:rPr>
+              <a:t>imati </a:t>
+            </a:r>
+            <a:r>
+              <a:rPr lang="hr-HR" sz="2800" b="1" dirty="0">
+                <a:highlight>
+                  <a:srgbClr val="FFFF00"/>
+                </a:highlight>
+                <a:ea typeface="Calibri"/>
+                <a:cs typeface="Times New Roman"/>
+              </a:rPr>
+              <a:t>turističke atrakcije</a:t>
+            </a:r>
+            <a:r>
+              <a:rPr lang="hr-HR" dirty="0"/>
+              <a:t> </a:t>
+            </a:r>
+            <a:r>
+              <a:rPr lang="hr-HR" sz="2800" dirty="0">
+                <a:solidFill>
+                  <a:prstClr val="black"/>
+                </a:solidFill>
+              </a:rPr>
+              <a:t>zanimljive turistima</a:t>
+            </a:r>
+          </a:p>
+        </p:txBody>
+      </p:sp>
+      <p:sp>
+        <p:nvSpPr>
+          <p:cNvPr id="7" name="Rectangle 6"/>
+          <p:cNvSpPr/>
+          <p:nvPr/>
+        </p:nvSpPr>
+        <p:spPr>
+          <a:xfrm>
+            <a:off x="2627784" y="2447745"/>
+            <a:ext cx="5517985" cy="523220"/>
+          </a:xfrm>
+          <a:prstGeom prst="rect">
+            <a:avLst/>
+          </a:prstGeom>
+        </p:spPr>
+        <p:txBody>
+          <a:bodyPr wrap="none">
+            <a:spAutoFit/>
+          </a:bodyPr>
+          <a:lstStyle/>
+          <a:p>
+            <a:r>
+              <a:rPr lang="hr-HR" sz="2800" dirty="0">
+                <a:solidFill>
+                  <a:prstClr val="black"/>
+                </a:solidFill>
+              </a:rPr>
+              <a:t>– </a:t>
+            </a:r>
+            <a:r>
+              <a:rPr lang="hr-HR" sz="2800" b="1" dirty="0">
+                <a:highlight>
+                  <a:srgbClr val="FFFF00"/>
+                </a:highlight>
+                <a:ea typeface="Calibri"/>
+                <a:cs typeface="Times New Roman"/>
+              </a:rPr>
+              <a:t>prometno</a:t>
+            </a:r>
+            <a:r>
+              <a:rPr lang="hr-HR" sz="2800" dirty="0">
+                <a:solidFill>
+                  <a:prstClr val="black"/>
+                </a:solidFill>
+              </a:rPr>
+              <a:t> i </a:t>
+            </a:r>
+            <a:r>
+              <a:rPr lang="hr-HR" sz="2800" b="1" dirty="0">
+                <a:highlight>
+                  <a:srgbClr val="FFFF00"/>
+                </a:highlight>
+                <a:ea typeface="Calibri"/>
+                <a:cs typeface="Times New Roman"/>
+              </a:rPr>
+              <a:t>informacijski</a:t>
+            </a:r>
+            <a:r>
+              <a:rPr lang="hr-HR" sz="2800" dirty="0" smtClean="0">
+                <a:solidFill>
+                  <a:prstClr val="black"/>
+                </a:solidFill>
+              </a:rPr>
+              <a:t> dostupna</a:t>
+            </a:r>
+            <a:endParaRPr lang="hr-HR" sz="1600" dirty="0"/>
+          </a:p>
+        </p:txBody>
+      </p:sp>
+      <p:sp>
+        <p:nvSpPr>
+          <p:cNvPr id="8" name="Rectangle 7"/>
+          <p:cNvSpPr/>
+          <p:nvPr/>
+        </p:nvSpPr>
+        <p:spPr>
+          <a:xfrm>
+            <a:off x="5424221" y="3020702"/>
+            <a:ext cx="3527953" cy="523220"/>
+          </a:xfrm>
+          <a:prstGeom prst="rect">
+            <a:avLst/>
+          </a:prstGeom>
+        </p:spPr>
+        <p:txBody>
+          <a:bodyPr wrap="none">
+            <a:spAutoFit/>
+          </a:bodyPr>
+          <a:lstStyle/>
+          <a:p>
+            <a:pPr marL="742950" lvl="1" indent="-285750">
+              <a:spcBef>
+                <a:spcPts val="600"/>
+              </a:spcBef>
+              <a:buFont typeface="Calibri" pitchFamily="34" charset="0"/>
+              <a:buChar char="–"/>
+            </a:pPr>
+            <a:r>
+              <a:rPr lang="hr-HR" sz="2800" dirty="0" smtClean="0">
+                <a:solidFill>
+                  <a:prstClr val="black"/>
+                </a:solidFill>
+              </a:rPr>
+              <a:t>za </a:t>
+            </a:r>
+            <a:r>
+              <a:rPr lang="hr-HR" sz="2800" dirty="0">
+                <a:solidFill>
+                  <a:prstClr val="black"/>
+                </a:solidFill>
+              </a:rPr>
+              <a:t>boravak </a:t>
+            </a:r>
+            <a:r>
+              <a:rPr lang="hr-HR" sz="2800" dirty="0" smtClean="0">
+                <a:solidFill>
+                  <a:prstClr val="black"/>
+                </a:solidFill>
+              </a:rPr>
+              <a:t>gostiju</a:t>
+            </a:r>
+            <a:endParaRPr lang="hr-HR" sz="2800" dirty="0">
+              <a:solidFill>
+                <a:prstClr val="black"/>
+              </a:solidFill>
+            </a:endParaRPr>
+          </a:p>
+        </p:txBody>
+      </p:sp>
+      <p:sp>
+        <p:nvSpPr>
+          <p:cNvPr id="10" name="Rectangle 9"/>
+          <p:cNvSpPr/>
+          <p:nvPr/>
+        </p:nvSpPr>
+        <p:spPr>
+          <a:xfrm>
+            <a:off x="2712425" y="3601792"/>
+            <a:ext cx="6113277" cy="523220"/>
+          </a:xfrm>
+          <a:prstGeom prst="rect">
+            <a:avLst/>
+          </a:prstGeom>
+        </p:spPr>
+        <p:txBody>
+          <a:bodyPr wrap="none">
+            <a:spAutoFit/>
+          </a:bodyPr>
+          <a:lstStyle/>
+          <a:p>
+            <a:pPr marL="742950" lvl="1" indent="-285750">
+              <a:spcBef>
+                <a:spcPts val="600"/>
+              </a:spcBef>
+              <a:buFont typeface="Calibri" pitchFamily="34" charset="0"/>
+              <a:buChar char="–"/>
+            </a:pPr>
+            <a:r>
+              <a:rPr lang="hr-HR" sz="2800" dirty="0" smtClean="0">
+                <a:solidFill>
+                  <a:prstClr val="black"/>
+                </a:solidFill>
+              </a:rPr>
+              <a:t>sport</a:t>
+            </a:r>
+            <a:r>
+              <a:rPr lang="hr-HR" sz="2800" dirty="0">
+                <a:solidFill>
+                  <a:prstClr val="black"/>
+                </a:solidFill>
+              </a:rPr>
+              <a:t>, kultura, </a:t>
+            </a:r>
+            <a:r>
+              <a:rPr lang="hr-HR" sz="2800" dirty="0" smtClean="0">
+                <a:solidFill>
+                  <a:prstClr val="black"/>
+                </a:solidFill>
+              </a:rPr>
+              <a:t>zabava, istraživanje…</a:t>
+            </a:r>
+            <a:endParaRPr lang="hr-HR" sz="2800" dirty="0">
+              <a:solidFill>
+                <a:prstClr val="black"/>
+              </a:solidFill>
+            </a:endParaRPr>
+          </a:p>
+        </p:txBody>
+      </p:sp>
+      <p:sp>
+        <p:nvSpPr>
+          <p:cNvPr id="11" name="Rectangle 10"/>
+          <p:cNvSpPr/>
+          <p:nvPr/>
+        </p:nvSpPr>
+        <p:spPr>
+          <a:xfrm>
+            <a:off x="2435510" y="4196580"/>
+            <a:ext cx="6708490" cy="954107"/>
+          </a:xfrm>
+          <a:prstGeom prst="rect">
+            <a:avLst/>
+          </a:prstGeom>
+        </p:spPr>
+        <p:txBody>
+          <a:bodyPr wrap="square">
+            <a:spAutoFit/>
+          </a:bodyPr>
+          <a:lstStyle/>
+          <a:p>
+            <a:pPr marL="742950" lvl="1" indent="-285750">
+              <a:spcBef>
+                <a:spcPts val="600"/>
+              </a:spcBef>
+              <a:buFont typeface="Calibri" pitchFamily="34" charset="0"/>
+              <a:buChar char="–"/>
+            </a:pPr>
+            <a:r>
+              <a:rPr lang="hr-HR" sz="2800" dirty="0" smtClean="0">
+                <a:solidFill>
+                  <a:prstClr val="black"/>
+                </a:solidFill>
+              </a:rPr>
+              <a:t>restorani</a:t>
+            </a:r>
+            <a:r>
+              <a:rPr lang="hr-HR" sz="2800" dirty="0">
+                <a:solidFill>
+                  <a:prstClr val="black"/>
+                </a:solidFill>
+              </a:rPr>
+              <a:t>, kina, izložbe, trgovine, banke, bolnice…</a:t>
+            </a:r>
           </a:p>
         </p:txBody>
       </p:sp>
@@ -19792,9 +20567,18 @@
   <p:clrMapOvr>
     <a:masterClrMapping/>
   </p:clrMapOvr>
-  <p:transition>
-    <p:fade/>
-  </p:transition>
+  <mc:AlternateContent xmlns:mc="http://schemas.openxmlformats.org/markup-compatibility/2006">
+    <mc:Choice xmlns:p14="http://schemas.microsoft.com/office/powerpoint/2010/main" Requires="p14">
+      <p:transition p14:dur="250">
+        <p:fade/>
+      </p:transition>
+    </mc:Choice>
+    <mc:Fallback>
+      <p:transition>
+        <p:fade/>
+      </p:transition>
+    </mc:Fallback>
+  </mc:AlternateContent>
   <p:timing>
     <p:tnLst>
       <p:par>
@@ -19938,7 +20722,7 @@
                                         <p:tgtEl>
                                           <p:spTgt spid="3">
                                             <p:txEl>
-                                              <p:pRg st="2" end="2"/>
+                                              <p:pRg st="3" end="3"/>
                                             </p:txEl>
                                           </p:spTgt>
                                         </p:tgtEl>
@@ -19956,7 +20740,7 @@
                                         <p:tgtEl>
                                           <p:spTgt spid="3">
                                             <p:txEl>
-                                              <p:pRg st="2" end="2"/>
+                                              <p:pRg st="3" end="3"/>
                                             </p:txEl>
                                           </p:spTgt>
                                         </p:tgtEl>
@@ -19990,7 +20774,7 @@
                                         <p:tgtEl>
                                           <p:spTgt spid="3">
                                             <p:txEl>
-                                              <p:pRg st="3" end="3"/>
+                                              <p:pRg st="4" end="4"/>
                                             </p:txEl>
                                           </p:spTgt>
                                         </p:tgtEl>
@@ -20008,7 +20792,7 @@
                                         <p:tgtEl>
                                           <p:spTgt spid="3">
                                             <p:txEl>
-                                              <p:pRg st="3" end="3"/>
+                                              <p:pRg st="4" end="4"/>
                                             </p:txEl>
                                           </p:spTgt>
                                         </p:tgtEl>
@@ -20042,7 +20826,7 @@
                                         <p:tgtEl>
                                           <p:spTgt spid="3">
                                             <p:txEl>
-                                              <p:pRg st="4" end="4"/>
+                                              <p:pRg st="5" end="5"/>
                                             </p:txEl>
                                           </p:spTgt>
                                         </p:tgtEl>
@@ -20060,7 +20844,7 @@
                                         <p:tgtEl>
                                           <p:spTgt spid="3">
                                             <p:txEl>
-                                              <p:pRg st="4" end="4"/>
+                                              <p:pRg st="5" end="5"/>
                                             </p:txEl>
                                           </p:spTgt>
                                         </p:tgtEl>
@@ -20094,7 +20878,7 @@
                                         <p:tgtEl>
                                           <p:spTgt spid="3">
                                             <p:txEl>
-                                              <p:pRg st="5" end="5"/>
+                                              <p:pRg st="6" end="6"/>
                                             </p:txEl>
                                           </p:spTgt>
                                         </p:tgtEl>
@@ -20112,9 +20896,274 @@
                                         <p:tgtEl>
                                           <p:spTgt spid="3">
                                             <p:txEl>
-                                              <p:pRg st="5" end="5"/>
+                                              <p:pRg st="6" end="6"/>
                                             </p:txEl>
                                           </p:spTgt>
+                                        </p:tgtEl>
+                                      </p:cBhvr>
+                                    </p:animEffect>
+                                  </p:childTnLst>
+                                </p:cTn>
+                              </p:par>
+                            </p:childTnLst>
+                          </p:cTn>
+                        </p:par>
+                      </p:childTnLst>
+                    </p:cTn>
+                  </p:par>
+                  <p:par>
+                    <p:cTn id="28" fill="hold">
+                      <p:stCondLst>
+                        <p:cond delay="indefinite"/>
+                      </p:stCondLst>
+                      <p:childTnLst>
+                        <p:par>
+                          <p:cTn id="29" fill="hold">
+                            <p:stCondLst>
+                              <p:cond delay="0"/>
+                            </p:stCondLst>
+                            <p:childTnLst>
+                              <p:par>
+                                <p:cTn id="30" presetID="22" presetClass="entr" presetSubtype="8" fill="hold" grpId="0" nodeType="clickEffect">
+                                  <p:stCondLst>
+                                    <p:cond delay="0"/>
+                                  </p:stCondLst>
+                                  <p:childTnLst>
+                                    <p:set>
+                                      <p:cBhvr>
+                                        <p:cTn id="31" dur="1" fill="hold">
+                                          <p:stCondLst>
+                                            <p:cond delay="0"/>
+                                          </p:stCondLst>
+                                        </p:cTn>
+                                        <p:tgtEl>
+                                          <p:spTgt spid="5"/>
+                                        </p:tgtEl>
+                                        <p:attrNameLst>
+                                          <p:attrName>style.visibility</p:attrName>
+                                        </p:attrNameLst>
+                                      </p:cBhvr>
+                                      <p:to>
+                                        <p:strVal val="visible"/>
+                                      </p:to>
+                                    </p:set>
+                                    <p:animEffect transition="in" filter="wipe(left)">
+                                      <p:cBhvr>
+                                        <p:cTn id="32" dur="250"/>
+                                        <p:tgtEl>
+                                          <p:spTgt spid="5"/>
+                                        </p:tgtEl>
+                                      </p:cBhvr>
+                                    </p:animEffect>
+                                  </p:childTnLst>
+                                </p:cTn>
+                              </p:par>
+                            </p:childTnLst>
+                          </p:cTn>
+                        </p:par>
+                      </p:childTnLst>
+                    </p:cTn>
+                  </p:par>
+                  <p:par>
+                    <p:cTn id="33" fill="hold">
+                      <p:stCondLst>
+                        <p:cond delay="indefinite"/>
+                      </p:stCondLst>
+                      <p:childTnLst>
+                        <p:par>
+                          <p:cTn id="34" fill="hold">
+                            <p:stCondLst>
+                              <p:cond delay="0"/>
+                            </p:stCondLst>
+                            <p:childTnLst>
+                              <p:par>
+                                <p:cTn id="35" presetID="22" presetClass="entr" presetSubtype="8" fill="hold" grpId="0" nodeType="clickEffect">
+                                  <p:stCondLst>
+                                    <p:cond delay="0"/>
+                                  </p:stCondLst>
+                                  <p:childTnLst>
+                                    <p:set>
+                                      <p:cBhvr>
+                                        <p:cTn id="36" dur="1" fill="hold">
+                                          <p:stCondLst>
+                                            <p:cond delay="0"/>
+                                          </p:stCondLst>
+                                        </p:cTn>
+                                        <p:tgtEl>
+                                          <p:spTgt spid="7"/>
+                                        </p:tgtEl>
+                                        <p:attrNameLst>
+                                          <p:attrName>style.visibility</p:attrName>
+                                        </p:attrNameLst>
+                                      </p:cBhvr>
+                                      <p:to>
+                                        <p:strVal val="visible"/>
+                                      </p:to>
+                                    </p:set>
+                                    <p:animEffect transition="in" filter="wipe(left)">
+                                      <p:cBhvr>
+                                        <p:cTn id="37" dur="250"/>
+                                        <p:tgtEl>
+                                          <p:spTgt spid="7"/>
+                                        </p:tgtEl>
+                                      </p:cBhvr>
+                                    </p:animEffect>
+                                  </p:childTnLst>
+                                </p:cTn>
+                              </p:par>
+                            </p:childTnLst>
+                          </p:cTn>
+                        </p:par>
+                      </p:childTnLst>
+                    </p:cTn>
+                  </p:par>
+                  <p:par>
+                    <p:cTn id="38" fill="hold">
+                      <p:stCondLst>
+                        <p:cond delay="indefinite"/>
+                      </p:stCondLst>
+                      <p:childTnLst>
+                        <p:par>
+                          <p:cTn id="39" fill="hold">
+                            <p:stCondLst>
+                              <p:cond delay="0"/>
+                            </p:stCondLst>
+                            <p:childTnLst>
+                              <p:par>
+                                <p:cTn id="40" presetID="22" presetClass="entr" presetSubtype="8" fill="hold" grpId="0" nodeType="clickEffect">
+                                  <p:stCondLst>
+                                    <p:cond delay="0"/>
+                                  </p:stCondLst>
+                                  <p:childTnLst>
+                                    <p:set>
+                                      <p:cBhvr>
+                                        <p:cTn id="41" dur="1" fill="hold">
+                                          <p:stCondLst>
+                                            <p:cond delay="0"/>
+                                          </p:stCondLst>
+                                        </p:cTn>
+                                        <p:tgtEl>
+                                          <p:spTgt spid="8"/>
+                                        </p:tgtEl>
+                                        <p:attrNameLst>
+                                          <p:attrName>style.visibility</p:attrName>
+                                        </p:attrNameLst>
+                                      </p:cBhvr>
+                                      <p:to>
+                                        <p:strVal val="visible"/>
+                                      </p:to>
+                                    </p:set>
+                                    <p:animEffect transition="in" filter="wipe(left)">
+                                      <p:cBhvr>
+                                        <p:cTn id="42" dur="250"/>
+                                        <p:tgtEl>
+                                          <p:spTgt spid="8"/>
+                                        </p:tgtEl>
+                                      </p:cBhvr>
+                                    </p:animEffect>
+                                  </p:childTnLst>
+                                </p:cTn>
+                              </p:par>
+                            </p:childTnLst>
+                          </p:cTn>
+                        </p:par>
+                      </p:childTnLst>
+                    </p:cTn>
+                  </p:par>
+                  <p:par>
+                    <p:cTn id="43" fill="hold">
+                      <p:stCondLst>
+                        <p:cond delay="indefinite"/>
+                      </p:stCondLst>
+                      <p:childTnLst>
+                        <p:par>
+                          <p:cTn id="44" fill="hold">
+                            <p:stCondLst>
+                              <p:cond delay="0"/>
+                            </p:stCondLst>
+                            <p:childTnLst>
+                              <p:par>
+                                <p:cTn id="45" presetID="22" presetClass="entr" presetSubtype="8" fill="hold" grpId="0" nodeType="clickEffect">
+                                  <p:stCondLst>
+                                    <p:cond delay="0"/>
+                                  </p:stCondLst>
+                                  <p:childTnLst>
+                                    <p:set>
+                                      <p:cBhvr>
+                                        <p:cTn id="46" dur="1" fill="hold">
+                                          <p:stCondLst>
+                                            <p:cond delay="0"/>
+                                          </p:stCondLst>
+                                        </p:cTn>
+                                        <p:tgtEl>
+                                          <p:spTgt spid="10"/>
+                                        </p:tgtEl>
+                                        <p:attrNameLst>
+                                          <p:attrName>style.visibility</p:attrName>
+                                        </p:attrNameLst>
+                                      </p:cBhvr>
+                                      <p:to>
+                                        <p:strVal val="visible"/>
+                                      </p:to>
+                                    </p:set>
+                                    <p:animEffect transition="in" filter="wipe(left)">
+                                      <p:cBhvr>
+                                        <p:cTn id="47" dur="250"/>
+                                        <p:tgtEl>
+                                          <p:spTgt spid="10"/>
+                                        </p:tgtEl>
+                                      </p:cBhvr>
+                                    </p:animEffect>
+                                  </p:childTnLst>
+                                </p:cTn>
+                              </p:par>
+                            </p:childTnLst>
+                          </p:cTn>
+                        </p:par>
+                      </p:childTnLst>
+                    </p:cTn>
+                  </p:par>
+                  <p:par>
+                    <p:cTn id="48" fill="hold">
+                      <p:stCondLst>
+                        <p:cond delay="indefinite"/>
+                      </p:stCondLst>
+                      <p:childTnLst>
+                        <p:par>
+                          <p:cTn id="49" fill="hold">
+                            <p:stCondLst>
+                              <p:cond delay="0"/>
+                            </p:stCondLst>
+                            <p:childTnLst>
+                              <p:par>
+                                <p:cTn id="50" presetID="22" presetClass="entr" presetSubtype="8" fill="hold" grpId="0" nodeType="clickEffect">
+                                  <p:stCondLst>
+                                    <p:cond delay="0"/>
+                                  </p:stCondLst>
+                                  <p:childTnLst>
+                                    <p:set>
+                                      <p:cBhvr>
+                                        <p:cTn id="51" dur="1" fill="hold">
+                                          <p:stCondLst>
+                                            <p:cond delay="0"/>
+                                          </p:stCondLst>
+                                        </p:cTn>
+                                        <p:tgtEl>
+                                          <p:spTgt spid="11"/>
+                                        </p:tgtEl>
+                                        <p:attrNameLst>
+                                          <p:attrName>style.visibility</p:attrName>
+                                        </p:attrNameLst>
+                                      </p:cBhvr>
+                                      <p:to>
+                                        <p:strVal val="visible"/>
+                                      </p:to>
+                                    </p:set>
+                                    <p:animEffect transition="in" filter="wipe(left)">
+                                      <p:cBhvr>
+                                        <p:cTn id="52" dur="250"/>
+                                        <p:tgtEl>
+                                          <p:spTgt spid="11"/>
                                         </p:tgtEl>
                                       </p:cBhvr>
                                     </p:animEffect>
@@ -20150,6 +21199,11 @@
     </p:tnLst>
     <p:bldLst>
       <p:bldP spid="3" grpId="0" uiExpand="1" build="p"/>
+      <p:bldP spid="5" grpId="0"/>
+      <p:bldP spid="7" grpId="0"/>
+      <p:bldP spid="8" grpId="0"/>
+      <p:bldP spid="10" grpId="0"/>
+      <p:bldP spid="11" grpId="0"/>
     </p:bldLst>
   </p:timing>
 </p:sld>
@@ -20207,7 +21261,7 @@
         <p:spPr>
           <a:xfrm>
             <a:off x="35496" y="928670"/>
-            <a:ext cx="9145016" cy="5929330"/>
+            <a:ext cx="9108504" cy="5929330"/>
           </a:xfrm>
         </p:spPr>
         <p:txBody>
@@ -20222,7 +21276,7 @@
               </a:spcBef>
             </a:pPr>
             <a:r>
-              <a:rPr lang="hr-HR" sz="2400" b="1" dirty="0" smtClean="0">
+              <a:rPr lang="hr-HR" sz="2800" b="1" dirty="0" smtClean="0">
                 <a:solidFill>
                   <a:srgbClr val="FF0000"/>
                 </a:solidFill>
@@ -20230,7 +21284,7 @@
               <a:t>destinacijski menadžment</a:t>
             </a:r>
             <a:r>
-              <a:rPr lang="hr-HR" sz="2400" dirty="0" smtClean="0">
+              <a:rPr lang="hr-HR" sz="2800" dirty="0" smtClean="0">
                 <a:solidFill>
                   <a:srgbClr val="FF0000"/>
                 </a:solidFill>
@@ -20238,12 +21292,70 @@
               <a:t> </a:t>
             </a:r>
             <a:r>
+              <a:rPr lang="hr-HR" sz="2800" dirty="0" smtClean="0"/>
+              <a:t>uključuje </a:t>
+            </a:r>
+            <a:r>
+              <a:rPr lang="hr-HR" sz="2800" dirty="0">
+                <a:highlight>
+                  <a:srgbClr val="FFFF00"/>
+                </a:highlight>
+                <a:ea typeface="Calibri"/>
+                <a:cs typeface="Times New Roman"/>
+              </a:rPr>
+              <a:t>aktivnosti koje pridonose unaprjeđenju i razvoju turizma</a:t>
+            </a:r>
+            <a:r>
+              <a:rPr lang="hr-HR" sz="2800" dirty="0" smtClean="0"/>
+              <a:t> usklađenjem interesa </a:t>
+            </a:r>
+            <a:r>
+              <a:rPr lang="hr-HR" sz="2800" b="1" dirty="0" smtClean="0">
+                <a:solidFill>
+                  <a:srgbClr val="FF0000"/>
+                </a:solidFill>
+              </a:rPr>
+              <a:t>svih subjekata koji sudjeluju u turizmu</a:t>
+            </a:r>
+          </a:p>
+          <a:p>
+            <a:pPr>
+              <a:spcBef>
+                <a:spcPts val="3000"/>
+              </a:spcBef>
+            </a:pPr>
+            <a:r>
               <a:rPr lang="hr-HR" sz="2400" dirty="0" smtClean="0"/>
-              <a:t>uključuje aktivnosti koje pridonose unaprjeđenju i razvoju turizma usklađenjem interesa </a:t>
-            </a:r>
-            <a:r>
-              <a:rPr lang="hr-HR" sz="2400" b="1" dirty="0" smtClean="0"/>
-              <a:t>svih subjekata koji sudjeluju u turizmu</a:t>
+              <a:t>treba voditi </a:t>
+            </a:r>
+            <a:r>
+              <a:rPr lang="hr-HR" sz="2400" dirty="0" smtClean="0"/>
+              <a:t>brigu </a:t>
+            </a:r>
+            <a:r>
+              <a:rPr lang="hr-HR" sz="2400" dirty="0" smtClean="0"/>
+              <a:t>o svim aktivnostima u turističkoj destinaciji koje mogu </a:t>
+            </a:r>
+            <a:r>
+              <a:rPr lang="hr-HR" sz="2400" dirty="0">
+                <a:highlight>
+                  <a:srgbClr val="FFFF00"/>
+                </a:highlight>
+                <a:ea typeface="Calibri"/>
+                <a:cs typeface="Times New Roman"/>
+              </a:rPr>
+              <a:t>naštetiti ili poboljšati kvalitetu turističke ponude</a:t>
+            </a:r>
+          </a:p>
+          <a:p>
+            <a:pPr lvl="1">
+              <a:spcBef>
+                <a:spcPts val="1800"/>
+              </a:spcBef>
+            </a:pPr>
+            <a:r>
+              <a:rPr lang="hr-HR" sz="2400" i="1" dirty="0" smtClean="0"/>
+              <a:t>npr. izgradnja kamenoloma ili nezbrinuto odlaganje otpada u blizini turističkog mjesta može negativno utjecati na razvoj turističke destinacije</a:t>
             </a:r>
           </a:p>
           <a:p>
@@ -20253,38 +21365,18 @@
               </a:spcBef>
             </a:pPr>
             <a:r>
+              <a:rPr lang="hr-HR" sz="2400" dirty="0">
+                <a:highlight>
+                  <a:srgbClr val="FFFF00"/>
+                </a:highlight>
+                <a:ea typeface="Calibri"/>
+                <a:cs typeface="Times New Roman"/>
+              </a:rPr>
+              <a:t>u destinacijski menadžment trebaju biti uključeni svi </a:t>
+            </a:r>
+            <a:r>
               <a:rPr lang="hr-HR" sz="2400" dirty="0" smtClean="0"/>
-              <a:t>treba voditi </a:t>
-            </a:r>
-            <a:r>
-              <a:rPr lang="hr-HR" sz="2400" dirty="0" err="1" smtClean="0"/>
-              <a:t>btigu</a:t>
-            </a:r>
-            <a:r>
-              <a:rPr lang="hr-HR" sz="2400" dirty="0" smtClean="0"/>
-              <a:t> o svim aktivnostima u turističkoj destinaciji koje mogu naštetiti ili poboljšati kvalitetu turističke ponude</a:t>
-            </a:r>
-          </a:p>
-          <a:p>
-            <a:pPr lvl="1">
-              <a:spcBef>
-                <a:spcPts val="1800"/>
-              </a:spcBef>
-            </a:pPr>
-            <a:r>
-              <a:rPr lang="hr-HR" sz="2400" i="1" dirty="0" smtClean="0"/>
-              <a:t>npr. izgradnja kamenoloma ili nezbrinuto odlaganje otpada u blizini turističkog mjesta može negativno utjecati na razvoj turističke destinacije</a:t>
-            </a:r>
-          </a:p>
-          <a:p>
-            <a:pPr>
-              <a:spcBef>
-                <a:spcPts val="1800"/>
-              </a:spcBef>
-            </a:pPr>
-            <a:r>
-              <a:rPr lang="hr-HR" sz="2400" dirty="0" smtClean="0"/>
-              <a:t>u destinacijski menadžment trebaju biti uključeni svi – poduzetnici u ugostiteljstvu, javne službe, predstavnici lokalne uprave, razne udruge i sami građani</a:t>
+              <a:t>– poduzetnici u ugostiteljstvu, javne službe, predstavnici lokalne uprave, razne udruge i sami građani</a:t>
             </a:r>
             <a:endParaRPr lang="hr-HR" dirty="0" smtClean="0"/>
           </a:p>
@@ -20295,9 +21387,18 @@
   <p:clrMapOvr>
     <a:masterClrMapping/>
   </p:clrMapOvr>
-  <p:transition>
-    <p:fade/>
-  </p:transition>
+  <mc:AlternateContent xmlns:mc="http://schemas.openxmlformats.org/markup-compatibility/2006">
+    <mc:Choice xmlns:p14="http://schemas.microsoft.com/office/powerpoint/2010/main" Requires="p14">
+      <p:transition p14:dur="250">
+        <p:fade/>
+      </p:transition>
+    </mc:Choice>
+    <mc:Fallback>
+      <p:transition>
+        <p:fade/>
+      </p:transition>
+    </mc:Fallback>
+  </mc:AlternateContent>
   <p:timing>
     <p:tnLst>
       <p:par>
@@ -20367,21 +21468,30 @@
                             </p:childTnLst>
                           </p:cTn>
                         </p:par>
+                      </p:childTnLst>
+                    </p:cTn>
+                  </p:par>
+                  <p:par>
+                    <p:cTn id="8" fill="hold">
+                      <p:stCondLst>
+                        <p:cond delay="indefinite"/>
+                      </p:stCondLst>
+                      <p:childTnLst>
                         <p:par>
-                          <p:cTn id="8" fill="hold">
+                          <p:cTn id="9" fill="hold">
                             <p:stCondLst>
-                              <p:cond delay="250"/>
+                              <p:cond delay="0"/>
                             </p:stCondLst>
                             <p:childTnLst>
                               <p:par>
-                                <p:cTn id="9" presetID="10" presetClass="entr" presetSubtype="0" fill="hold" grpId="0" nodeType="afterEffect">
+                                <p:cTn id="10" presetID="10" presetClass="entr" presetSubtype="0" fill="hold" grpId="0" nodeType="clickEffect">
                                   <p:stCondLst>
                                     <p:cond delay="0"/>
                                   </p:stCondLst>
                                   <p:childTnLst>
                                     <p:set>
                                       <p:cBhvr>
-                                        <p:cTn id="10" dur="1" fill="hold">
+                                        <p:cTn id="11" dur="1" fill="hold">
                                           <p:stCondLst>
                                             <p:cond delay="0"/>
                                           </p:stCondLst>
@@ -20403,7 +21513,7 @@
                                     </p:set>
                                     <p:animEffect transition="in" filter="fade">
                                       <p:cBhvr>
-                                        <p:cTn id="11" dur="250"/>
+                                        <p:cTn id="12" dur="250"/>
                                         <p:tgtEl>
                                           <p:spTgt spid="3">
                                             <p:txEl>
@@ -20420,20 +21530,20 @@
                           </p:cTn>
                         </p:par>
                         <p:par>
-                          <p:cTn id="12" fill="hold">
+                          <p:cTn id="13" fill="hold">
                             <p:stCondLst>
-                              <p:cond delay="500"/>
+                              <p:cond delay="250"/>
                             </p:stCondLst>
                             <p:childTnLst>
                               <p:par>
-                                <p:cTn id="13" presetID="10" presetClass="entr" presetSubtype="0" fill="hold" grpId="0" nodeType="afterEffect">
+                                <p:cTn id="14" presetID="10" presetClass="entr" presetSubtype="0" fill="hold" grpId="0" nodeType="afterEffect">
                                   <p:stCondLst>
                                     <p:cond delay="0"/>
                                   </p:stCondLst>
                                   <p:childTnLst>
                                     <p:set>
                                       <p:cBhvr>
-                                        <p:cTn id="14" dur="1" fill="hold">
+                                        <p:cTn id="15" dur="1" fill="hold">
                                           <p:stCondLst>
                                             <p:cond delay="0"/>
                                           </p:stCondLst>
@@ -20455,7 +21565,7 @@
                                     </p:set>
                                     <p:animEffect transition="in" filter="fade">
                                       <p:cBhvr>
-                                        <p:cTn id="15" dur="250"/>
+                                        <p:cTn id="16" dur="250"/>
                                         <p:tgtEl>
                                           <p:spTgt spid="3">
                                             <p:txEl>
@@ -20472,20 +21582,20 @@
                           </p:cTn>
                         </p:par>
                         <p:par>
-                          <p:cTn id="16" fill="hold">
+                          <p:cTn id="17" fill="hold">
                             <p:stCondLst>
-                              <p:cond delay="750"/>
+                              <p:cond delay="500"/>
                             </p:stCondLst>
                             <p:childTnLst>
                               <p:par>
-                                <p:cTn id="17" presetID="10" presetClass="entr" presetSubtype="0" fill="hold" grpId="0" nodeType="afterEffect">
+                                <p:cTn id="18" presetID="10" presetClass="entr" presetSubtype="0" fill="hold" grpId="0" nodeType="afterEffect">
                                   <p:stCondLst>
                                     <p:cond delay="0"/>
                                   </p:stCondLst>
                                   <p:childTnLst>
                                     <p:set>
                                       <p:cBhvr>
-                                        <p:cTn id="18" dur="1" fill="hold">
+                                        <p:cTn id="19" dur="1" fill="hold">
                                           <p:stCondLst>
                                             <p:cond delay="0"/>
                                           </p:stCondLst>
@@ -20507,7 +21617,7 @@
                                     </p:set>
                                     <p:animEffect transition="in" filter="fade">
                                       <p:cBhvr>
-                                        <p:cTn id="19" dur="250"/>
+                                        <p:cTn id="20" dur="250"/>
                                         <p:tgtEl>
                                           <p:spTgt spid="3">
                                             <p:txEl>
@@ -20622,8 +21732,8 @@
         </p:nvSpPr>
         <p:spPr>
           <a:xfrm>
-            <a:off x="36512" y="934964"/>
-            <a:ext cx="9144000" cy="5923036"/>
+            <a:off x="24637" y="872337"/>
+            <a:ext cx="9144000" cy="6021288"/>
           </a:xfrm>
         </p:spPr>
         <p:txBody>
@@ -20638,23 +21748,23 @@
               </a:spcBef>
             </a:pPr>
             <a:r>
-              <a:rPr lang="hr-HR" sz="2200" dirty="0"/>
+              <a:rPr lang="hr-HR" sz="2300" dirty="0"/>
               <a:t>turistička mjesta se počinju razvijati kada se </a:t>
             </a:r>
             <a:r>
-              <a:rPr lang="hr-HR" sz="2200" b="1" dirty="0"/>
+              <a:rPr lang="hr-HR" sz="2300" b="1" dirty="0"/>
               <a:t>prometno povežu </a:t>
             </a:r>
             <a:r>
-              <a:rPr lang="hr-HR" sz="2200" dirty="0"/>
+              <a:rPr lang="hr-HR" sz="2300" dirty="0"/>
               <a:t>i kada se </a:t>
             </a:r>
             <a:r>
-              <a:rPr lang="hr-HR" sz="2200" b="1" dirty="0"/>
+              <a:rPr lang="hr-HR" sz="2300" b="1" dirty="0"/>
               <a:t>razviju kapaciteti nužni za prihvat </a:t>
             </a:r>
             <a:r>
-              <a:rPr lang="hr-HR" sz="2200" b="1" dirty="0" smtClean="0"/>
+              <a:rPr lang="hr-HR" sz="2300" b="1" dirty="0" smtClean="0"/>
               <a:t>turista</a:t>
             </a:r>
           </a:p>
@@ -20665,23 +21775,23 @@
               </a:spcBef>
             </a:pPr>
             <a:r>
-              <a:rPr lang="hr-HR" sz="2200" b="1" dirty="0"/>
+              <a:rPr lang="hr-HR" sz="2300" b="1" dirty="0"/>
               <a:t>turistička mjesta</a:t>
             </a:r>
             <a:r>
-              <a:rPr lang="hr-HR" sz="2200" dirty="0"/>
+              <a:rPr lang="hr-HR" sz="2300" dirty="0"/>
               <a:t> su ona mjesta koja turisti i izletnici </a:t>
             </a:r>
             <a:r>
-              <a:rPr lang="hr-HR" sz="2200" b="1" dirty="0"/>
+              <a:rPr lang="hr-HR" sz="2300" b="1" dirty="0"/>
               <a:t>posjećuju u većem broju </a:t>
             </a:r>
             <a:r>
-              <a:rPr lang="hr-HR" sz="2200" dirty="0"/>
+              <a:rPr lang="hr-HR" sz="2300" dirty="0"/>
               <a:t>i </a:t>
             </a:r>
             <a:r>
-              <a:rPr lang="hr-HR" sz="2200" b="1" dirty="0">
+              <a:rPr lang="hr-HR" sz="2300" b="1" dirty="0">
                 <a:solidFill>
                   <a:srgbClr val="FF0000"/>
                 </a:solidFill>
@@ -20689,7 +21799,7 @@
               <a:t>koja svojom opremljenošću omogućuju njihov prihvat i </a:t>
             </a:r>
             <a:r>
-              <a:rPr lang="hr-HR" sz="2200" b="1" dirty="0" smtClean="0">
+              <a:rPr lang="hr-HR" sz="2300" b="1" dirty="0" smtClean="0">
                 <a:solidFill>
                   <a:srgbClr val="FF0000"/>
                 </a:solidFill>
@@ -20698,49 +21808,79 @@
             </a:r>
           </a:p>
           <a:p>
-            <a:pPr>
+            <a:pPr lvl="0">
+              <a:spcBef>
+                <a:spcPts val="1800"/>
+              </a:spcBef>
+            </a:pPr>
+            <a:r>
+              <a:rPr lang="hr-HR" sz="2300" b="1" dirty="0">
+                <a:solidFill>
+                  <a:srgbClr val="FF0000"/>
+                </a:solidFill>
+              </a:rPr>
+              <a:t>turistička destinacija </a:t>
+            </a:r>
+            <a:r>
+              <a:rPr lang="hr-HR" sz="2300" dirty="0"/>
+              <a:t>– područje </a:t>
+            </a:r>
+            <a:r>
+              <a:rPr lang="hr-HR" sz="2300" b="1" dirty="0">
+                <a:solidFill>
+                  <a:srgbClr val="FF0000"/>
+                </a:solidFill>
+              </a:rPr>
+              <a:t>šire od turističkog mjesta </a:t>
+            </a:r>
+            <a:r>
+              <a:rPr lang="hr-HR" sz="2300" i="1" dirty="0"/>
+              <a:t>(obuhvaća turističko mjesto i okolicu)</a:t>
+            </a:r>
+          </a:p>
+          <a:p>
+            <a:pPr lvl="1">
+              <a:spcBef>
+                <a:spcPts val="600"/>
+              </a:spcBef>
+            </a:pPr>
+            <a:r>
+              <a:rPr lang="hr-HR" sz="2400" i="1" dirty="0"/>
+              <a:t>npr. turistička destinacija Novalja obuhvaća grad Novalju, ali i </a:t>
+            </a:r>
+            <a:r>
+              <a:rPr lang="hr-HR" sz="2400" i="1" dirty="0" err="1"/>
+              <a:t>Zrće</a:t>
+            </a:r>
+            <a:r>
+              <a:rPr lang="hr-HR" sz="2400" i="1" dirty="0"/>
+              <a:t>, Staru Novalju, </a:t>
+            </a:r>
+            <a:r>
+              <a:rPr lang="hr-HR" sz="2400" i="1" dirty="0" err="1"/>
+              <a:t>Lun</a:t>
+            </a:r>
+            <a:r>
+              <a:rPr lang="hr-HR" sz="2400" i="1" dirty="0"/>
+              <a:t>…</a:t>
+            </a:r>
+          </a:p>
+          <a:p>
+            <a:pPr lvl="0">
               <a:spcBef>
                 <a:spcPts val="1200"/>
               </a:spcBef>
             </a:pPr>
             <a:r>
-              <a:rPr lang="hr-HR" sz="2200" b="1" dirty="0"/>
-              <a:t>turistička destinacija </a:t>
-            </a:r>
-            <a:r>
-              <a:rPr lang="hr-HR" sz="2200" dirty="0" smtClean="0"/>
-              <a:t>– područje  </a:t>
-            </a:r>
-            <a:r>
-              <a:rPr lang="hr-HR" sz="2200" b="1" dirty="0" smtClean="0">
+              <a:rPr lang="hr-HR" sz="2300" b="1" dirty="0" smtClean="0">
                 <a:solidFill>
                   <a:srgbClr val="FF0000"/>
                 </a:solidFill>
               </a:rPr>
-              <a:t>šire </a:t>
-            </a:r>
-            <a:r>
-              <a:rPr lang="hr-HR" sz="2200" b="1" dirty="0">
-                <a:solidFill>
-                  <a:srgbClr val="FF0000"/>
-                </a:solidFill>
-              </a:rPr>
-              <a:t>od turističkog </a:t>
-            </a:r>
-            <a:r>
-              <a:rPr lang="hr-HR" sz="2200" b="1" dirty="0" smtClean="0">
-                <a:solidFill>
-                  <a:srgbClr val="FF0000"/>
-                </a:solidFill>
-              </a:rPr>
-              <a:t>mjesta </a:t>
-            </a:r>
-            <a:r>
-              <a:rPr lang="hr-HR" sz="2200" dirty="0" smtClean="0"/>
-              <a:t>i</a:t>
-            </a:r>
-            <a:r>
-              <a:rPr lang="hr-HR" sz="2200" b="1" dirty="0" smtClean="0">
+              <a:t>uvjeti</a:t>
+            </a:r>
+            <a:r>
+              <a:rPr lang="hr-HR" sz="2300" dirty="0" smtClean="0">
                 <a:solidFill>
                   <a:srgbClr val="FF0000"/>
                 </a:solidFill>
@@ -20748,53 +21888,26 @@
               <a:t> </a:t>
             </a:r>
             <a:r>
-              <a:rPr lang="hr-HR" sz="2200" dirty="0"/>
-              <a:t>koje svojom dostupnošću i opremljenošću </a:t>
-            </a:r>
-            <a:r>
-              <a:rPr lang="hr-HR" sz="2200" b="1" dirty="0"/>
-              <a:t>omogućuje prihvat, boravak i različite aktivnosti turista</a:t>
+              <a:rPr lang="hr-HR" sz="2300" dirty="0"/>
+              <a:t>po kojima je neko područje turistička destinacija:</a:t>
             </a:r>
           </a:p>
           <a:p>
             <a:pPr lvl="1">
               <a:spcBef>
-                <a:spcPts val="600"/>
+                <a:spcPts val="300"/>
               </a:spcBef>
             </a:pPr>
             <a:r>
-              <a:rPr lang="hr-HR" sz="2200" i="1" dirty="0" smtClean="0"/>
-              <a:t>npr</a:t>
-            </a:r>
-            <a:r>
-              <a:rPr lang="hr-HR" sz="2200" i="1" dirty="0"/>
-              <a:t>. turističko mjesto Novalja kao turistička destinacija obuhvaća i Zrće, Staru Novalju, </a:t>
-            </a:r>
-            <a:r>
-              <a:rPr lang="hr-HR" sz="2200" i="1" dirty="0" err="1"/>
-              <a:t>Lun</a:t>
-            </a:r>
-            <a:r>
-              <a:rPr lang="hr-HR" sz="2200" i="1" dirty="0"/>
-              <a:t>…</a:t>
-            </a:r>
-          </a:p>
-          <a:p>
-            <a:pPr lvl="0">
-              <a:spcBef>
-                <a:spcPts val="1200"/>
-              </a:spcBef>
-            </a:pPr>
-            <a:r>
-              <a:rPr lang="hr-HR" sz="2200" b="1" dirty="0">
+              <a:rPr lang="hr-HR" sz="2300" b="1" dirty="0" smtClean="0">
                 <a:solidFill>
                   <a:srgbClr val="FF0000"/>
                 </a:solidFill>
               </a:rPr>
-              <a:t>uvjeti</a:t>
-            </a:r>
-            <a:r>
-              <a:rPr lang="hr-HR" sz="2200" dirty="0">
+              <a:t>privlačnost</a:t>
+            </a:r>
+            <a:r>
+              <a:rPr lang="hr-HR" sz="2300" dirty="0" smtClean="0">
                 <a:solidFill>
                   <a:srgbClr val="FF0000"/>
                 </a:solidFill>
@@ -20802,9 +21915,10 @@
               <a:t> </a:t>
             </a:r>
             <a:r>
-              <a:rPr lang="hr-HR" sz="2200" dirty="0"/>
-              <a:t>po kojima je neko područje turistička destinacija:</a:t>
-            </a:r>
+              <a:rPr lang="hr-HR" sz="2300" i="1" dirty="0" smtClean="0"/>
+              <a:t>– turističke atrakcije zanimljive  gostima</a:t>
+            </a:r>
+            <a:endParaRPr lang="hr-HR" sz="2300" i="1" dirty="0" smtClean="0"/>
           </a:p>
           <a:p>
             <a:pPr lvl="1">
@@ -20813,15 +21927,15 @@
               </a:spcBef>
             </a:pPr>
             <a:r>
-              <a:rPr lang="hr-HR" sz="2200" b="1" dirty="0" smtClean="0">
+              <a:rPr lang="hr-HR" sz="2300" b="1" dirty="0" smtClean="0">
                 <a:solidFill>
                   <a:srgbClr val="FF0000"/>
                 </a:solidFill>
               </a:rPr>
-              <a:t>privlačnost</a:t>
-            </a:r>
-            <a:r>
-              <a:rPr lang="hr-HR" sz="2200" dirty="0" smtClean="0">
+              <a:t>dostupnost</a:t>
+            </a:r>
+            <a:r>
+              <a:rPr lang="hr-HR" sz="2300" dirty="0" smtClean="0">
                 <a:solidFill>
                   <a:srgbClr val="FF0000"/>
                 </a:solidFill>
@@ -20829,9 +21943,18 @@
               <a:t> </a:t>
             </a:r>
             <a:r>
-              <a:rPr lang="hr-HR" sz="2200" i="1" dirty="0" smtClean="0"/>
-              <a:t>– zanimljive turističke atrakcije</a:t>
-            </a:r>
+              <a:rPr lang="hr-HR" sz="2300" dirty="0" smtClean="0"/>
+              <a:t>– </a:t>
+            </a:r>
+            <a:r>
+              <a:rPr lang="hr-HR" sz="2300" i="1" dirty="0" smtClean="0"/>
+              <a:t>prometna i </a:t>
+            </a:r>
+            <a:r>
+              <a:rPr lang="hr-HR" sz="2300" i="1" dirty="0" smtClean="0"/>
+              <a:t>informacijska povezanost</a:t>
+            </a:r>
+            <a:endParaRPr lang="hr-HR" sz="2300" i="1" dirty="0" smtClean="0"/>
           </a:p>
           <a:p>
             <a:pPr lvl="1">
@@ -20840,29 +21963,26 @@
               </a:spcBef>
             </a:pPr>
             <a:r>
-              <a:rPr lang="hr-HR" sz="2200" b="1" dirty="0" smtClean="0">
+              <a:rPr lang="hr-HR" sz="2300" b="1" dirty="0" smtClean="0">
                 <a:solidFill>
                   <a:srgbClr val="FF0000"/>
                 </a:solidFill>
               </a:rPr>
-              <a:t>dostupnost</a:t>
-            </a:r>
-            <a:r>
-              <a:rPr lang="hr-HR" sz="2200" dirty="0" smtClean="0">
+              <a:t>odgovarajući smještajni </a:t>
+            </a:r>
+            <a:r>
+              <a:rPr lang="hr-HR" sz="2300" b="1" dirty="0" smtClean="0">
                 <a:solidFill>
                   <a:srgbClr val="FF0000"/>
                 </a:solidFill>
               </a:rPr>
-              <a:t> </a:t>
-            </a:r>
-            <a:r>
-              <a:rPr lang="hr-HR" sz="2200" dirty="0" smtClean="0"/>
-              <a:t>– </a:t>
-            </a:r>
-            <a:r>
-              <a:rPr lang="hr-HR" sz="2200" i="1" dirty="0" smtClean="0"/>
-              <a:t>prometna i informacijska</a:t>
-            </a:r>
+              <a:t>kapaciteti </a:t>
+            </a:r>
+            <a:r>
+              <a:rPr lang="hr-HR" sz="2300" dirty="0" smtClean="0"/>
+              <a:t>za boravak gostiju</a:t>
+            </a:r>
+            <a:endParaRPr lang="hr-HR" sz="2300" dirty="0" smtClean="0"/>
           </a:p>
           <a:p>
             <a:pPr lvl="1">
@@ -20871,12 +21991,44 @@
               </a:spcBef>
             </a:pPr>
             <a:r>
-              <a:rPr lang="hr-HR" sz="2200" b="1" dirty="0" smtClean="0">
+              <a:rPr lang="hr-HR" sz="2300" b="1" dirty="0" smtClean="0">
                 <a:solidFill>
                   <a:srgbClr val="FF0000"/>
                 </a:solidFill>
               </a:rPr>
-              <a:t>odgovarajući smještajni kapaciteti</a:t>
+              <a:t>izbor</a:t>
+            </a:r>
+            <a:r>
+              <a:rPr lang="hr-HR" sz="2300" b="1" dirty="0" smtClean="0"/>
+              <a:t> </a:t>
+            </a:r>
+            <a:r>
+              <a:rPr lang="hr-HR" sz="2300" b="1" dirty="0" smtClean="0">
+                <a:solidFill>
+                  <a:srgbClr val="FF0000"/>
+                </a:solidFill>
+              </a:rPr>
+              <a:t>aktivnosti</a:t>
+            </a:r>
+            <a:r>
+              <a:rPr lang="hr-HR" sz="2300" b="1" dirty="0" smtClean="0"/>
+              <a:t> </a:t>
+            </a:r>
+            <a:r>
+              <a:rPr lang="hr-HR" sz="2300" dirty="0" smtClean="0"/>
+              <a:t>– </a:t>
+            </a:r>
+            <a:r>
+              <a:rPr lang="hr-HR" sz="2300" i="1" dirty="0" smtClean="0"/>
+              <a:t>sport, </a:t>
+            </a:r>
+            <a:r>
+              <a:rPr lang="hr-HR" sz="2300" i="1" dirty="0"/>
+              <a:t>kultura, zabava</a:t>
+            </a:r>
+            <a:r>
+              <a:rPr lang="hr-HR" sz="2300" i="1" dirty="0" smtClean="0"/>
+              <a:t>…</a:t>
             </a:r>
           </a:p>
           <a:p>
@@ -20886,54 +22038,7 @@
               </a:spcBef>
             </a:pPr>
             <a:r>
-              <a:rPr lang="hr-HR" sz="2200" b="1" dirty="0" smtClean="0">
-                <a:solidFill>
-                  <a:srgbClr val="FF0000"/>
-                </a:solidFill>
-              </a:rPr>
-              <a:t>izbor</a:t>
-            </a:r>
-            <a:r>
-              <a:rPr lang="hr-HR" sz="2200" b="1" dirty="0" smtClean="0"/>
-              <a:t> </a:t>
-            </a:r>
-            <a:r>
-              <a:rPr lang="hr-HR" sz="2200" b="1" dirty="0" smtClean="0">
-                <a:solidFill>
-                  <a:srgbClr val="FF0000"/>
-                </a:solidFill>
-              </a:rPr>
-              <a:t>aktivnosti</a:t>
-            </a:r>
-            <a:r>
-              <a:rPr lang="hr-HR" sz="2200" b="1" dirty="0" smtClean="0"/>
-              <a:t> </a:t>
-            </a:r>
-            <a:r>
-              <a:rPr lang="hr-HR" sz="2200" dirty="0" smtClean="0"/>
-              <a:t>– </a:t>
-            </a:r>
-            <a:r>
-              <a:rPr lang="hr-HR" sz="2200" i="1" dirty="0" smtClean="0"/>
-              <a:t>sport, </a:t>
-            </a:r>
-            <a:r>
-              <a:rPr lang="hr-HR" sz="2200" i="1" dirty="0"/>
-              <a:t>kultura, zabava</a:t>
-            </a:r>
-            <a:r>
-              <a:rPr lang="hr-HR" sz="2200" i="1" dirty="0" smtClean="0"/>
-              <a:t>…</a:t>
-            </a:r>
-          </a:p>
-          <a:p>
-            <a:pPr lvl="1">
-              <a:spcBef>
-                <a:spcPts val="300"/>
-              </a:spcBef>
-            </a:pPr>
-            <a:r>
-              <a:rPr lang="hr-HR" sz="2200" b="1" dirty="0">
+              <a:rPr lang="hr-HR" sz="2300" b="1" dirty="0">
                 <a:solidFill>
                   <a:srgbClr val="FF0000"/>
                 </a:solidFill>
@@ -20941,11 +22046,11 @@
               <a:t>ostali</a:t>
             </a:r>
             <a:r>
-              <a:rPr lang="hr-HR" sz="2200" b="1" dirty="0"/>
+              <a:rPr lang="hr-HR" sz="2300" b="1" dirty="0"/>
               <a:t> </a:t>
             </a:r>
             <a:r>
-              <a:rPr lang="hr-HR" sz="2200" b="1" dirty="0">
+              <a:rPr lang="hr-HR" sz="2300" b="1" dirty="0">
                 <a:solidFill>
                   <a:srgbClr val="FF0000"/>
                 </a:solidFill>
@@ -20953,22 +22058,22 @@
               <a:t>sadržaji</a:t>
             </a:r>
             <a:r>
-              <a:rPr lang="hr-HR" sz="2200" b="1" dirty="0"/>
+              <a:rPr lang="hr-HR" sz="2300" b="1" dirty="0"/>
               <a:t> </a:t>
             </a:r>
             <a:r>
-              <a:rPr lang="hr-HR" sz="2200" dirty="0"/>
+              <a:rPr lang="hr-HR" sz="2300" dirty="0"/>
               <a:t>– </a:t>
             </a:r>
             <a:r>
-              <a:rPr lang="hr-HR" sz="2200" i="1" dirty="0"/>
+              <a:rPr lang="hr-HR" sz="2300" i="1" dirty="0"/>
               <a:t>restorani, kina, izložbe, trgovine, banke, bolnice</a:t>
             </a:r>
             <a:r>
-              <a:rPr lang="hr-HR" sz="2200" i="1" dirty="0" smtClean="0"/>
+              <a:rPr lang="hr-HR" sz="2300" i="1" dirty="0" smtClean="0"/>
               <a:t>…</a:t>
             </a:r>
-            <a:endParaRPr lang="hr-HR" sz="2200" dirty="0"/>
+            <a:endParaRPr lang="hr-HR" sz="2300" dirty="0"/>
           </a:p>
         </p:txBody>
       </p:sp>
@@ -20982,9 +22087,18 @@
   <p:clrMapOvr>
     <a:masterClrMapping/>
   </p:clrMapOvr>
-  <p:transition>
-    <p:fade/>
-  </p:transition>
+  <mc:AlternateContent xmlns:mc="http://schemas.openxmlformats.org/markup-compatibility/2006">
+    <mc:Choice xmlns:p14="http://schemas.microsoft.com/office/powerpoint/2010/main" Requires="p14">
+      <p:transition p14:dur="250">
+        <p:fade/>
+      </p:transition>
+    </mc:Choice>
+    <mc:Fallback>
+      <p:transition>
+        <p:fade/>
+      </p:transition>
+    </mc:Fallback>
+  </mc:AlternateContent>
   <p:timing>
     <p:tnLst>
       <p:par>
@@ -22230,9 +23344,18 @@
   <p:clrMapOvr>
     <a:masterClrMapping/>
   </p:clrMapOvr>
-  <p:transition>
-    <p:fade/>
-  </p:transition>
+  <mc:AlternateContent xmlns:mc="http://schemas.openxmlformats.org/markup-compatibility/2006">
+    <mc:Choice xmlns:p14="http://schemas.microsoft.com/office/powerpoint/2010/main" Requires="p14">
+      <p:transition p14:dur="250">
+        <p:fade/>
+      </p:transition>
+    </mc:Choice>
+    <mc:Fallback>
+      <p:transition>
+        <p:fade/>
+      </p:transition>
+    </mc:Fallback>
+  </mc:AlternateContent>
   <p:timing>
     <p:tnLst>
       <p:par>
@@ -23052,7 +24175,11 @@
             </a:pPr>
             <a:r>
               <a:rPr lang="hr-HR" sz="2600" dirty="0" smtClean="0"/>
-              <a:t>Koji su uvjet po kojima je neko mjesto turistička destinacija? (5 uvjeta)</a:t>
+              <a:t>Koji su uvjet po kojima je neko mjesto turistička destinacija? (5 uvjeta</a:t>
+            </a:r>
+            <a:r>
+              <a:rPr lang="hr-HR" sz="2600" dirty="0" smtClean="0"/>
+              <a:t>)</a:t>
             </a:r>
           </a:p>
           <a:p>
@@ -23061,7 +24188,10 @@
                 <a:spcPts val="1500"/>
               </a:spcBef>
             </a:pPr>
-            <a:endParaRPr lang="hr-HR" sz="2600" dirty="0" smtClean="0"/>
+            <a:r>
+              <a:rPr lang="hr-HR" sz="2600" dirty="0" smtClean="0"/>
+              <a:t>Što sve uključuje turistička destinacija Pag?</a:t>
+            </a:r>
           </a:p>
           <a:p>
             <a:pPr lvl="0">
@@ -23069,14 +24199,10 @@
                 <a:spcPts val="1500"/>
               </a:spcBef>
             </a:pPr>
-            <a:endParaRPr lang="hr-HR" sz="2600" dirty="0" smtClean="0"/>
-          </a:p>
-          <a:p>
-            <a:pPr lvl="0">
-              <a:spcBef>
-                <a:spcPts val="1500"/>
-              </a:spcBef>
-            </a:pPr>
+            <a:r>
+              <a:rPr lang="hr-HR" sz="2600" dirty="0" smtClean="0"/>
+              <a:t>Može li cijela Hrvatska biti jedna turistička destinacija?</a:t>
+            </a:r>
             <a:endParaRPr lang="hr-HR" sz="2600" dirty="0" smtClean="0"/>
           </a:p>
         </p:txBody>
@@ -23091,9 +24217,18 @@
   <p:clrMapOvr>
     <a:masterClrMapping/>
   </p:clrMapOvr>
-  <p:transition>
-    <p:fade/>
-  </p:transition>
+  <mc:AlternateContent xmlns:mc="http://schemas.openxmlformats.org/markup-compatibility/2006">
+    <mc:Choice xmlns:p14="http://schemas.microsoft.com/office/powerpoint/2010/main" Requires="p14">
+      <p:transition p14:dur="250">
+        <p:fade/>
+      </p:transition>
+    </mc:Choice>
+    <mc:Fallback>
+      <p:transition>
+        <p:fade/>
+      </p:transition>
+    </mc:Fallback>
+  </mc:AlternateContent>
   <p:timing>
     <p:tnLst>
       <p:par>
@@ -23106,9 +24241,6 @@
                     <p:cTn id="3" fill="hold">
                       <p:stCondLst>
                         <p:cond delay="indefinite"/>
-                        <p:cond evt="onBegin" delay="0">
-                          <p:tn val="2"/>
-                        </p:cond>
                       </p:stCondLst>
                       <p:childTnLst>
                         <p:par>
@@ -23118,7 +24250,7 @@
                             </p:stCondLst>
                             <p:childTnLst>
                               <p:par>
-                                <p:cTn id="5" presetID="10" presetClass="entr" presetSubtype="0" fill="hold" grpId="0" nodeType="afterEffect">
+                                <p:cTn id="5" presetID="10" presetClass="entr" presetSubtype="0" fill="hold" grpId="0" nodeType="clickEffect">
                                   <p:stCondLst>
                                     <p:cond delay="0"/>
                                   </p:stCondLst>
@@ -23147,7 +24279,7 @@
                                     </p:set>
                                     <p:animEffect transition="in" filter="fade">
                                       <p:cBhvr>
-                                        <p:cTn id="7" dur="250"/>
+                                        <p:cTn id="7" dur="150"/>
                                         <p:tgtEl>
                                           <p:spTgt spid="3">
                                             <p:txEl>
@@ -23163,21 +24295,30 @@
                             </p:childTnLst>
                           </p:cTn>
                         </p:par>
+                      </p:childTnLst>
+                    </p:cTn>
+                  </p:par>
+                  <p:par>
+                    <p:cTn id="8" fill="hold">
+                      <p:stCondLst>
+                        <p:cond delay="indefinite"/>
+                      </p:stCondLst>
+                      <p:childTnLst>
                         <p:par>
-                          <p:cTn id="8" fill="hold">
+                          <p:cTn id="9" fill="hold">
                             <p:stCondLst>
-                              <p:cond delay="250"/>
+                              <p:cond delay="0"/>
                             </p:stCondLst>
                             <p:childTnLst>
                               <p:par>
-                                <p:cTn id="9" presetID="10" presetClass="entr" presetSubtype="0" fill="hold" grpId="0" nodeType="afterEffect">
+                                <p:cTn id="10" presetID="10" presetClass="entr" presetSubtype="0" fill="hold" grpId="0" nodeType="clickEffect">
                                   <p:stCondLst>
                                     <p:cond delay="0"/>
                                   </p:stCondLst>
                                   <p:childTnLst>
                                     <p:set>
                                       <p:cBhvr>
-                                        <p:cTn id="10" dur="1" fill="hold">
+                                        <p:cTn id="11" dur="1" fill="hold">
                                           <p:stCondLst>
                                             <p:cond delay="0"/>
                                           </p:stCondLst>
@@ -23199,7 +24340,7 @@
                                     </p:set>
                                     <p:animEffect transition="in" filter="fade">
                                       <p:cBhvr>
-                                        <p:cTn id="11" dur="250"/>
+                                        <p:cTn id="12" dur="150"/>
                                         <p:tgtEl>
                                           <p:spTgt spid="3">
                                             <p:txEl>
@@ -23215,21 +24356,30 @@
                             </p:childTnLst>
                           </p:cTn>
                         </p:par>
+                      </p:childTnLst>
+                    </p:cTn>
+                  </p:par>
+                  <p:par>
+                    <p:cTn id="13" fill="hold">
+                      <p:stCondLst>
+                        <p:cond delay="indefinite"/>
+                      </p:stCondLst>
+                      <p:childTnLst>
                         <p:par>
-                          <p:cTn id="12" fill="hold">
+                          <p:cTn id="14" fill="hold">
                             <p:stCondLst>
-                              <p:cond delay="500"/>
+                              <p:cond delay="0"/>
                             </p:stCondLst>
                             <p:childTnLst>
                               <p:par>
-                                <p:cTn id="13" presetID="10" presetClass="entr" presetSubtype="0" fill="hold" grpId="0" nodeType="afterEffect">
+                                <p:cTn id="15" presetID="10" presetClass="entr" presetSubtype="0" fill="hold" grpId="0" nodeType="clickEffect">
                                   <p:stCondLst>
                                     <p:cond delay="0"/>
                                   </p:stCondLst>
                                   <p:childTnLst>
                                     <p:set>
                                       <p:cBhvr>
-                                        <p:cTn id="14" dur="1" fill="hold">
+                                        <p:cTn id="16" dur="1" fill="hold">
                                           <p:stCondLst>
                                             <p:cond delay="0"/>
                                           </p:stCondLst>
@@ -23251,7 +24401,7 @@
                                     </p:set>
                                     <p:animEffect transition="in" filter="fade">
                                       <p:cBhvr>
-                                        <p:cTn id="15" dur="250"/>
+                                        <p:cTn id="17" dur="150"/>
                                         <p:tgtEl>
                                           <p:spTgt spid="3">
                                             <p:txEl>
@@ -23267,21 +24417,30 @@
                             </p:childTnLst>
                           </p:cTn>
                         </p:par>
+                      </p:childTnLst>
+                    </p:cTn>
+                  </p:par>
+                  <p:par>
+                    <p:cTn id="18" fill="hold">
+                      <p:stCondLst>
+                        <p:cond delay="indefinite"/>
+                      </p:stCondLst>
+                      <p:childTnLst>
                         <p:par>
-                          <p:cTn id="16" fill="hold">
+                          <p:cTn id="19" fill="hold">
                             <p:stCondLst>
-                              <p:cond delay="750"/>
+                              <p:cond delay="0"/>
                             </p:stCondLst>
                             <p:childTnLst>
                               <p:par>
-                                <p:cTn id="17" presetID="10" presetClass="entr" presetSubtype="0" fill="hold" grpId="0" nodeType="afterEffect">
+                                <p:cTn id="20" presetID="10" presetClass="entr" presetSubtype="0" fill="hold" grpId="0" nodeType="clickEffect">
                                   <p:stCondLst>
                                     <p:cond delay="0"/>
                                   </p:stCondLst>
                                   <p:childTnLst>
                                     <p:set>
                                       <p:cBhvr>
-                                        <p:cTn id="18" dur="1" fill="hold">
+                                        <p:cTn id="21" dur="1" fill="hold">
                                           <p:stCondLst>
                                             <p:cond delay="0"/>
                                           </p:stCondLst>
@@ -23303,11 +24462,133 @@
                                     </p:set>
                                     <p:animEffect transition="in" filter="fade">
                                       <p:cBhvr>
-                                        <p:cTn id="19" dur="250"/>
+                                        <p:cTn id="22" dur="150"/>
                                         <p:tgtEl>
                                           <p:spTgt spid="3">
                                             <p:txEl>
                                               <p:pRg st="3" end="3"/>
+                                            </p:txEl>
+                                          </p:spTgt>
+                                        </p:tgtEl>
+                                      </p:cBhvr>
+                                    </p:animEffect>
+                                  </p:childTnLst>
+                                </p:cTn>
+                              </p:par>
+                            </p:childTnLst>
+                          </p:cTn>
+                        </p:par>
+                      </p:childTnLst>
+                    </p:cTn>
+                  </p:par>
+                  <p:par>
+                    <p:cTn id="23" fill="hold">
+                      <p:stCondLst>
+                        <p:cond delay="indefinite"/>
+                      </p:stCondLst>
+                      <p:childTnLst>
+                        <p:par>
+                          <p:cTn id="24" fill="hold">
+                            <p:stCondLst>
+                              <p:cond delay="0"/>
+                            </p:stCondLst>
+                            <p:childTnLst>
+                              <p:par>
+                                <p:cTn id="25" presetID="10" presetClass="entr" presetSubtype="0" fill="hold" grpId="0" nodeType="clickEffect">
+                                  <p:stCondLst>
+                                    <p:cond delay="0"/>
+                                  </p:stCondLst>
+                                  <p:childTnLst>
+                                    <p:set>
+                                      <p:cBhvr>
+                                        <p:cTn id="26" dur="1" fill="hold">
+                                          <p:stCondLst>
+                                            <p:cond delay="0"/>
+                                          </p:stCondLst>
+                                        </p:cTn>
+                                        <p:tgtEl>
+                                          <p:spTgt spid="3">
+                                            <p:txEl>
+                                              <p:pRg st="4" end="4"/>
+                                            </p:txEl>
+                                          </p:spTgt>
+                                        </p:tgtEl>
+                                        <p:attrNameLst>
+                                          <p:attrName>style.visibility</p:attrName>
+                                        </p:attrNameLst>
+                                      </p:cBhvr>
+                                      <p:to>
+                                        <p:strVal val="visible"/>
+                                      </p:to>
+                                    </p:set>
+                                    <p:animEffect transition="in" filter="fade">
+                                      <p:cBhvr>
+                                        <p:cTn id="27" dur="150"/>
+                                        <p:tgtEl>
+                                          <p:spTgt spid="3">
+                                            <p:txEl>
+                                              <p:pRg st="4" end="4"/>
+                                            </p:txEl>
+                                          </p:spTgt>
+                                        </p:tgtEl>
+                                      </p:cBhvr>
+                                    </p:animEffect>
+                                  </p:childTnLst>
+                                </p:cTn>
+                              </p:par>
+                            </p:childTnLst>
+                          </p:cTn>
+                        </p:par>
+                      </p:childTnLst>
+                    </p:cTn>
+                  </p:par>
+                  <p:par>
+                    <p:cTn id="28" fill="hold">
+                      <p:stCondLst>
+                        <p:cond delay="indefinite"/>
+                      </p:stCondLst>
+                      <p:childTnLst>
+                        <p:par>
+                          <p:cTn id="29" fill="hold">
+                            <p:stCondLst>
+                              <p:cond delay="0"/>
+                            </p:stCondLst>
+                            <p:childTnLst>
+                              <p:par>
+                                <p:cTn id="30" presetID="10" presetClass="entr" presetSubtype="0" fill="hold" grpId="0" nodeType="clickEffect">
+                                  <p:stCondLst>
+                                    <p:cond delay="0"/>
+                                  </p:stCondLst>
+                                  <p:childTnLst>
+                                    <p:set>
+                                      <p:cBhvr>
+                                        <p:cTn id="31" dur="1" fill="hold">
+                                          <p:stCondLst>
+                                            <p:cond delay="0"/>
+                                          </p:stCondLst>
+                                        </p:cTn>
+                                        <p:tgtEl>
+                                          <p:spTgt spid="3">
+                                            <p:txEl>
+                                              <p:pRg st="5" end="5"/>
+                                            </p:txEl>
+                                          </p:spTgt>
+                                        </p:tgtEl>
+                                        <p:attrNameLst>
+                                          <p:attrName>style.visibility</p:attrName>
+                                        </p:attrNameLst>
+                                      </p:cBhvr>
+                                      <p:to>
+                                        <p:strVal val="visible"/>
+                                      </p:to>
+                                    </p:set>
+                                    <p:animEffect transition="in" filter="fade">
+                                      <p:cBhvr>
+                                        <p:cTn id="32" dur="150"/>
+                                        <p:tgtEl>
+                                          <p:spTgt spid="3">
+                                            <p:txEl>
+                                              <p:pRg st="5" end="5"/>
                                             </p:txEl>
                                           </p:spTgt>
                                         </p:tgtEl>
@@ -23528,9 +24809,18 @@
   <p:clrMapOvr>
     <a:masterClrMapping/>
   </p:clrMapOvr>
-  <p:transition>
-    <p:fade/>
-  </p:transition>
+  <mc:AlternateContent xmlns:mc="http://schemas.openxmlformats.org/markup-compatibility/2006">
+    <mc:Choice xmlns:p14="http://schemas.microsoft.com/office/powerpoint/2010/main" Requires="p14">
+      <p:transition p14:dur="250">
+        <p:fade/>
+      </p:transition>
+    </mc:Choice>
+    <mc:Fallback>
+      <p:transition>
+        <p:fade/>
+      </p:transition>
+    </mc:Fallback>
+  </mc:AlternateContent>
   <p:timing>
     <p:tnLst>
       <p:par>
@@ -23977,9 +25267,18 @@
   <p:clrMapOvr>
     <a:masterClrMapping/>
   </p:clrMapOvr>
-  <p:transition>
-    <p:fade/>
-  </p:transition>
+  <mc:AlternateContent xmlns:mc="http://schemas.openxmlformats.org/markup-compatibility/2006">
+    <mc:Choice xmlns:p14="http://schemas.microsoft.com/office/powerpoint/2010/main" Requires="p14">
+      <p:transition p14:dur="250">
+        <p:fade/>
+      </p:transition>
+    </mc:Choice>
+    <mc:Fallback>
+      <p:transition>
+        <p:fade/>
+      </p:transition>
+    </mc:Fallback>
+  </mc:AlternateContent>
   <p:timing>
     <p:tnLst>
       <p:par>
@@ -24482,9 +25781,18 @@
   <p:clrMapOvr>
     <a:masterClrMapping/>
   </p:clrMapOvr>
-  <p:transition>
-    <p:fade/>
-  </p:transition>
+  <mc:AlternateContent xmlns:mc="http://schemas.openxmlformats.org/markup-compatibility/2006">
+    <mc:Choice xmlns:p14="http://schemas.microsoft.com/office/powerpoint/2010/main" Requires="p14">
+      <p:transition p14:dur="250">
+        <p:fade/>
+      </p:transition>
+    </mc:Choice>
+    <mc:Fallback>
+      <p:transition>
+        <p:fade/>
+      </p:transition>
+    </mc:Fallback>
+  </mc:AlternateContent>
   <p:timing>
     <p:tnLst>
       <p:par>
@@ -24642,9 +25950,18 @@
   <p:clrMapOvr>
     <a:masterClrMapping/>
   </p:clrMapOvr>
-  <p:transition>
-    <p:fade/>
-  </p:transition>
+  <mc:AlternateContent xmlns:mc="http://schemas.openxmlformats.org/markup-compatibility/2006">
+    <mc:Choice xmlns:p14="http://schemas.microsoft.com/office/powerpoint/2010/main" Requires="p14">
+      <p:transition p14:dur="250">
+        <p:fade/>
+      </p:transition>
+    </mc:Choice>
+    <mc:Fallback>
+      <p:transition>
+        <p:fade/>
+      </p:transition>
+    </mc:Fallback>
+  </mc:AlternateContent>
   <p:timing>
     <p:tnLst>
       <p:par>
@@ -26245,9 +27562,18 @@
   <p:clrMapOvr>
     <a:masterClrMapping/>
   </p:clrMapOvr>
-  <p:transition>
-    <p:fade/>
-  </p:transition>
+  <mc:AlternateContent xmlns:mc="http://schemas.openxmlformats.org/markup-compatibility/2006">
+    <mc:Choice xmlns:p14="http://schemas.microsoft.com/office/powerpoint/2010/main" Requires="p14">
+      <p:transition p14:dur="250">
+        <p:fade/>
+      </p:transition>
+    </mc:Choice>
+    <mc:Fallback>
+      <p:transition>
+        <p:fade/>
+      </p:transition>
+    </mc:Fallback>
+  </mc:AlternateContent>
   <p:timing>
     <p:tnLst>
       <p:par>
@@ -26720,9 +28046,18 @@
   <p:clrMapOvr>
     <a:masterClrMapping/>
   </p:clrMapOvr>
-  <p:transition>
-    <p:fade/>
-  </p:transition>
+  <mc:AlternateContent xmlns:mc="http://schemas.openxmlformats.org/markup-compatibility/2006">
+    <mc:Choice xmlns:p14="http://schemas.microsoft.com/office/powerpoint/2010/main" Requires="p14">
+      <p:transition p14:dur="250">
+        <p:fade/>
+      </p:transition>
+    </mc:Choice>
+    <mc:Fallback>
+      <p:transition>
+        <p:fade/>
+      </p:transition>
+    </mc:Fallback>
+  </mc:AlternateContent>
   <p:timing>
     <p:tnLst>
       <p:par>
@@ -27228,9 +28563,18 @@
   <p:clrMapOvr>
     <a:masterClrMapping/>
   </p:clrMapOvr>
-  <p:transition>
-    <p:fade/>
-  </p:transition>
+  <mc:AlternateContent xmlns:mc="http://schemas.openxmlformats.org/markup-compatibility/2006">
+    <mc:Choice xmlns:p14="http://schemas.microsoft.com/office/powerpoint/2010/main" Requires="p14">
+      <p:transition p14:dur="250">
+        <p:fade/>
+      </p:transition>
+    </mc:Choice>
+    <mc:Fallback>
+      <p:transition>
+        <p:fade/>
+      </p:transition>
+    </mc:Fallback>
+  </mc:AlternateContent>
   <p:timing>
     <p:tnLst>
       <p:par>
@@ -27756,9 +29100,18 @@
   <p:clrMapOvr>
     <a:masterClrMapping/>
   </p:clrMapOvr>
-  <p:transition>
-    <p:fade/>
-  </p:transition>
+  <mc:AlternateContent xmlns:mc="http://schemas.openxmlformats.org/markup-compatibility/2006">
+    <mc:Choice xmlns:p14="http://schemas.microsoft.com/office/powerpoint/2010/main" Requires="p14">
+      <p:transition p14:dur="250">
+        <p:fade/>
+      </p:transition>
+    </mc:Choice>
+    <mc:Fallback>
+      <p:transition>
+        <p:fade/>
+      </p:transition>
+    </mc:Fallback>
+  </mc:AlternateContent>
   <p:timing>
     <p:tnLst>
       <p:par>
@@ -28160,9 +29513,18 @@
   <p:clrMapOvr>
     <a:masterClrMapping/>
   </p:clrMapOvr>
-  <p:transition>
-    <p:fade/>
-  </p:transition>
+  <mc:AlternateContent xmlns:mc="http://schemas.openxmlformats.org/markup-compatibility/2006">
+    <mc:Choice xmlns:p14="http://schemas.microsoft.com/office/powerpoint/2010/main" Requires="p14">
+      <p:transition p14:dur="250">
+        <p:fade/>
+      </p:transition>
+    </mc:Choice>
+    <mc:Fallback>
+      <p:transition>
+        <p:fade/>
+      </p:transition>
+    </mc:Fallback>
+  </mc:AlternateContent>
   <p:timing>
     <p:tnLst>
       <p:par>

--- a/data/prezentacije/osnove_turizma/001_Turizam_uvod.pptx
+++ b/data/prezentacije/osnove_turizma/001_Turizam_uvod.pptx
@@ -340,7 +340,7 @@
             <a:fld id="{FDC1A071-2A74-455A-A49A-8BB21E4AC2F6}" type="datetimeFigureOut">
               <a:rPr lang="sr-Latn-CS" smtClean="0"/>
               <a:pPr/>
-              <a:t>22.9.2017.</a:t>
+              <a:t>21.9.2017.</a:t>
             </a:fld>
             <a:endParaRPr lang="hr-HR"/>
           </a:p>
@@ -531,7 +531,7 @@
             <a:fld id="{FDC1A071-2A74-455A-A49A-8BB21E4AC2F6}" type="datetimeFigureOut">
               <a:rPr lang="sr-Latn-CS" smtClean="0"/>
               <a:pPr/>
-              <a:t>22.9.2017.</a:t>
+              <a:t>21.9.2017.</a:t>
             </a:fld>
             <a:endParaRPr lang="hr-HR"/>
           </a:p>
@@ -732,7 +732,7 @@
             <a:fld id="{FDC1A071-2A74-455A-A49A-8BB21E4AC2F6}" type="datetimeFigureOut">
               <a:rPr lang="sr-Latn-CS" smtClean="0"/>
               <a:pPr/>
-              <a:t>22.9.2017.</a:t>
+              <a:t>21.9.2017.</a:t>
             </a:fld>
             <a:endParaRPr lang="hr-HR"/>
           </a:p>
@@ -1184,7 +1184,7 @@
             <a:fld id="{FDC1A071-2A74-455A-A49A-8BB21E4AC2F6}" type="datetimeFigureOut">
               <a:rPr lang="sr-Latn-CS" smtClean="0"/>
               <a:pPr/>
-              <a:t>22.9.2017.</a:t>
+              <a:t>21.9.2017.</a:t>
             </a:fld>
             <a:endParaRPr lang="hr-HR"/>
           </a:p>
@@ -1493,7 +1493,7 @@
             <a:fld id="{FDC1A071-2A74-455A-A49A-8BB21E4AC2F6}" type="datetimeFigureOut">
               <a:rPr lang="sr-Latn-CS" smtClean="0"/>
               <a:pPr/>
-              <a:t>22.9.2017.</a:t>
+              <a:t>21.9.2017.</a:t>
             </a:fld>
             <a:endParaRPr lang="hr-HR"/>
           </a:p>
@@ -1936,7 +1936,7 @@
             <a:fld id="{FDC1A071-2A74-455A-A49A-8BB21E4AC2F6}" type="datetimeFigureOut">
               <a:rPr lang="sr-Latn-CS" smtClean="0"/>
               <a:pPr/>
-              <a:t>22.9.2017.</a:t>
+              <a:t>21.9.2017.</a:t>
             </a:fld>
             <a:endParaRPr lang="hr-HR"/>
           </a:p>
@@ -2075,7 +2075,7 @@
             <a:fld id="{FDC1A071-2A74-455A-A49A-8BB21E4AC2F6}" type="datetimeFigureOut">
               <a:rPr lang="sr-Latn-CS" smtClean="0"/>
               <a:pPr/>
-              <a:t>22.9.2017.</a:t>
+              <a:t>21.9.2017.</a:t>
             </a:fld>
             <a:endParaRPr lang="hr-HR"/>
           </a:p>
@@ -2191,7 +2191,7 @@
             <a:fld id="{FDC1A071-2A74-455A-A49A-8BB21E4AC2F6}" type="datetimeFigureOut">
               <a:rPr lang="sr-Latn-CS" smtClean="0"/>
               <a:pPr/>
-              <a:t>22.9.2017.</a:t>
+              <a:t>21.9.2017.</a:t>
             </a:fld>
             <a:endParaRPr lang="hr-HR"/>
           </a:p>
@@ -2489,7 +2489,7 @@
             <a:fld id="{FDC1A071-2A74-455A-A49A-8BB21E4AC2F6}" type="datetimeFigureOut">
               <a:rPr lang="sr-Latn-CS" smtClean="0"/>
               <a:pPr/>
-              <a:t>22.9.2017.</a:t>
+              <a:t>21.9.2017.</a:t>
             </a:fld>
             <a:endParaRPr lang="hr-HR"/>
           </a:p>
@@ -2763,7 +2763,7 @@
             <a:fld id="{FDC1A071-2A74-455A-A49A-8BB21E4AC2F6}" type="datetimeFigureOut">
               <a:rPr lang="sr-Latn-CS" smtClean="0"/>
               <a:pPr/>
-              <a:t>22.9.2017.</a:t>
+              <a:t>21.9.2017.</a:t>
             </a:fld>
             <a:endParaRPr lang="hr-HR"/>
           </a:p>
@@ -3355,18 +3355,9 @@
   <p:clrMapOvr>
     <a:masterClrMapping/>
   </p:clrMapOvr>
-  <mc:AlternateContent xmlns:mc="http://schemas.openxmlformats.org/markup-compatibility/2006">
-    <mc:Choice xmlns:p14="http://schemas.microsoft.com/office/powerpoint/2010/main" Requires="p14">
-      <p:transition p14:dur="250">
-        <p:fade/>
-      </p:transition>
-    </mc:Choice>
-    <mc:Fallback>
-      <p:transition>
-        <p:fade/>
-      </p:transition>
-    </mc:Fallback>
-  </mc:AlternateContent>
+  <p:transition>
+    <p:fade/>
+  </p:transition>
   <p:timing>
     <p:tnLst>
       <p:par>
@@ -3564,18 +3555,9 @@
   <p:clrMapOvr>
     <a:masterClrMapping/>
   </p:clrMapOvr>
-  <mc:AlternateContent xmlns:mc="http://schemas.openxmlformats.org/markup-compatibility/2006">
-    <mc:Choice xmlns:p14="http://schemas.microsoft.com/office/powerpoint/2010/main" Requires="p14">
-      <p:transition p14:dur="250">
-        <p:fade/>
-      </p:transition>
-    </mc:Choice>
-    <mc:Fallback>
-      <p:transition>
-        <p:fade/>
-      </p:transition>
-    </mc:Fallback>
-  </mc:AlternateContent>
+  <p:transition>
+    <p:fade/>
+  </p:transition>
   <p:timing>
     <p:tnLst>
       <p:par>
@@ -3995,18 +3977,9 @@
   <p:clrMapOvr>
     <a:masterClrMapping/>
   </p:clrMapOvr>
-  <mc:AlternateContent xmlns:mc="http://schemas.openxmlformats.org/markup-compatibility/2006">
-    <mc:Choice xmlns:p14="http://schemas.microsoft.com/office/powerpoint/2010/main" Requires="p14">
-      <p:transition p14:dur="250">
-        <p:fade/>
-      </p:transition>
-    </mc:Choice>
-    <mc:Fallback>
-      <p:transition>
-        <p:fade/>
-      </p:transition>
-    </mc:Fallback>
-  </mc:AlternateContent>
+  <p:transition>
+    <p:fade/>
+  </p:transition>
   <p:timing>
     <p:tnLst>
       <p:par>
@@ -5422,18 +5395,9 @@
   <p:clrMapOvr>
     <a:masterClrMapping/>
   </p:clrMapOvr>
-  <mc:AlternateContent xmlns:mc="http://schemas.openxmlformats.org/markup-compatibility/2006">
-    <mc:Choice xmlns:p14="http://schemas.microsoft.com/office/powerpoint/2010/main" Requires="p14">
-      <p:transition p14:dur="250">
-        <p:fade/>
-      </p:transition>
-    </mc:Choice>
-    <mc:Fallback>
-      <p:transition>
-        <p:fade/>
-      </p:transition>
-    </mc:Fallback>
-  </mc:AlternateContent>
+  <p:transition>
+    <p:fade/>
+  </p:transition>
   <p:timing>
     <p:tnLst>
       <p:par>
@@ -7148,18 +7112,9 @@
   <p:clrMapOvr>
     <a:masterClrMapping/>
   </p:clrMapOvr>
-  <mc:AlternateContent xmlns:mc="http://schemas.openxmlformats.org/markup-compatibility/2006">
-    <mc:Choice xmlns:p14="http://schemas.microsoft.com/office/powerpoint/2010/main" Requires="p14">
-      <p:transition p14:dur="250">
-        <p:fade/>
-      </p:transition>
-    </mc:Choice>
-    <mc:Fallback>
-      <p:transition>
-        <p:fade/>
-      </p:transition>
-    </mc:Fallback>
-  </mc:AlternateContent>
+  <p:transition>
+    <p:fade/>
+  </p:transition>
   <p:timing>
     <p:tnLst>
       <p:par>
@@ -8293,18 +8248,9 @@
   <p:clrMapOvr>
     <a:masterClrMapping/>
   </p:clrMapOvr>
-  <mc:AlternateContent xmlns:mc="http://schemas.openxmlformats.org/markup-compatibility/2006">
-    <mc:Choice xmlns:p14="http://schemas.microsoft.com/office/powerpoint/2010/main" Requires="p14">
-      <p:transition p14:dur="250">
-        <p:fade/>
-      </p:transition>
-    </mc:Choice>
-    <mc:Fallback>
-      <p:transition>
-        <p:fade/>
-      </p:transition>
-    </mc:Fallback>
-  </mc:AlternateContent>
+  <p:transition>
+    <p:fade/>
+  </p:transition>
   <p:timing>
     <p:tnLst>
       <p:par>
@@ -8579,18 +8525,9 @@
   <p:clrMapOvr>
     <a:masterClrMapping/>
   </p:clrMapOvr>
-  <mc:AlternateContent xmlns:mc="http://schemas.openxmlformats.org/markup-compatibility/2006">
-    <mc:Choice xmlns:p14="http://schemas.microsoft.com/office/powerpoint/2010/main" Requires="p14">
-      <p:transition p14:dur="250">
-        <p:fade/>
-      </p:transition>
-    </mc:Choice>
-    <mc:Fallback>
-      <p:transition>
-        <p:fade/>
-      </p:transition>
-    </mc:Fallback>
-  </mc:AlternateContent>
+  <p:transition>
+    <p:fade/>
+  </p:transition>
   <p:timing>
     <p:tnLst>
       <p:par>
@@ -8789,18 +8726,9 @@
   <p:clrMapOvr>
     <a:masterClrMapping/>
   </p:clrMapOvr>
-  <mc:AlternateContent xmlns:mc="http://schemas.openxmlformats.org/markup-compatibility/2006">
-    <mc:Choice xmlns:p14="http://schemas.microsoft.com/office/powerpoint/2010/main" Requires="p14">
-      <p:transition p14:dur="250">
-        <p:fade/>
-      </p:transition>
-    </mc:Choice>
-    <mc:Fallback>
-      <p:transition>
-        <p:fade/>
-      </p:transition>
-    </mc:Fallback>
-  </mc:AlternateContent>
+  <p:transition>
+    <p:fade/>
+  </p:transition>
   <p:timing>
     <p:tnLst>
       <p:par>
@@ -9572,18 +9500,9 @@
   <p:clrMapOvr>
     <a:masterClrMapping/>
   </p:clrMapOvr>
-  <mc:AlternateContent xmlns:mc="http://schemas.openxmlformats.org/markup-compatibility/2006">
-    <mc:Choice xmlns:p14="http://schemas.microsoft.com/office/powerpoint/2010/main" Requires="p14">
-      <p:transition p14:dur="250">
-        <p:fade/>
-      </p:transition>
-    </mc:Choice>
-    <mc:Fallback>
-      <p:transition>
-        <p:fade/>
-      </p:transition>
-    </mc:Fallback>
-  </mc:AlternateContent>
+  <p:transition>
+    <p:fade/>
+  </p:transition>
   <p:timing>
     <p:tnLst>
       <p:par>
@@ -9926,18 +9845,9 @@
   <p:clrMapOvr>
     <a:masterClrMapping/>
   </p:clrMapOvr>
-  <mc:AlternateContent xmlns:mc="http://schemas.openxmlformats.org/markup-compatibility/2006">
-    <mc:Choice xmlns:p14="http://schemas.microsoft.com/office/powerpoint/2010/main" Requires="p14">
-      <p:transition p14:dur="250">
-        <p:fade/>
-      </p:transition>
-    </mc:Choice>
-    <mc:Fallback>
-      <p:transition>
-        <p:fade/>
-      </p:transition>
-    </mc:Fallback>
-  </mc:AlternateContent>
+  <p:transition>
+    <p:fade/>
+  </p:transition>
   <p:timing>
     <p:tnLst>
       <p:par>
@@ -10349,18 +10259,9 @@
   <p:clrMapOvr>
     <a:masterClrMapping/>
   </p:clrMapOvr>
-  <mc:AlternateContent xmlns:mc="http://schemas.openxmlformats.org/markup-compatibility/2006">
-    <mc:Choice xmlns:p14="http://schemas.microsoft.com/office/powerpoint/2010/main" Requires="p14">
-      <p:transition p14:dur="250">
-        <p:fade/>
-      </p:transition>
-    </mc:Choice>
-    <mc:Fallback>
-      <p:transition>
-        <p:fade/>
-      </p:transition>
-    </mc:Fallback>
-  </mc:AlternateContent>
+  <p:transition>
+    <p:fade/>
+  </p:transition>
   <p:timing>
     <p:tnLst>
       <p:par>
@@ -10948,18 +10849,9 @@
   <p:clrMapOvr>
     <a:masterClrMapping/>
   </p:clrMapOvr>
-  <mc:AlternateContent xmlns:mc="http://schemas.openxmlformats.org/markup-compatibility/2006">
-    <mc:Choice xmlns:p14="http://schemas.microsoft.com/office/powerpoint/2010/main" Requires="p14">
-      <p:transition p14:dur="250">
-        <p:fade/>
-      </p:transition>
-    </mc:Choice>
-    <mc:Fallback>
-      <p:transition>
-        <p:fade/>
-      </p:transition>
-    </mc:Fallback>
-  </mc:AlternateContent>
+  <p:transition>
+    <p:fade/>
+  </p:transition>
   <p:timing>
     <p:tnLst>
       <p:par>
@@ -11546,18 +11438,9 @@
   <p:clrMapOvr>
     <a:masterClrMapping/>
   </p:clrMapOvr>
-  <mc:AlternateContent xmlns:mc="http://schemas.openxmlformats.org/markup-compatibility/2006">
-    <mc:Choice xmlns:p14="http://schemas.microsoft.com/office/powerpoint/2010/main" Requires="p14">
-      <p:transition p14:dur="250">
-        <p:fade/>
-      </p:transition>
-    </mc:Choice>
-    <mc:Fallback>
-      <p:transition>
-        <p:fade/>
-      </p:transition>
-    </mc:Fallback>
-  </mc:AlternateContent>
+  <p:transition>
+    <p:fade/>
+  </p:transition>
   <p:timing>
     <p:tnLst>
       <p:par>
@@ -12524,18 +12407,9 @@
   <p:clrMapOvr>
     <a:masterClrMapping/>
   </p:clrMapOvr>
-  <mc:AlternateContent xmlns:mc="http://schemas.openxmlformats.org/markup-compatibility/2006">
-    <mc:Choice xmlns:p14="http://schemas.microsoft.com/office/powerpoint/2010/main" Requires="p14">
-      <p:transition p14:dur="250">
-        <p:fade/>
-      </p:transition>
-    </mc:Choice>
-    <mc:Fallback>
-      <p:transition>
-        <p:fade/>
-      </p:transition>
-    </mc:Fallback>
-  </mc:AlternateContent>
+  <p:transition>
+    <p:fade/>
+  </p:transition>
   <p:timing>
     <p:tnLst>
       <p:par>
@@ -12548,6 +12422,9 @@
                     <p:cTn id="3" fill="hold">
                       <p:stCondLst>
                         <p:cond delay="indefinite"/>
+                        <p:cond evt="onBegin" delay="0">
+                          <p:tn val="2"/>
+                        </p:cond>
                       </p:stCondLst>
                       <p:childTnLst>
                         <p:par>
@@ -12557,7 +12434,7 @@
                             </p:stCondLst>
                             <p:childTnLst>
                               <p:par>
-                                <p:cTn id="5" presetID="10" presetClass="entr" presetSubtype="0" fill="hold" grpId="0" nodeType="clickEffect">
+                                <p:cTn id="5" presetID="10" presetClass="entr" presetSubtype="0" fill="hold" grpId="0" nodeType="afterEffect">
                                   <p:stCondLst>
                                     <p:cond delay="0"/>
                                   </p:stCondLst>
@@ -13930,18 +13807,9 @@
   <p:clrMapOvr>
     <a:masterClrMapping/>
   </p:clrMapOvr>
-  <mc:AlternateContent xmlns:mc="http://schemas.openxmlformats.org/markup-compatibility/2006">
-    <mc:Choice xmlns:p14="http://schemas.microsoft.com/office/powerpoint/2010/main" Requires="p14">
-      <p:transition p14:dur="250">
-        <p:fade/>
-      </p:transition>
-    </mc:Choice>
-    <mc:Fallback>
-      <p:transition>
-        <p:fade/>
-      </p:transition>
-    </mc:Fallback>
-  </mc:AlternateContent>
+  <p:transition>
+    <p:fade/>
+  </p:transition>
   <p:timing>
     <p:tnLst>
       <p:par>
@@ -14791,18 +14659,9 @@
   <p:clrMapOvr>
     <a:masterClrMapping/>
   </p:clrMapOvr>
-  <mc:AlternateContent xmlns:mc="http://schemas.openxmlformats.org/markup-compatibility/2006">
-    <mc:Choice xmlns:p14="http://schemas.microsoft.com/office/powerpoint/2010/main" Requires="p14">
-      <p:transition p14:dur="250">
-        <p:fade/>
-      </p:transition>
-    </mc:Choice>
-    <mc:Fallback>
-      <p:transition>
-        <p:fade/>
-      </p:transition>
-    </mc:Fallback>
-  </mc:AlternateContent>
+  <p:transition>
+    <p:fade/>
+  </p:transition>
   <p:timing>
     <p:tnLst>
       <p:par>
@@ -15354,18 +15213,9 @@
   <p:clrMapOvr>
     <a:masterClrMapping/>
   </p:clrMapOvr>
-  <mc:AlternateContent xmlns:mc="http://schemas.openxmlformats.org/markup-compatibility/2006">
-    <mc:Choice xmlns:p14="http://schemas.microsoft.com/office/powerpoint/2010/main" Requires="p14">
-      <p:transition p14:dur="250">
-        <p:fade/>
-      </p:transition>
-    </mc:Choice>
-    <mc:Fallback>
-      <p:transition>
-        <p:fade/>
-      </p:transition>
-    </mc:Fallback>
-  </mc:AlternateContent>
+  <p:transition>
+    <p:fade/>
+  </p:transition>
   <p:timing>
     <p:tnLst>
       <p:par>
@@ -15602,18 +15452,9 @@
   <p:clrMapOvr>
     <a:masterClrMapping/>
   </p:clrMapOvr>
-  <mc:AlternateContent xmlns:mc="http://schemas.openxmlformats.org/markup-compatibility/2006">
-    <mc:Choice xmlns:p14="http://schemas.microsoft.com/office/powerpoint/2010/main" Requires="p14">
-      <p:transition p14:dur="250">
-        <p:fade/>
-      </p:transition>
-    </mc:Choice>
-    <mc:Fallback>
-      <p:transition>
-        <p:fade/>
-      </p:transition>
-    </mc:Fallback>
-  </mc:AlternateContent>
+  <p:transition>
+    <p:fade/>
+  </p:transition>
   <p:timing>
     <p:tnLst>
       <p:par>
@@ -15870,18 +15711,9 @@
   <p:clrMapOvr>
     <a:masterClrMapping/>
   </p:clrMapOvr>
-  <mc:AlternateContent xmlns:mc="http://schemas.openxmlformats.org/markup-compatibility/2006">
-    <mc:Choice xmlns:p14="http://schemas.microsoft.com/office/powerpoint/2010/main" Requires="p14">
-      <p:transition p14:dur="250">
-        <p:fade/>
-      </p:transition>
-    </mc:Choice>
-    <mc:Fallback>
-      <p:transition>
-        <p:fade/>
-      </p:transition>
-    </mc:Fallback>
-  </mc:AlternateContent>
+  <p:transition>
+    <p:fade/>
+  </p:transition>
   <p:timing>
     <p:tnLst>
       <p:par>
@@ -16150,18 +15982,9 @@
   <p:clrMapOvr>
     <a:masterClrMapping/>
   </p:clrMapOvr>
-  <mc:AlternateContent xmlns:mc="http://schemas.openxmlformats.org/markup-compatibility/2006">
-    <mc:Choice xmlns:p14="http://schemas.microsoft.com/office/powerpoint/2010/main" Requires="p14">
-      <p:transition p14:dur="250">
-        <p:fade/>
-      </p:transition>
-    </mc:Choice>
-    <mc:Fallback>
-      <p:transition>
-        <p:fade/>
-      </p:transition>
-    </mc:Fallback>
-  </mc:AlternateContent>
+  <p:transition>
+    <p:fade/>
+  </p:transition>
   <p:timing>
     <p:tnLst>
       <p:par>
@@ -16387,18 +16210,9 @@
   <p:clrMapOvr>
     <a:masterClrMapping/>
   </p:clrMapOvr>
-  <mc:AlternateContent xmlns:mc="http://schemas.openxmlformats.org/markup-compatibility/2006">
-    <mc:Choice xmlns:p14="http://schemas.microsoft.com/office/powerpoint/2010/main" Requires="p14">
-      <p:transition p14:dur="250">
-        <p:fade/>
-      </p:transition>
-    </mc:Choice>
-    <mc:Fallback>
-      <p:transition>
-        <p:fade/>
-      </p:transition>
-    </mc:Fallback>
-  </mc:AlternateContent>
+  <p:transition>
+    <p:fade/>
+  </p:transition>
   <p:timing>
     <p:tnLst>
       <p:par>
@@ -16705,18 +16519,9 @@
   <p:clrMapOvr>
     <a:masterClrMapping/>
   </p:clrMapOvr>
-  <mc:AlternateContent xmlns:mc="http://schemas.openxmlformats.org/markup-compatibility/2006">
-    <mc:Choice xmlns:p14="http://schemas.microsoft.com/office/powerpoint/2010/main" Requires="p14">
-      <p:transition p14:dur="250">
-        <p:fade/>
-      </p:transition>
-    </mc:Choice>
-    <mc:Fallback>
-      <p:transition>
-        <p:fade/>
-      </p:transition>
-    </mc:Fallback>
-  </mc:AlternateContent>
+  <p:transition>
+    <p:fade/>
+  </p:transition>
   <p:timing>
     <p:tnLst>
       <p:par>
@@ -17043,18 +16848,9 @@
   <p:clrMapOvr>
     <a:masterClrMapping/>
   </p:clrMapOvr>
-  <mc:AlternateContent xmlns:mc="http://schemas.openxmlformats.org/markup-compatibility/2006">
-    <mc:Choice xmlns:p14="http://schemas.microsoft.com/office/powerpoint/2010/main" Requires="p14">
-      <p:transition p14:dur="250">
-        <p:fade/>
-      </p:transition>
-    </mc:Choice>
-    <mc:Fallback>
-      <p:transition>
-        <p:fade/>
-      </p:transition>
-    </mc:Fallback>
-  </mc:AlternateContent>
+  <p:transition>
+    <p:fade/>
+  </p:transition>
   <p:timing>
     <p:tnLst>
       <p:par>
@@ -17284,18 +17080,9 @@
   <p:clrMapOvr>
     <a:masterClrMapping/>
   </p:clrMapOvr>
-  <mc:AlternateContent xmlns:mc="http://schemas.openxmlformats.org/markup-compatibility/2006">
-    <mc:Choice xmlns:p14="http://schemas.microsoft.com/office/powerpoint/2010/main" Requires="p14">
-      <p:transition p14:dur="250">
-        <p:fade/>
-      </p:transition>
-    </mc:Choice>
-    <mc:Fallback>
-      <p:transition>
-        <p:fade/>
-      </p:transition>
-    </mc:Fallback>
-  </mc:AlternateContent>
+  <p:transition>
+    <p:fade/>
+  </p:transition>
   <p:timing>
     <p:tnLst>
       <p:par>
@@ -17430,7 +17217,7 @@
 </file>
 
 <file path=ppt/slides/slide31.xml><?xml version="1.0" encoding="utf-8"?>
-<p:sld xmlns:a="http://schemas.openxmlformats.org/drawingml/2006/main" xmlns:r="http://schemas.openxmlformats.org/officeDocument/2006/relationships" xmlns:p="http://schemas.openxmlformats.org/presentationml/2006/main">
+<p:sld xmlns:a="http://schemas.openxmlformats.org/drawingml/2006/main" xmlns:r="http://schemas.openxmlformats.org/officeDocument/2006/relationships" xmlns:p="http://schemas.openxmlformats.org/presentationml/2006/main" show="0">
   <p:cSld>
     <p:spTree>
       <p:nvGrpSpPr>
@@ -17598,35 +17385,53 @@
             </a:r>
           </a:p>
           <a:p>
-            <a:pPr marL="0" indent="0">
+            <a:pPr>
               <a:spcBef>
-                <a:spcPts val="1800"/>
+                <a:spcPts val="1200"/>
               </a:spcBef>
-              <a:buNone/>
             </a:pPr>
-            <a:endParaRPr lang="hr-HR" sz="2400" b="1" dirty="0" smtClean="0">
-              <a:solidFill>
-                <a:srgbClr val="FF0000"/>
-              </a:solidFill>
-            </a:endParaRPr>
-          </a:p>
-          <a:p>
-            <a:pPr lvl="0"/>
+            <a:endParaRPr lang="hr-HR" sz="2400" dirty="0" smtClean="0"/>
+          </a:p>
+          <a:p>
+            <a:pPr>
+              <a:spcBef>
+                <a:spcPts val="1200"/>
+              </a:spcBef>
+            </a:pPr>
+            <a:r>
+              <a:rPr lang="hr-HR" sz="2400" dirty="0" smtClean="0"/>
+              <a:t>2 </a:t>
+            </a:r>
+            <a:r>
+              <a:rPr lang="hr-HR" sz="2400" dirty="0"/>
+              <a:t>osnovne komponente turizma</a:t>
+            </a:r>
+          </a:p>
+          <a:p>
+            <a:pPr lvl="1">
+              <a:spcBef>
+                <a:spcPts val="1200"/>
+              </a:spcBef>
+            </a:pPr>
             <a:r>
               <a:rPr lang="hr-HR" sz="2400" b="1" dirty="0">
                 <a:solidFill>
                   <a:srgbClr val="FF0000"/>
                 </a:solidFill>
               </a:rPr>
-              <a:t>vrste turizma</a:t>
-            </a:r>
-            <a:r>
-              <a:rPr lang="hr-HR" sz="2400" dirty="0">
-                <a:solidFill>
-                  <a:srgbClr val="FF0000"/>
-                </a:solidFill>
-              </a:rPr>
-              <a:t>:</a:t>
+              <a:t>statična</a:t>
+            </a:r>
+            <a:r>
+              <a:rPr lang="hr-HR" sz="2400" dirty="0"/>
+              <a:t> – turističko odredište, </a:t>
+            </a:r>
+            <a:r>
+              <a:rPr lang="hr-HR" sz="2400" dirty="0" err="1"/>
+              <a:t>tj</a:t>
+            </a:r>
+            <a:r>
+              <a:rPr lang="hr-HR" sz="2400" dirty="0"/>
+              <a:t>. boravak u destinaciji</a:t>
             </a:r>
           </a:p>
           <a:p>
@@ -17641,127 +17446,17 @@
                   <a:srgbClr val="FF0000"/>
                 </a:solidFill>
               </a:rPr>
-              <a:t>domaći</a:t>
+              <a:t>dinamična</a:t>
             </a:r>
             <a:r>
               <a:rPr lang="hr-HR" sz="2400" dirty="0"/>
-              <a:t> – domaći turisti putuju unutar svoje zemlje </a:t>
-            </a:r>
-            <a:br>
-              <a:rPr lang="hr-HR" sz="2400" dirty="0"/>
-            </a:br>
-            <a:r>
-              <a:rPr lang="hr-HR" sz="2400" dirty="0"/>
-              <a:t>(npr. hrvatski turisti unutar Hrvatske)</a:t>
-            </a:r>
-          </a:p>
-          <a:p>
-            <a:pPr lvl="1">
-              <a:spcBef>
-                <a:spcPts val="1200"/>
-              </a:spcBef>
-            </a:pPr>
-            <a:r>
-              <a:rPr lang="hr-HR" sz="2400" b="1" dirty="0">
-                <a:solidFill>
-                  <a:srgbClr val="FF0000"/>
-                </a:solidFill>
-              </a:rPr>
-              <a:t>ulazni</a:t>
-            </a:r>
-            <a:r>
-              <a:rPr lang="hr-HR" sz="2400" dirty="0"/>
-              <a:t> </a:t>
+              <a:t> – putovanje koje se mora poduzeti da bi se došlo do </a:t>
             </a:r>
             <a:r>
               <a:rPr lang="hr-HR" sz="2400" dirty="0" smtClean="0"/>
-              <a:t>ili </a:t>
-            </a:r>
-            <a:r>
-              <a:rPr lang="hr-HR" sz="2400" b="1" dirty="0">
-                <a:solidFill>
-                  <a:srgbClr val="FF0000"/>
-                </a:solidFill>
-              </a:rPr>
-              <a:t>receptivni</a:t>
-            </a:r>
-            <a:r>
-              <a:rPr lang="hr-HR" sz="2400" dirty="0"/>
-              <a:t> – strani turisti dolaze u neku zemlju </a:t>
-            </a:r>
-            <a:br>
-              <a:rPr lang="hr-HR" sz="2400" dirty="0"/>
-            </a:br>
-            <a:r>
-              <a:rPr lang="hr-HR" sz="2400" dirty="0"/>
-              <a:t>(npr. njemački turisti u Hrvatskoj)</a:t>
-            </a:r>
-          </a:p>
-          <a:p>
-            <a:pPr lvl="1">
-              <a:spcBef>
-                <a:spcPts val="1200"/>
-              </a:spcBef>
-            </a:pPr>
-            <a:r>
-              <a:rPr lang="hr-HR" sz="2400" b="1" dirty="0">
-                <a:solidFill>
-                  <a:srgbClr val="FF0000"/>
-                </a:solidFill>
-              </a:rPr>
-              <a:t>izlazni</a:t>
-            </a:r>
-            <a:r>
-              <a:rPr lang="hr-HR" sz="2400" dirty="0"/>
-              <a:t> ili</a:t>
-            </a:r>
-            <a:r>
-              <a:rPr lang="hr-HR" sz="2400" dirty="0" smtClean="0"/>
-              <a:t> </a:t>
-            </a:r>
-            <a:r>
-              <a:rPr lang="hr-HR" sz="2400" b="1" dirty="0" smtClean="0">
-                <a:solidFill>
-                  <a:srgbClr val="FF0000"/>
-                </a:solidFill>
-              </a:rPr>
-              <a:t>emitivni </a:t>
-            </a:r>
-            <a:r>
-              <a:rPr lang="hr-HR" sz="2400" dirty="0" smtClean="0"/>
-              <a:t>– </a:t>
-            </a:r>
-            <a:r>
-              <a:rPr lang="hr-HR" sz="2400" dirty="0"/>
-              <a:t>domaći turisti odlaze izvan svoje zemlje </a:t>
-            </a:r>
-            <a:br>
-              <a:rPr lang="hr-HR" sz="2400" dirty="0"/>
-            </a:br>
-            <a:r>
-              <a:rPr lang="hr-HR" sz="2400" dirty="0"/>
-              <a:t>(npr. hrvatski turisti u inozemstvu) </a:t>
-            </a:r>
-          </a:p>
-          <a:p>
-            <a:pPr>
-              <a:spcBef>
-                <a:spcPts val="1800"/>
-              </a:spcBef>
-            </a:pPr>
-            <a:endParaRPr lang="hr-HR" sz="2400" b="1" dirty="0">
-              <a:solidFill>
-                <a:srgbClr val="FF0000"/>
-              </a:solidFill>
-            </a:endParaRPr>
-          </a:p>
-          <a:p>
-            <a:pPr lvl="0">
-              <a:spcBef>
-                <a:spcPts val="1800"/>
-              </a:spcBef>
-            </a:pPr>
-            <a:endParaRPr lang="hr-HR" sz="2200" dirty="0" smtClean="0"/>
+              <a:t>destinacije</a:t>
+            </a:r>
+            <a:endParaRPr lang="hr-HR" sz="2400" dirty="0"/>
           </a:p>
         </p:txBody>
       </p:sp>
@@ -17775,18 +17470,9 @@
   <p:clrMapOvr>
     <a:masterClrMapping/>
   </p:clrMapOvr>
-  <mc:AlternateContent xmlns:mc="http://schemas.openxmlformats.org/markup-compatibility/2006">
-    <mc:Choice xmlns:p14="http://schemas.microsoft.com/office/powerpoint/2010/main" Requires="p14">
-      <p:transition p14:dur="250">
-        <p:fade/>
-      </p:transition>
-    </mc:Choice>
-    <mc:Fallback>
-      <p:transition>
-        <p:fade/>
-      </p:transition>
-    </mc:Fallback>
-  </mc:AlternateContent>
+  <p:transition>
+    <p:fade/>
+  </p:transition>
   <p:timing>
     <p:tnLst>
       <p:par>
@@ -17798,7 +17484,7 @@
 </file>
 
 <file path=ppt/slides/slide32.xml><?xml version="1.0" encoding="utf-8"?>
-<p:sld xmlns:a="http://schemas.openxmlformats.org/drawingml/2006/main" xmlns:r="http://schemas.openxmlformats.org/officeDocument/2006/relationships" xmlns:p="http://schemas.openxmlformats.org/presentationml/2006/main">
+<p:sld xmlns:a="http://schemas.openxmlformats.org/drawingml/2006/main" xmlns:r="http://schemas.openxmlformats.org/officeDocument/2006/relationships" xmlns:p="http://schemas.openxmlformats.org/presentationml/2006/main" show="0">
   <p:cSld>
     <p:spTree>
       <p:nvGrpSpPr>
@@ -17831,7 +17517,15 @@
           <a:p>
             <a:r>
               <a:rPr lang="hr-HR" dirty="0" smtClean="0"/>
-              <a:t>Vrste turizma				    </a:t>
+              <a:t>Vrste </a:t>
+            </a:r>
+            <a:r>
+              <a:rPr lang="hr-HR" dirty="0" smtClean="0"/>
+              <a:t>i oblici turizma</a:t>
+            </a:r>
+            <a:r>
+              <a:rPr lang="hr-HR" dirty="0" smtClean="0"/>
+              <a:t>			    </a:t>
             </a:r>
             <a:r>
               <a:rPr lang="hr-HR" sz="2800" dirty="0" smtClean="0">
@@ -17875,6 +17569,156 @@
           </a:bodyPr>
           <a:lstStyle/>
           <a:p>
+            <a:pPr lvl="0"/>
+            <a:r>
+              <a:rPr lang="hr-HR" sz="2400" b="1" dirty="0">
+                <a:solidFill>
+                  <a:srgbClr val="FF0000"/>
+                </a:solidFill>
+              </a:rPr>
+              <a:t>vrste turizma</a:t>
+            </a:r>
+            <a:r>
+              <a:rPr lang="hr-HR" sz="2400" dirty="0">
+                <a:solidFill>
+                  <a:srgbClr val="FF0000"/>
+                </a:solidFill>
+              </a:rPr>
+              <a:t>:</a:t>
+            </a:r>
+          </a:p>
+          <a:p>
+            <a:pPr lvl="1">
+              <a:spcBef>
+                <a:spcPts val="1200"/>
+              </a:spcBef>
+            </a:pPr>
+            <a:r>
+              <a:rPr lang="hr-HR" sz="2400" b="1" dirty="0">
+                <a:solidFill>
+                  <a:srgbClr val="FF0000"/>
+                </a:solidFill>
+              </a:rPr>
+              <a:t>domaći</a:t>
+            </a:r>
+            <a:r>
+              <a:rPr lang="hr-HR" sz="2400" dirty="0"/>
+              <a:t> – domaći turisti putuju unutar svoje zemlje </a:t>
+            </a:r>
+            <a:br>
+              <a:rPr lang="hr-HR" sz="2400" dirty="0"/>
+            </a:br>
+            <a:r>
+              <a:rPr lang="hr-HR" sz="2400" dirty="0"/>
+              <a:t>(</a:t>
+            </a:r>
+            <a:r>
+              <a:rPr lang="hr-HR" sz="2400" dirty="0" err="1"/>
+              <a:t>npr</a:t>
+            </a:r>
+            <a:r>
+              <a:rPr lang="hr-HR" sz="2400" dirty="0"/>
+              <a:t>. hrvatski turisti unutar Hrvatske)</a:t>
+            </a:r>
+          </a:p>
+          <a:p>
+            <a:pPr lvl="1">
+              <a:spcBef>
+                <a:spcPts val="1200"/>
+              </a:spcBef>
+            </a:pPr>
+            <a:r>
+              <a:rPr lang="hr-HR" sz="2400" b="1" dirty="0">
+                <a:solidFill>
+                  <a:srgbClr val="FF0000"/>
+                </a:solidFill>
+              </a:rPr>
+              <a:t>ulazni</a:t>
+            </a:r>
+            <a:r>
+              <a:rPr lang="hr-HR" sz="2400" dirty="0"/>
+              <a:t> ili </a:t>
+            </a:r>
+            <a:r>
+              <a:rPr lang="hr-HR" sz="2400" b="1" dirty="0">
+                <a:solidFill>
+                  <a:srgbClr val="FF0000"/>
+                </a:solidFill>
+              </a:rPr>
+              <a:t>receptivni</a:t>
+            </a:r>
+            <a:r>
+              <a:rPr lang="hr-HR" sz="2400" dirty="0"/>
+              <a:t> – strani turisti dolaze u neku zemlju </a:t>
+            </a:r>
+            <a:br>
+              <a:rPr lang="hr-HR" sz="2400" dirty="0"/>
+            </a:br>
+            <a:r>
+              <a:rPr lang="hr-HR" sz="2400" dirty="0"/>
+              <a:t>(</a:t>
+            </a:r>
+            <a:r>
+              <a:rPr lang="hr-HR" sz="2400" dirty="0" err="1"/>
+              <a:t>npr</a:t>
+            </a:r>
+            <a:r>
+              <a:rPr lang="hr-HR" sz="2400" dirty="0"/>
+              <a:t>. njemački turisti u Hrvatskoj)</a:t>
+            </a:r>
+          </a:p>
+          <a:p>
+            <a:pPr lvl="1">
+              <a:spcBef>
+                <a:spcPts val="1200"/>
+              </a:spcBef>
+            </a:pPr>
+            <a:r>
+              <a:rPr lang="hr-HR" sz="2400" b="1" dirty="0">
+                <a:solidFill>
+                  <a:srgbClr val="FF0000"/>
+                </a:solidFill>
+              </a:rPr>
+              <a:t>izlazni</a:t>
+            </a:r>
+            <a:r>
+              <a:rPr lang="hr-HR" sz="2400" dirty="0"/>
+              <a:t> ili </a:t>
+            </a:r>
+            <a:r>
+              <a:rPr lang="hr-HR" sz="2400" b="1" dirty="0">
+                <a:solidFill>
+                  <a:srgbClr val="FF0000"/>
+                </a:solidFill>
+              </a:rPr>
+              <a:t>emitivni </a:t>
+            </a:r>
+            <a:r>
+              <a:rPr lang="hr-HR" sz="2400" dirty="0"/>
+              <a:t>– domaći turisti odlaze izvan svoje zemlje </a:t>
+            </a:r>
+            <a:br>
+              <a:rPr lang="hr-HR" sz="2400" dirty="0"/>
+            </a:br>
+            <a:r>
+              <a:rPr lang="hr-HR" sz="2400" dirty="0"/>
+              <a:t>(</a:t>
+            </a:r>
+            <a:r>
+              <a:rPr lang="hr-HR" sz="2400" dirty="0" err="1"/>
+              <a:t>npr</a:t>
+            </a:r>
+            <a:r>
+              <a:rPr lang="hr-HR" sz="2400" dirty="0"/>
+              <a:t>. hrvatski turisti u inozemstvu) </a:t>
+            </a:r>
+            <a:endParaRPr lang="hr-HR" sz="2400" b="1" dirty="0" smtClean="0">
+              <a:solidFill>
+                <a:srgbClr val="FF0000"/>
+              </a:solidFill>
+            </a:endParaRPr>
+          </a:p>
+          <a:p>
             <a:pPr>
               <a:spcBef>
                 <a:spcPts val="3000"/>
@@ -17901,7 +17745,11 @@
             <a:pPr lvl="1"/>
             <a:r>
               <a:rPr lang="hr-HR" sz="2400" dirty="0" smtClean="0"/>
-              <a:t>turizam zasnovan na </a:t>
+              <a:t>turizam </a:t>
+            </a:r>
+            <a:r>
+              <a:rPr lang="hr-HR" sz="2400" dirty="0" smtClean="0"/>
+              <a:t>zasnovan na </a:t>
             </a:r>
             <a:r>
               <a:rPr lang="hr-HR" sz="2400" b="1" dirty="0" smtClean="0">
@@ -17969,18 +17817,9 @@
   <p:clrMapOvr>
     <a:masterClrMapping/>
   </p:clrMapOvr>
-  <mc:AlternateContent xmlns:mc="http://schemas.openxmlformats.org/markup-compatibility/2006">
-    <mc:Choice xmlns:p14="http://schemas.microsoft.com/office/powerpoint/2010/main" Requires="p14">
-      <p:transition p14:dur="250">
-        <p:fade/>
-      </p:transition>
-    </mc:Choice>
-    <mc:Fallback>
-      <p:transition>
-        <p:fade/>
-      </p:transition>
-    </mc:Fallback>
-  </mc:AlternateContent>
+  <p:transition>
+    <p:fade/>
+  </p:transition>
   <p:timing>
     <p:tnLst>
       <p:par>
@@ -17992,7 +17831,7 @@
 </file>
 
 <file path=ppt/slides/slide33.xml><?xml version="1.0" encoding="utf-8"?>
-<p:sld xmlns:a="http://schemas.openxmlformats.org/drawingml/2006/main" xmlns:r="http://schemas.openxmlformats.org/officeDocument/2006/relationships" xmlns:p="http://schemas.openxmlformats.org/presentationml/2006/main">
+<p:sld xmlns:a="http://schemas.openxmlformats.org/drawingml/2006/main" xmlns:r="http://schemas.openxmlformats.org/officeDocument/2006/relationships" xmlns:p="http://schemas.openxmlformats.org/presentationml/2006/main" show="0">
   <p:cSld>
     <p:spTree>
       <p:nvGrpSpPr>
@@ -18147,18 +17986,9 @@
   <p:clrMapOvr>
     <a:masterClrMapping/>
   </p:clrMapOvr>
-  <mc:AlternateContent xmlns:mc="http://schemas.openxmlformats.org/markup-compatibility/2006">
-    <mc:Choice xmlns:p14="http://schemas.microsoft.com/office/powerpoint/2010/main" Requires="p14">
-      <p:transition p14:dur="250">
-        <p:fade/>
-      </p:transition>
-    </mc:Choice>
-    <mc:Fallback>
-      <p:transition>
-        <p:fade/>
-      </p:transition>
-    </mc:Fallback>
-  </mc:AlternateContent>
+  <p:transition>
+    <p:fade/>
+  </p:transition>
   <p:timing>
     <p:tnLst>
       <p:par>
@@ -18171,6 +18001,9 @@
                     <p:cTn id="3" fill="hold">
                       <p:stCondLst>
                         <p:cond delay="indefinite"/>
+                        <p:cond evt="onBegin" delay="0">
+                          <p:tn val="2"/>
+                        </p:cond>
                       </p:stCondLst>
                       <p:childTnLst>
                         <p:par>
@@ -18180,7 +18013,7 @@
                             </p:stCondLst>
                             <p:childTnLst>
                               <p:par>
-                                <p:cTn id="5" presetID="10" presetClass="entr" presetSubtype="0" fill="hold" nodeType="clickEffect">
+                                <p:cTn id="5" presetID="10" presetClass="entr" presetSubtype="0" fill="hold" nodeType="afterEffect">
                                   <p:stCondLst>
                                     <p:cond delay="0"/>
                                   </p:stCondLst>
@@ -18225,30 +18058,21 @@
                             </p:childTnLst>
                           </p:cTn>
                         </p:par>
-                      </p:childTnLst>
-                    </p:cTn>
-                  </p:par>
-                  <p:par>
-                    <p:cTn id="8" fill="hold">
-                      <p:stCondLst>
-                        <p:cond delay="indefinite"/>
-                      </p:stCondLst>
-                      <p:childTnLst>
                         <p:par>
-                          <p:cTn id="9" fill="hold">
+                          <p:cTn id="8" fill="hold">
                             <p:stCondLst>
-                              <p:cond delay="0"/>
+                              <p:cond delay="250"/>
                             </p:stCondLst>
                             <p:childTnLst>
                               <p:par>
-                                <p:cTn id="10" presetID="10" presetClass="entr" presetSubtype="0" fill="hold" nodeType="clickEffect">
+                                <p:cTn id="9" presetID="10" presetClass="entr" presetSubtype="0" fill="hold" nodeType="afterEffect">
                                   <p:stCondLst>
                                     <p:cond delay="0"/>
                                   </p:stCondLst>
                                   <p:childTnLst>
                                     <p:set>
                                       <p:cBhvr>
-                                        <p:cTn id="11" dur="1" fill="hold">
+                                        <p:cTn id="10" dur="1" fill="hold">
                                           <p:stCondLst>
                                             <p:cond delay="0"/>
                                           </p:stCondLst>
@@ -18270,7 +18094,7 @@
                                     </p:set>
                                     <p:animEffect transition="in" filter="fade">
                                       <p:cBhvr>
-                                        <p:cTn id="12" dur="250"/>
+                                        <p:cTn id="11" dur="250"/>
                                         <p:tgtEl>
                                           <p:spTgt spid="3">
                                             <p:txEl>
@@ -18286,30 +18110,21 @@
                             </p:childTnLst>
                           </p:cTn>
                         </p:par>
-                      </p:childTnLst>
-                    </p:cTn>
-                  </p:par>
-                  <p:par>
-                    <p:cTn id="13" fill="hold">
-                      <p:stCondLst>
-                        <p:cond delay="indefinite"/>
-                      </p:stCondLst>
-                      <p:childTnLst>
                         <p:par>
-                          <p:cTn id="14" fill="hold">
+                          <p:cTn id="12" fill="hold">
                             <p:stCondLst>
-                              <p:cond delay="0"/>
+                              <p:cond delay="500"/>
                             </p:stCondLst>
                             <p:childTnLst>
                               <p:par>
-                                <p:cTn id="15" presetID="10" presetClass="entr" presetSubtype="0" fill="hold" nodeType="clickEffect">
+                                <p:cTn id="13" presetID="10" presetClass="entr" presetSubtype="0" fill="hold" nodeType="afterEffect">
                                   <p:stCondLst>
                                     <p:cond delay="0"/>
                                   </p:stCondLst>
                                   <p:childTnLst>
                                     <p:set>
                                       <p:cBhvr>
-                                        <p:cTn id="16" dur="1" fill="hold">
+                                        <p:cTn id="14" dur="1" fill="hold">
                                           <p:stCondLst>
                                             <p:cond delay="0"/>
                                           </p:stCondLst>
@@ -18331,7 +18146,7 @@
                                     </p:set>
                                     <p:animEffect transition="in" filter="fade">
                                       <p:cBhvr>
-                                        <p:cTn id="17" dur="250"/>
+                                        <p:cTn id="15" dur="250"/>
                                         <p:tgtEl>
                                           <p:spTgt spid="3">
                                             <p:txEl>
@@ -18347,30 +18162,21 @@
                             </p:childTnLst>
                           </p:cTn>
                         </p:par>
-                      </p:childTnLst>
-                    </p:cTn>
-                  </p:par>
-                  <p:par>
-                    <p:cTn id="18" fill="hold">
-                      <p:stCondLst>
-                        <p:cond delay="indefinite"/>
-                      </p:stCondLst>
-                      <p:childTnLst>
                         <p:par>
-                          <p:cTn id="19" fill="hold">
+                          <p:cTn id="16" fill="hold">
                             <p:stCondLst>
-                              <p:cond delay="0"/>
+                              <p:cond delay="750"/>
                             </p:stCondLst>
                             <p:childTnLst>
                               <p:par>
-                                <p:cTn id="20" presetID="10" presetClass="entr" presetSubtype="0" fill="hold" nodeType="clickEffect">
+                                <p:cTn id="17" presetID="10" presetClass="entr" presetSubtype="0" fill="hold" nodeType="afterEffect">
                                   <p:stCondLst>
                                     <p:cond delay="0"/>
                                   </p:stCondLst>
                                   <p:childTnLst>
                                     <p:set>
                                       <p:cBhvr>
-                                        <p:cTn id="21" dur="1" fill="hold">
+                                        <p:cTn id="18" dur="1" fill="hold">
                                           <p:stCondLst>
                                             <p:cond delay="0"/>
                                           </p:stCondLst>
@@ -18392,7 +18198,7 @@
                                     </p:set>
                                     <p:animEffect transition="in" filter="fade">
                                       <p:cBhvr>
-                                        <p:cTn id="22" dur="250"/>
+                                        <p:cTn id="19" dur="250"/>
                                         <p:tgtEl>
                                           <p:spTgt spid="3">
                                             <p:txEl>
@@ -18408,30 +18214,21 @@
                             </p:childTnLst>
                           </p:cTn>
                         </p:par>
-                      </p:childTnLst>
-                    </p:cTn>
-                  </p:par>
-                  <p:par>
-                    <p:cTn id="23" fill="hold">
-                      <p:stCondLst>
-                        <p:cond delay="indefinite"/>
-                      </p:stCondLst>
-                      <p:childTnLst>
                         <p:par>
-                          <p:cTn id="24" fill="hold">
+                          <p:cTn id="20" fill="hold">
                             <p:stCondLst>
-                              <p:cond delay="0"/>
+                              <p:cond delay="1000"/>
                             </p:stCondLst>
                             <p:childTnLst>
                               <p:par>
-                                <p:cTn id="25" presetID="10" presetClass="entr" presetSubtype="0" fill="hold" nodeType="clickEffect">
+                                <p:cTn id="21" presetID="10" presetClass="entr" presetSubtype="0" fill="hold" nodeType="afterEffect">
                                   <p:stCondLst>
                                     <p:cond delay="0"/>
                                   </p:stCondLst>
                                   <p:childTnLst>
                                     <p:set>
                                       <p:cBhvr>
-                                        <p:cTn id="26" dur="1" fill="hold">
+                                        <p:cTn id="22" dur="1" fill="hold">
                                           <p:stCondLst>
                                             <p:cond delay="0"/>
                                           </p:stCondLst>
@@ -18453,7 +18250,7 @@
                                     </p:set>
                                     <p:animEffect transition="in" filter="fade">
                                       <p:cBhvr>
-                                        <p:cTn id="27" dur="250"/>
+                                        <p:cTn id="23" dur="250"/>
                                         <p:tgtEl>
                                           <p:spTgt spid="3">
                                             <p:txEl>
@@ -18469,30 +18266,21 @@
                             </p:childTnLst>
                           </p:cTn>
                         </p:par>
-                      </p:childTnLst>
-                    </p:cTn>
-                  </p:par>
-                  <p:par>
-                    <p:cTn id="28" fill="hold">
-                      <p:stCondLst>
-                        <p:cond delay="indefinite"/>
-                      </p:stCondLst>
-                      <p:childTnLst>
                         <p:par>
-                          <p:cTn id="29" fill="hold">
+                          <p:cTn id="24" fill="hold">
                             <p:stCondLst>
-                              <p:cond delay="0"/>
+                              <p:cond delay="1250"/>
                             </p:stCondLst>
                             <p:childTnLst>
                               <p:par>
-                                <p:cTn id="30" presetID="10" presetClass="entr" presetSubtype="0" fill="hold" nodeType="clickEffect">
+                                <p:cTn id="25" presetID="10" presetClass="entr" presetSubtype="0" fill="hold" nodeType="afterEffect">
                                   <p:stCondLst>
                                     <p:cond delay="0"/>
                                   </p:stCondLst>
                                   <p:childTnLst>
                                     <p:set>
                                       <p:cBhvr>
-                                        <p:cTn id="31" dur="1" fill="hold">
+                                        <p:cTn id="26" dur="1" fill="hold">
                                           <p:stCondLst>
                                             <p:cond delay="0"/>
                                           </p:stCondLst>
@@ -18514,7 +18302,7 @@
                                     </p:set>
                                     <p:animEffect transition="in" filter="fade">
                                       <p:cBhvr>
-                                        <p:cTn id="32" dur="250"/>
+                                        <p:cTn id="27" dur="250"/>
                                         <p:tgtEl>
                                           <p:spTgt spid="3">
                                             <p:txEl>
@@ -18530,30 +18318,21 @@
                             </p:childTnLst>
                           </p:cTn>
                         </p:par>
-                      </p:childTnLst>
-                    </p:cTn>
-                  </p:par>
-                  <p:par>
-                    <p:cTn id="33" fill="hold">
-                      <p:stCondLst>
-                        <p:cond delay="indefinite"/>
-                      </p:stCondLst>
-                      <p:childTnLst>
                         <p:par>
-                          <p:cTn id="34" fill="hold">
+                          <p:cTn id="28" fill="hold">
                             <p:stCondLst>
-                              <p:cond delay="0"/>
+                              <p:cond delay="1500"/>
                             </p:stCondLst>
                             <p:childTnLst>
                               <p:par>
-                                <p:cTn id="35" presetID="10" presetClass="entr" presetSubtype="0" fill="hold" nodeType="clickEffect">
+                                <p:cTn id="29" presetID="10" presetClass="entr" presetSubtype="0" fill="hold" nodeType="afterEffect">
                                   <p:stCondLst>
                                     <p:cond delay="0"/>
                                   </p:stCondLst>
                                   <p:childTnLst>
                                     <p:set>
                                       <p:cBhvr>
-                                        <p:cTn id="36" dur="1" fill="hold">
+                                        <p:cTn id="30" dur="1" fill="hold">
                                           <p:stCondLst>
                                             <p:cond delay="0"/>
                                           </p:stCondLst>
@@ -18575,7 +18354,7 @@
                                     </p:set>
                                     <p:animEffect transition="in" filter="fade">
                                       <p:cBhvr>
-                                        <p:cTn id="37" dur="250"/>
+                                        <p:cTn id="31" dur="250"/>
                                         <p:tgtEl>
                                           <p:spTgt spid="3">
                                             <p:txEl>
@@ -18591,30 +18370,21 @@
                             </p:childTnLst>
                           </p:cTn>
                         </p:par>
-                      </p:childTnLst>
-                    </p:cTn>
-                  </p:par>
-                  <p:par>
-                    <p:cTn id="38" fill="hold">
-                      <p:stCondLst>
-                        <p:cond delay="indefinite"/>
-                      </p:stCondLst>
-                      <p:childTnLst>
                         <p:par>
-                          <p:cTn id="39" fill="hold">
+                          <p:cTn id="32" fill="hold">
                             <p:stCondLst>
-                              <p:cond delay="0"/>
+                              <p:cond delay="1750"/>
                             </p:stCondLst>
                             <p:childTnLst>
                               <p:par>
-                                <p:cTn id="40" presetID="10" presetClass="entr" presetSubtype="0" fill="hold" nodeType="clickEffect">
+                                <p:cTn id="33" presetID="10" presetClass="entr" presetSubtype="0" fill="hold" nodeType="afterEffect">
                                   <p:stCondLst>
                                     <p:cond delay="0"/>
                                   </p:stCondLst>
                                   <p:childTnLst>
                                     <p:set>
                                       <p:cBhvr>
-                                        <p:cTn id="41" dur="1" fill="hold">
+                                        <p:cTn id="34" dur="1" fill="hold">
                                           <p:stCondLst>
                                             <p:cond delay="0"/>
                                           </p:stCondLst>
@@ -18636,7 +18406,7 @@
                                     </p:set>
                                     <p:animEffect transition="in" filter="fade">
                                       <p:cBhvr>
-                                        <p:cTn id="42" dur="250"/>
+                                        <p:cTn id="35" dur="250"/>
                                         <p:tgtEl>
                                           <p:spTgt spid="3">
                                             <p:txEl>
@@ -18818,18 +18588,9 @@
   <p:clrMapOvr>
     <a:masterClrMapping/>
   </p:clrMapOvr>
-  <mc:AlternateContent xmlns:mc="http://schemas.openxmlformats.org/markup-compatibility/2006">
-    <mc:Choice xmlns:p14="http://schemas.microsoft.com/office/powerpoint/2010/main" Requires="p14">
-      <p:transition p14:dur="250">
-        <p:fade/>
-      </p:transition>
-    </mc:Choice>
-    <mc:Fallback>
-      <p:transition>
-        <p:fade/>
-      </p:transition>
-    </mc:Fallback>
-  </mc:AlternateContent>
+  <p:transition>
+    <p:fade/>
+  </p:transition>
   <p:timing>
     <p:tnLst>
       <p:par>
@@ -18919,15 +18680,10 @@
               <a:t> se počinju razvijati kada se </a:t>
             </a:r>
             <a:r>
-              <a:rPr lang="hr-HR" sz="3000" b="1" dirty="0">
+              <a:rPr lang="hr-HR" sz="2800" b="1" dirty="0" smtClean="0">
                 <a:solidFill>
                   <a:srgbClr val="FF0000"/>
                 </a:solidFill>
-                <a:highlight>
-                  <a:srgbClr val="FFFF00"/>
-                </a:highlight>
-                <a:ea typeface="Calibri"/>
-                <a:cs typeface="Times New Roman"/>
               </a:rPr>
               <a:t>prometno povežu</a:t>
             </a:r>
@@ -18944,17 +18700,12 @@
               <a:t>i kada se </a:t>
             </a:r>
             <a:r>
-              <a:rPr lang="hr-HR" sz="3000" b="1" dirty="0">
+              <a:rPr lang="hr-HR" sz="2800" b="1" dirty="0" smtClean="0">
                 <a:solidFill>
                   <a:srgbClr val="FF0000"/>
                 </a:solidFill>
-                <a:highlight>
-                  <a:srgbClr val="FFFF00"/>
-                </a:highlight>
-                <a:ea typeface="Calibri"/>
-                <a:cs typeface="Times New Roman"/>
               </a:rPr>
-              <a:t>razviju kapaciteti</a:t>
+              <a:t>razviju</a:t>
             </a:r>
             <a:r>
               <a:rPr lang="hr-HR" sz="2800" dirty="0" smtClean="0">
@@ -18965,6 +18716,22 @@
               <a:t> </a:t>
             </a:r>
             <a:r>
+              <a:rPr lang="hr-HR" sz="2800" b="1" dirty="0" smtClean="0">
+                <a:solidFill>
+                  <a:srgbClr val="FF0000"/>
+                </a:solidFill>
+              </a:rPr>
+              <a:t>kapaciteti</a:t>
+            </a:r>
+            <a:r>
+              <a:rPr lang="hr-HR" sz="2800" dirty="0" smtClean="0">
+                <a:solidFill>
+                  <a:srgbClr val="FF0000"/>
+                </a:solidFill>
+              </a:rPr>
+              <a:t> </a:t>
+            </a:r>
+            <a:r>
               <a:rPr lang="hr-HR" sz="2800" dirty="0" smtClean="0"/>
               <a:t>nužni za prihvat turista</a:t>
             </a:r>
@@ -19008,38 +18775,16 @@
               </a:spcBef>
             </a:pPr>
             <a:r>
-              <a:rPr lang="hr-HR" sz="3000" b="1" dirty="0" smtClean="0">
-                <a:solidFill>
-                  <a:srgbClr val="FF0000"/>
-                </a:solidFill>
-              </a:rPr>
+              <a:rPr lang="hr-HR" sz="3000" b="1" dirty="0" smtClean="0"/>
               <a:t>turistička mjesta</a:t>
             </a:r>
             <a:r>
-              <a:rPr lang="hr-HR" sz="3000" dirty="0" smtClean="0">
-                <a:solidFill>
-                  <a:srgbClr val="FF0000"/>
-                </a:solidFill>
-              </a:rPr>
-              <a:t> </a:t>
-            </a:r>
-            <a:r>
               <a:rPr lang="hr-HR" sz="3000" dirty="0" smtClean="0"/>
-              <a:t>su ona mjesta koja turisti i izletnici </a:t>
-            </a:r>
-            <a:r>
-              <a:rPr lang="hr-HR" sz="3000" dirty="0">
-                <a:highlight>
-                  <a:srgbClr val="FFFF00"/>
-                </a:highlight>
-                <a:ea typeface="Calibri"/>
-                <a:cs typeface="Times New Roman"/>
-              </a:rPr>
-              <a:t>posjećuju u većem broju</a:t>
-            </a:r>
-            <a:r>
-              <a:rPr lang="hr-HR" dirty="0"/>
-              <a:t> </a:t>
+              <a:t> su ona mjesta koja turisti i izletnici </a:t>
+            </a:r>
+            <a:r>
+              <a:rPr lang="hr-HR" sz="3000" b="1" dirty="0" smtClean="0"/>
+              <a:t>posjećuju u većem broju </a:t>
             </a:r>
             <a:r>
               <a:rPr lang="hr-HR" sz="3000" dirty="0" smtClean="0"/>
@@ -19067,18 +18812,9 @@
   <p:clrMapOvr>
     <a:masterClrMapping/>
   </p:clrMapOvr>
-  <mc:AlternateContent xmlns:mc="http://schemas.openxmlformats.org/markup-compatibility/2006">
-    <mc:Choice xmlns:p14="http://schemas.microsoft.com/office/powerpoint/2010/main" Requires="p14">
-      <p:transition p14:dur="250">
-        <p:fade/>
-      </p:transition>
-    </mc:Choice>
-    <mc:Fallback>
-      <p:transition>
-        <p:fade/>
-      </p:transition>
-    </mc:Fallback>
-  </mc:AlternateContent>
+  <p:transition>
+    <p:fade/>
+  </p:transition>
   <p:timing>
     <p:tnLst>
       <p:par>
@@ -19091,6 +18827,9 @@
                     <p:cTn id="3" fill="hold">
                       <p:stCondLst>
                         <p:cond delay="indefinite"/>
+                        <p:cond evt="onBegin" delay="0">
+                          <p:tn val="2"/>
+                        </p:cond>
                       </p:stCondLst>
                       <p:childTnLst>
                         <p:par>
@@ -19100,7 +18839,7 @@
                             </p:stCondLst>
                             <p:childTnLst>
                               <p:par>
-                                <p:cTn id="5" presetID="10" presetClass="entr" presetSubtype="0" fill="hold" grpId="0" nodeType="clickEffect">
+                                <p:cTn id="5" presetID="10" presetClass="entr" presetSubtype="0" fill="hold" grpId="0" nodeType="afterEffect">
                                   <p:stCondLst>
                                     <p:cond delay="0"/>
                                   </p:stCondLst>
@@ -19353,30 +19092,21 @@
                             </p:childTnLst>
                           </p:cTn>
                         </p:par>
-                      </p:childTnLst>
-                    </p:cTn>
-                  </p:par>
-                  <p:par>
-                    <p:cTn id="24" fill="hold">
-                      <p:stCondLst>
-                        <p:cond delay="indefinite"/>
-                      </p:stCondLst>
-                      <p:childTnLst>
                         <p:par>
-                          <p:cTn id="25" fill="hold">
+                          <p:cTn id="24" fill="hold">
                             <p:stCondLst>
-                              <p:cond delay="0"/>
+                              <p:cond delay="1250"/>
                             </p:stCondLst>
                             <p:childTnLst>
                               <p:par>
-                                <p:cTn id="26" presetID="10" presetClass="entr" presetSubtype="0" fill="hold" grpId="0" nodeType="clickEffect">
+                                <p:cTn id="25" presetID="10" presetClass="entr" presetSubtype="0" fill="hold" grpId="0" nodeType="afterEffect">
                                   <p:stCondLst>
                                     <p:cond delay="0"/>
                                   </p:stCondLst>
                                   <p:childTnLst>
                                     <p:set>
                                       <p:cBhvr>
-                                        <p:cTn id="27" dur="1" fill="hold">
+                                        <p:cTn id="26" dur="1" fill="hold">
                                           <p:stCondLst>
                                             <p:cond delay="0"/>
                                           </p:stCondLst>
@@ -19398,7 +19128,7 @@
                                     </p:set>
                                     <p:animEffect transition="in" filter="fade">
                                       <p:cBhvr>
-                                        <p:cTn id="28" dur="250"/>
+                                        <p:cTn id="27" dur="250"/>
                                         <p:tgtEl>
                                           <p:spTgt spid="3">
                                             <p:txEl>
@@ -19512,160 +19242,69 @@
               </a:spcBef>
             </a:pPr>
             <a:r>
+              <a:rPr lang="hr-HR" sz="2800" b="1" dirty="0" smtClean="0"/>
+              <a:t>turistička destinacija </a:t>
+            </a:r>
+            <a:r>
+              <a:rPr lang="hr-HR" sz="2800" dirty="0" smtClean="0"/>
+              <a:t>– prostorna jedinica (zemljopisno područje) </a:t>
+            </a:r>
+            <a:r>
               <a:rPr lang="hr-HR" sz="2800" b="1" dirty="0" smtClean="0">
                 <a:solidFill>
                   <a:srgbClr val="FF0000"/>
                 </a:solidFill>
               </a:rPr>
-              <a:t>turistička destinacija </a:t>
-            </a:r>
-            <a:r>
-              <a:rPr lang="hr-HR" sz="2800" dirty="0" smtClean="0"/>
-              <a:t>– područje </a:t>
-            </a:r>
+              <a:t>šira od turističkog mjesta</a:t>
+            </a:r>
+            <a:endParaRPr lang="hr-HR" sz="2800" dirty="0" smtClean="0"/>
+          </a:p>
+          <a:p>
+            <a:pPr lvl="1">
+              <a:spcBef>
+                <a:spcPts val="1800"/>
+              </a:spcBef>
+            </a:pPr>
+            <a:r>
+              <a:rPr lang="hr-HR" i="1" dirty="0" smtClean="0"/>
+              <a:t>npr. turističko mjesto Novalja kao turistička destinacija obuhvaća i Zrće, Staru Novalju, </a:t>
+            </a:r>
+            <a:r>
+              <a:rPr lang="hr-HR" i="1" dirty="0" err="1" smtClean="0"/>
+              <a:t>Lun</a:t>
+            </a:r>
+            <a:r>
+              <a:rPr lang="hr-HR" i="1" dirty="0" smtClean="0"/>
+              <a:t>…</a:t>
+            </a:r>
+          </a:p>
+          <a:p>
+            <a:pPr lvl="0">
+              <a:spcBef>
+                <a:spcPts val="1800"/>
+              </a:spcBef>
+            </a:pPr>
+            <a:r>
+              <a:rPr lang="hr-HR" sz="2800" b="1" dirty="0" smtClean="0"/>
+              <a:t>turističko mjesto je ishodište razvoja turističke destinacije</a:t>
+            </a:r>
+          </a:p>
+          <a:p>
+            <a:pPr>
+              <a:spcBef>
+                <a:spcPts val="1800"/>
+              </a:spcBef>
+            </a:pPr>
             <a:r>
               <a:rPr lang="hr-HR" sz="2800" b="1" dirty="0" smtClean="0">
                 <a:solidFill>
                   <a:srgbClr val="FF0000"/>
                 </a:solidFill>
               </a:rPr>
-              <a:t>šire </a:t>
-            </a:r>
-            <a:r>
-              <a:rPr lang="hr-HR" sz="2800" b="1" dirty="0" smtClean="0">
-                <a:solidFill>
-                  <a:srgbClr val="FF0000"/>
-                </a:solidFill>
-              </a:rPr>
-              <a:t>od turističkog </a:t>
-            </a:r>
-            <a:r>
-              <a:rPr lang="hr-HR" sz="2800" b="1" dirty="0" smtClean="0">
-                <a:solidFill>
-                  <a:srgbClr val="FF0000"/>
-                </a:solidFill>
-              </a:rPr>
-              <a:t>mjesta </a:t>
-            </a:r>
-            <a:r>
-              <a:rPr lang="hr-HR" sz="2800" i="1" dirty="0" smtClean="0"/>
-              <a:t>(obuhvaća turističko mjesto i okolicu)</a:t>
-            </a:r>
-            <a:endParaRPr lang="hr-HR" sz="2800" i="1" dirty="0" smtClean="0"/>
-          </a:p>
-          <a:p>
-            <a:pPr lvl="1">
-              <a:spcBef>
-                <a:spcPts val="1800"/>
-              </a:spcBef>
-            </a:pPr>
-            <a:r>
-              <a:rPr lang="hr-HR" i="1" dirty="0" smtClean="0"/>
-              <a:t>npr. </a:t>
-            </a:r>
-            <a:r>
-              <a:rPr lang="hr-HR" i="1" dirty="0" smtClean="0"/>
-              <a:t>turistička destinacija Novalja obuhvaća grad Novalju, ali i </a:t>
-            </a:r>
-            <a:r>
-              <a:rPr lang="hr-HR" i="1" dirty="0" smtClean="0"/>
-              <a:t>Zrće, Staru Novalju, </a:t>
-            </a:r>
-            <a:r>
-              <a:rPr lang="hr-HR" i="1" dirty="0" err="1" smtClean="0"/>
-              <a:t>Lun</a:t>
-            </a:r>
-            <a:r>
-              <a:rPr lang="hr-HR" i="1" dirty="0" smtClean="0"/>
-              <a:t>…</a:t>
-            </a:r>
-          </a:p>
-          <a:p>
-            <a:pPr lvl="0">
-              <a:spcBef>
-                <a:spcPts val="1800"/>
-              </a:spcBef>
-            </a:pPr>
-            <a:r>
-              <a:rPr lang="hr-HR" sz="2800" b="1" dirty="0" smtClean="0"/>
-              <a:t>veličina</a:t>
-            </a:r>
-            <a:r>
-              <a:rPr lang="hr-HR" sz="2800" dirty="0" smtClean="0"/>
-              <a:t> turističke destinacije </a:t>
-            </a:r>
-            <a:r>
-              <a:rPr lang="hr-HR" sz="2800" b="1" dirty="0" smtClean="0">
-                <a:solidFill>
-                  <a:srgbClr val="FF0000"/>
-                </a:solidFill>
-              </a:rPr>
-              <a:t>ovisi o turistu / izletniku</a:t>
-            </a:r>
-          </a:p>
-          <a:p>
-            <a:pPr lvl="0">
-              <a:spcBef>
-                <a:spcPts val="1800"/>
-              </a:spcBef>
-            </a:pPr>
-            <a:r>
-              <a:rPr lang="hr-HR" sz="2800" dirty="0" smtClean="0"/>
-              <a:t>turističko</a:t>
-            </a:r>
-            <a:r>
-              <a:rPr lang="hr-HR" sz="2800" b="1" dirty="0" smtClean="0"/>
-              <a:t> </a:t>
-            </a:r>
-            <a:r>
-              <a:rPr lang="hr-HR" sz="2800" b="1" dirty="0" smtClean="0">
-                <a:solidFill>
-                  <a:srgbClr val="FF0000"/>
-                </a:solidFill>
-              </a:rPr>
-              <a:t>mjesto</a:t>
-            </a:r>
-            <a:r>
-              <a:rPr lang="hr-HR" sz="2800" b="1" dirty="0" smtClean="0"/>
-              <a:t> </a:t>
-            </a:r>
-            <a:r>
-              <a:rPr lang="hr-HR" sz="2800" dirty="0" smtClean="0"/>
-              <a:t>je </a:t>
-            </a:r>
-            <a:r>
-              <a:rPr lang="hr-HR" sz="2800" dirty="0" smtClean="0"/>
-              <a:t>izvor razvoja </a:t>
-            </a:r>
-            <a:r>
-              <a:rPr lang="hr-HR" sz="2800" dirty="0" smtClean="0"/>
-              <a:t>turističke </a:t>
-            </a:r>
-            <a:r>
-              <a:rPr lang="hr-HR" sz="2800" b="1" dirty="0" smtClean="0">
-                <a:solidFill>
-                  <a:srgbClr val="FF0000"/>
-                </a:solidFill>
-              </a:rPr>
-              <a:t>destinacije</a:t>
-            </a:r>
-          </a:p>
-          <a:p>
-            <a:pPr>
-              <a:spcBef>
-                <a:spcPts val="2400"/>
-              </a:spcBef>
-            </a:pPr>
-            <a:r>
-              <a:rPr lang="hr-HR" sz="2600" b="1" dirty="0" smtClean="0">
-                <a:solidFill>
-                  <a:srgbClr val="FF0000"/>
-                </a:solidFill>
-              </a:rPr>
               <a:t>turistička destinacija</a:t>
             </a:r>
             <a:r>
-              <a:rPr lang="hr-HR" sz="2600" dirty="0" smtClean="0">
+              <a:rPr lang="hr-HR" sz="2800" dirty="0" smtClean="0">
                 <a:solidFill>
                   <a:srgbClr val="FF0000"/>
                 </a:solidFill>
@@ -19673,19 +19312,19 @@
               <a:t> </a:t>
             </a:r>
             <a:r>
-              <a:rPr lang="hr-HR" sz="2600" dirty="0" smtClean="0"/>
+              <a:rPr lang="hr-HR" sz="2800" dirty="0" smtClean="0"/>
               <a:t>je </a:t>
             </a:r>
             <a:r>
-              <a:rPr lang="hr-HR" sz="2600" b="1" dirty="0" smtClean="0"/>
+              <a:rPr lang="hr-HR" sz="2800" b="1" dirty="0" smtClean="0"/>
               <a:t>zemljopisno područje </a:t>
             </a:r>
             <a:r>
-              <a:rPr lang="hr-HR" sz="2600" dirty="0" smtClean="0"/>
+              <a:rPr lang="hr-HR" sz="2800" dirty="0" smtClean="0"/>
               <a:t>koje posjećuje određen broj turista i izletnika zbog njegovih atraktivnih obilježja, a koje svojom dostupnošću i opremljenošću </a:t>
             </a:r>
             <a:r>
-              <a:rPr lang="hr-HR" sz="2600" b="1" dirty="0" smtClean="0"/>
+              <a:rPr lang="hr-HR" sz="2800" b="1" dirty="0" smtClean="0"/>
               <a:t>omogućuje prihvat, boravak i različite aktivnosti turista</a:t>
             </a:r>
           </a:p>
@@ -19696,18 +19335,9 @@
   <p:clrMapOvr>
     <a:masterClrMapping/>
   </p:clrMapOvr>
-  <mc:AlternateContent xmlns:mc="http://schemas.openxmlformats.org/markup-compatibility/2006">
-    <mc:Choice xmlns:p14="http://schemas.microsoft.com/office/powerpoint/2010/main" Requires="p14">
-      <p:transition p14:dur="250">
-        <p:fade/>
-      </p:transition>
-    </mc:Choice>
-    <mc:Fallback>
-      <p:transition>
-        <p:fade/>
-      </p:transition>
-    </mc:Fallback>
-  </mc:AlternateContent>
+  <p:transition>
+    <p:fade/>
+  </p:transition>
   <p:timing>
     <p:tnLst>
       <p:par>
@@ -19899,30 +19529,21 @@
                             </p:childTnLst>
                           </p:cTn>
                         </p:par>
-                      </p:childTnLst>
-                    </p:cTn>
-                  </p:par>
-                  <p:par>
-                    <p:cTn id="18" fill="hold">
-                      <p:stCondLst>
-                        <p:cond delay="indefinite"/>
-                      </p:stCondLst>
-                      <p:childTnLst>
                         <p:par>
-                          <p:cTn id="19" fill="hold">
+                          <p:cTn id="18" fill="hold">
                             <p:stCondLst>
-                              <p:cond delay="0"/>
+                              <p:cond delay="250"/>
                             </p:stCondLst>
                             <p:childTnLst>
                               <p:par>
-                                <p:cTn id="20" presetID="10" presetClass="entr" presetSubtype="0" fill="hold" grpId="0" nodeType="clickEffect">
+                                <p:cTn id="19" presetID="10" presetClass="entr" presetSubtype="0" fill="hold" grpId="0" nodeType="afterEffect">
                                   <p:stCondLst>
                                     <p:cond delay="0"/>
                                   </p:stCondLst>
                                   <p:childTnLst>
                                     <p:set>
                                       <p:cBhvr>
-                                        <p:cTn id="21" dur="1" fill="hold">
+                                        <p:cTn id="20" dur="1" fill="hold">
                                           <p:stCondLst>
                                             <p:cond delay="0"/>
                                           </p:stCondLst>
@@ -19944,72 +19565,11 @@
                                     </p:set>
                                     <p:animEffect transition="in" filter="fade">
                                       <p:cBhvr>
-                                        <p:cTn id="22" dur="250"/>
+                                        <p:cTn id="21" dur="250"/>
                                         <p:tgtEl>
                                           <p:spTgt spid="3">
                                             <p:txEl>
                                               <p:pRg st="3" end="3"/>
-                                            </p:txEl>
-                                          </p:spTgt>
-                                        </p:tgtEl>
-                                      </p:cBhvr>
-                                    </p:animEffect>
-                                  </p:childTnLst>
-                                </p:cTn>
-                              </p:par>
-                            </p:childTnLst>
-                          </p:cTn>
-                        </p:par>
-                      </p:childTnLst>
-                    </p:cTn>
-                  </p:par>
-                  <p:par>
-                    <p:cTn id="23" fill="hold">
-                      <p:stCondLst>
-                        <p:cond delay="indefinite"/>
-                      </p:stCondLst>
-                      <p:childTnLst>
-                        <p:par>
-                          <p:cTn id="24" fill="hold">
-                            <p:stCondLst>
-                              <p:cond delay="0"/>
-                            </p:stCondLst>
-                            <p:childTnLst>
-                              <p:par>
-                                <p:cTn id="25" presetID="10" presetClass="entr" presetSubtype="0" fill="hold" grpId="0" nodeType="clickEffect">
-                                  <p:stCondLst>
-                                    <p:cond delay="0"/>
-                                  </p:stCondLst>
-                                  <p:childTnLst>
-                                    <p:set>
-                                      <p:cBhvr>
-                                        <p:cTn id="26" dur="1" fill="hold">
-                                          <p:stCondLst>
-                                            <p:cond delay="0"/>
-                                          </p:stCondLst>
-                                        </p:cTn>
-                                        <p:tgtEl>
-                                          <p:spTgt spid="3">
-                                            <p:txEl>
-                                              <p:pRg st="4" end="4"/>
-                                            </p:txEl>
-                                          </p:spTgt>
-                                        </p:tgtEl>
-                                        <p:attrNameLst>
-                                          <p:attrName>style.visibility</p:attrName>
-                                        </p:attrNameLst>
-                                      </p:cBhvr>
-                                      <p:to>
-                                        <p:strVal val="visible"/>
-                                      </p:to>
-                                    </p:set>
-                                    <p:animEffect transition="in" filter="fade">
-                                      <p:cBhvr>
-                                        <p:cTn id="27" dur="250"/>
-                                        <p:tgtEl>
-                                          <p:spTgt spid="3">
-                                            <p:txEl>
-                                              <p:pRg st="4" end="4"/>
                                             </p:txEl>
                                           </p:spTgt>
                                         </p:tgtEl>
@@ -20124,15 +19684,7 @@
             </a:r>
             <a:r>
               <a:rPr lang="hr-HR" sz="2800" dirty="0" smtClean="0"/>
-              <a:t> po kojima je neko područje </a:t>
-            </a:r>
-            <a:r>
-              <a:rPr lang="hr-HR" sz="2800" b="1" dirty="0" smtClean="0"/>
-              <a:t>turistička destinacija</a:t>
-            </a:r>
-            <a:r>
-              <a:rPr lang="hr-HR" sz="2800" dirty="0" smtClean="0"/>
-              <a:t>:</a:t>
+              <a:t> po kojima je neko područje turistička destinacija:</a:t>
             </a:r>
           </a:p>
           <a:p>
@@ -20151,21 +19703,8 @@
             </a:r>
             <a:r>
               <a:rPr lang="hr-HR" dirty="0" smtClean="0"/>
-              <a:t> </a:t>
-            </a:r>
-            <a:endParaRPr lang="hr-HR" dirty="0" smtClean="0"/>
-          </a:p>
-          <a:p>
-            <a:pPr lvl="1">
-              <a:spcBef>
-                <a:spcPts val="600"/>
-              </a:spcBef>
-            </a:pPr>
-            <a:endParaRPr lang="hr-HR" b="1" dirty="0" smtClean="0">
-              <a:solidFill>
-                <a:srgbClr val="FF0000"/>
-              </a:solidFill>
-            </a:endParaRPr>
+              <a:t> – mora imati turističke atrakcije zanimljive turistima</a:t>
+            </a:r>
           </a:p>
           <a:p>
             <a:pPr lvl="1">
@@ -20181,12 +19720,15 @@
               </a:rPr>
               <a:t>dostupnost</a:t>
             </a:r>
-            <a:endParaRPr lang="hr-HR" dirty="0" smtClean="0"/>
+            <a:r>
+              <a:rPr lang="hr-HR" dirty="0" smtClean="0"/>
+              <a:t> – prometno i informacijski</a:t>
+            </a:r>
           </a:p>
           <a:p>
             <a:pPr lvl="1">
               <a:spcBef>
-                <a:spcPts val="1200"/>
+                <a:spcPts val="600"/>
               </a:spcBef>
             </a:pPr>
             <a:r>
@@ -20197,16 +19739,15 @@
               </a:rPr>
               <a:t>odgovarajući smještajni kapaciteti </a:t>
             </a:r>
-            <a:endParaRPr lang="hr-HR" b="1" dirty="0" smtClean="0">
-              <a:solidFill>
-                <a:srgbClr val="FF0000"/>
-              </a:solidFill>
-            </a:endParaRPr>
+            <a:r>
+              <a:rPr lang="hr-HR" dirty="0" smtClean="0"/>
+              <a:t>– za boravak turista</a:t>
+            </a:r>
           </a:p>
           <a:p>
             <a:pPr lvl="1">
               <a:spcBef>
-                <a:spcPts val="1200"/>
+                <a:spcPts val="600"/>
               </a:spcBef>
             </a:pPr>
             <a:r>
@@ -20215,37 +19756,31 @@
                   <a:srgbClr val="FF0000"/>
                 </a:solidFill>
               </a:rPr>
-              <a:t>izbor </a:t>
-            </a:r>
+              <a:t>izbor aktivnosti </a:t>
+            </a:r>
+            <a:r>
+              <a:rPr lang="hr-HR" dirty="0" smtClean="0"/>
+              <a:t>– sport, kultura, zabava…</a:t>
+            </a:r>
+          </a:p>
+          <a:p>
+            <a:pPr lvl="1">
+              <a:spcBef>
+                <a:spcPts val="600"/>
+              </a:spcBef>
+            </a:pPr>
             <a:r>
               <a:rPr lang="hr-HR" b="1" dirty="0" smtClean="0">
                 <a:solidFill>
                   <a:srgbClr val="FF0000"/>
                 </a:solidFill>
               </a:rPr>
-              <a:t>aktivnosti </a:t>
-            </a:r>
-            <a:endParaRPr lang="hr-HR" b="1" dirty="0" smtClean="0">
-              <a:solidFill>
-                <a:srgbClr val="FF0000"/>
-              </a:solidFill>
-            </a:endParaRPr>
-          </a:p>
-          <a:p>
-            <a:pPr lvl="1">
-              <a:spcBef>
-                <a:spcPts val="1200"/>
-              </a:spcBef>
-            </a:pPr>
-            <a:r>
-              <a:rPr lang="hr-HR" b="1" dirty="0" smtClean="0">
-                <a:solidFill>
-                  <a:srgbClr val="FF0000"/>
-                </a:solidFill>
-              </a:rPr>
-              <a:t>ostali sadržaji</a:t>
-            </a:r>
-            <a:endParaRPr lang="hr-HR" dirty="0" smtClean="0"/>
+              <a:t>ostali sadržaji </a:t>
+            </a:r>
+            <a:r>
+              <a:rPr lang="hr-HR" dirty="0" smtClean="0"/>
+              <a:t>– restorani, kina, izložbe, trgovine, banke, bolnice…</a:t>
+            </a:r>
           </a:p>
           <a:p>
             <a:pPr lvl="0">
@@ -20254,311 +19789,6 @@
               </a:spcBef>
             </a:pPr>
             <a:endParaRPr lang="hr-HR" sz="2800" dirty="0" smtClean="0"/>
-          </a:p>
-        </p:txBody>
-      </p:sp>
-      <p:sp>
-        <p:nvSpPr>
-          <p:cNvPr id="5" name="Rectangle 4"/>
-          <p:cNvSpPr/>
-          <p:nvPr/>
-        </p:nvSpPr>
-        <p:spPr>
-          <a:xfrm>
-            <a:off x="2051720" y="1412776"/>
-            <a:ext cx="7092280" cy="984885"/>
-          </a:xfrm>
-          <a:prstGeom prst="rect">
-            <a:avLst/>
-          </a:prstGeom>
-        </p:spPr>
-        <p:txBody>
-          <a:bodyPr wrap="square">
-            <a:spAutoFit/>
-          </a:bodyPr>
-          <a:lstStyle/>
-          <a:p>
-            <a:pPr marL="742950" lvl="1" indent="-285750">
-              <a:spcBef>
-                <a:spcPts val="600"/>
-              </a:spcBef>
-              <a:buFont typeface="Calibri" pitchFamily="34" charset="0"/>
-              <a:buChar char="–"/>
-            </a:pPr>
-            <a:r>
-              <a:rPr lang="hr-HR" sz="2800" dirty="0" smtClean="0">
-                <a:solidFill>
-                  <a:prstClr val="black"/>
-                </a:solidFill>
-              </a:rPr>
-              <a:t>mora </a:t>
-            </a:r>
-            <a:r>
-              <a:rPr lang="hr-HR" sz="2800" dirty="0">
-                <a:solidFill>
-                  <a:prstClr val="black"/>
-                </a:solidFill>
-              </a:rPr>
-              <a:t>imati </a:t>
-            </a:r>
-            <a:r>
-              <a:rPr lang="hr-HR" sz="2800" b="1" dirty="0">
-                <a:highlight>
-                  <a:srgbClr val="FFFF00"/>
-                </a:highlight>
-                <a:ea typeface="Calibri"/>
-                <a:cs typeface="Times New Roman"/>
-              </a:rPr>
-              <a:t>turističke atrakcije</a:t>
-            </a:r>
-            <a:r>
-              <a:rPr lang="hr-HR" dirty="0"/>
-              <a:t> </a:t>
-            </a:r>
-            <a:r>
-              <a:rPr lang="hr-HR" sz="2800" dirty="0">
-                <a:solidFill>
-                  <a:prstClr val="black"/>
-                </a:solidFill>
-              </a:rPr>
-              <a:t>zanimljive turistima</a:t>
-            </a:r>
-          </a:p>
-        </p:txBody>
-      </p:sp>
-      <p:sp>
-        <p:nvSpPr>
-          <p:cNvPr id="7" name="Rectangle 6"/>
-          <p:cNvSpPr/>
-          <p:nvPr/>
-        </p:nvSpPr>
-        <p:spPr>
-          <a:xfrm>
-            <a:off x="2627784" y="2447745"/>
-            <a:ext cx="5517985" cy="523220"/>
-          </a:xfrm>
-          <a:prstGeom prst="rect">
-            <a:avLst/>
-          </a:prstGeom>
-        </p:spPr>
-        <p:txBody>
-          <a:bodyPr wrap="none">
-            <a:spAutoFit/>
-          </a:bodyPr>
-          <a:lstStyle/>
-          <a:p>
-            <a:r>
-              <a:rPr lang="hr-HR" sz="2800" dirty="0">
-                <a:solidFill>
-                  <a:prstClr val="black"/>
-                </a:solidFill>
-              </a:rPr>
-              <a:t>– </a:t>
-            </a:r>
-            <a:r>
-              <a:rPr lang="hr-HR" sz="2800" b="1" dirty="0">
-                <a:highlight>
-                  <a:srgbClr val="FFFF00"/>
-                </a:highlight>
-                <a:ea typeface="Calibri"/>
-                <a:cs typeface="Times New Roman"/>
-              </a:rPr>
-              <a:t>prometno</a:t>
-            </a:r>
-            <a:r>
-              <a:rPr lang="hr-HR" sz="2800" dirty="0">
-                <a:solidFill>
-                  <a:prstClr val="black"/>
-                </a:solidFill>
-              </a:rPr>
-              <a:t> i </a:t>
-            </a:r>
-            <a:r>
-              <a:rPr lang="hr-HR" sz="2800" b="1" dirty="0">
-                <a:highlight>
-                  <a:srgbClr val="FFFF00"/>
-                </a:highlight>
-                <a:ea typeface="Calibri"/>
-                <a:cs typeface="Times New Roman"/>
-              </a:rPr>
-              <a:t>informacijski</a:t>
-            </a:r>
-            <a:r>
-              <a:rPr lang="hr-HR" sz="2800" dirty="0" smtClean="0">
-                <a:solidFill>
-                  <a:prstClr val="black"/>
-                </a:solidFill>
-              </a:rPr>
-              <a:t> dostupna</a:t>
-            </a:r>
-            <a:endParaRPr lang="hr-HR" sz="1600" dirty="0"/>
-          </a:p>
-        </p:txBody>
-      </p:sp>
-      <p:sp>
-        <p:nvSpPr>
-          <p:cNvPr id="8" name="Rectangle 7"/>
-          <p:cNvSpPr/>
-          <p:nvPr/>
-        </p:nvSpPr>
-        <p:spPr>
-          <a:xfrm>
-            <a:off x="5424221" y="3020702"/>
-            <a:ext cx="3527953" cy="523220"/>
-          </a:xfrm>
-          <a:prstGeom prst="rect">
-            <a:avLst/>
-          </a:prstGeom>
-        </p:spPr>
-        <p:txBody>
-          <a:bodyPr wrap="none">
-            <a:spAutoFit/>
-          </a:bodyPr>
-          <a:lstStyle/>
-          <a:p>
-            <a:pPr marL="742950" lvl="1" indent="-285750">
-              <a:spcBef>
-                <a:spcPts val="600"/>
-              </a:spcBef>
-              <a:buFont typeface="Calibri" pitchFamily="34" charset="0"/>
-              <a:buChar char="–"/>
-            </a:pPr>
-            <a:r>
-              <a:rPr lang="hr-HR" sz="2800" dirty="0" smtClean="0">
-                <a:solidFill>
-                  <a:prstClr val="black"/>
-                </a:solidFill>
-              </a:rPr>
-              <a:t>za </a:t>
-            </a:r>
-            <a:r>
-              <a:rPr lang="hr-HR" sz="2800" dirty="0">
-                <a:solidFill>
-                  <a:prstClr val="black"/>
-                </a:solidFill>
-              </a:rPr>
-              <a:t>boravak </a:t>
-            </a:r>
-            <a:r>
-              <a:rPr lang="hr-HR" sz="2800" dirty="0" smtClean="0">
-                <a:solidFill>
-                  <a:prstClr val="black"/>
-                </a:solidFill>
-              </a:rPr>
-              <a:t>gostiju</a:t>
-            </a:r>
-            <a:endParaRPr lang="hr-HR" sz="2800" dirty="0">
-              <a:solidFill>
-                <a:prstClr val="black"/>
-              </a:solidFill>
-            </a:endParaRPr>
-          </a:p>
-        </p:txBody>
-      </p:sp>
-      <p:sp>
-        <p:nvSpPr>
-          <p:cNvPr id="10" name="Rectangle 9"/>
-          <p:cNvSpPr/>
-          <p:nvPr/>
-        </p:nvSpPr>
-        <p:spPr>
-          <a:xfrm>
-            <a:off x="2712425" y="3601792"/>
-            <a:ext cx="6113277" cy="523220"/>
-          </a:xfrm>
-          <a:prstGeom prst="rect">
-            <a:avLst/>
-          </a:prstGeom>
-        </p:spPr>
-        <p:txBody>
-          <a:bodyPr wrap="none">
-            <a:spAutoFit/>
-          </a:bodyPr>
-          <a:lstStyle/>
-          <a:p>
-            <a:pPr marL="742950" lvl="1" indent="-285750">
-              <a:spcBef>
-                <a:spcPts val="600"/>
-              </a:spcBef>
-              <a:buFont typeface="Calibri" pitchFamily="34" charset="0"/>
-              <a:buChar char="–"/>
-            </a:pPr>
-            <a:r>
-              <a:rPr lang="hr-HR" sz="2800" dirty="0" smtClean="0">
-                <a:solidFill>
-                  <a:prstClr val="black"/>
-                </a:solidFill>
-              </a:rPr>
-              <a:t>sport</a:t>
-            </a:r>
-            <a:r>
-              <a:rPr lang="hr-HR" sz="2800" dirty="0">
-                <a:solidFill>
-                  <a:prstClr val="black"/>
-                </a:solidFill>
-              </a:rPr>
-              <a:t>, kultura, </a:t>
-            </a:r>
-            <a:r>
-              <a:rPr lang="hr-HR" sz="2800" dirty="0" smtClean="0">
-                <a:solidFill>
-                  <a:prstClr val="black"/>
-                </a:solidFill>
-              </a:rPr>
-              <a:t>zabava, istraživanje…</a:t>
-            </a:r>
-            <a:endParaRPr lang="hr-HR" sz="2800" dirty="0">
-              <a:solidFill>
-                <a:prstClr val="black"/>
-              </a:solidFill>
-            </a:endParaRPr>
-          </a:p>
-        </p:txBody>
-      </p:sp>
-      <p:sp>
-        <p:nvSpPr>
-          <p:cNvPr id="11" name="Rectangle 10"/>
-          <p:cNvSpPr/>
-          <p:nvPr/>
-        </p:nvSpPr>
-        <p:spPr>
-          <a:xfrm>
-            <a:off x="2435510" y="4196580"/>
-            <a:ext cx="6708490" cy="954107"/>
-          </a:xfrm>
-          <a:prstGeom prst="rect">
-            <a:avLst/>
-          </a:prstGeom>
-        </p:spPr>
-        <p:txBody>
-          <a:bodyPr wrap="square">
-            <a:spAutoFit/>
-          </a:bodyPr>
-          <a:lstStyle/>
-          <a:p>
-            <a:pPr marL="742950" lvl="1" indent="-285750">
-              <a:spcBef>
-                <a:spcPts val="600"/>
-              </a:spcBef>
-              <a:buFont typeface="Calibri" pitchFamily="34" charset="0"/>
-              <a:buChar char="–"/>
-            </a:pPr>
-            <a:r>
-              <a:rPr lang="hr-HR" sz="2800" dirty="0" smtClean="0">
-                <a:solidFill>
-                  <a:prstClr val="black"/>
-                </a:solidFill>
-              </a:rPr>
-              <a:t>restorani</a:t>
-            </a:r>
-            <a:r>
-              <a:rPr lang="hr-HR" sz="2800" dirty="0">
-                <a:solidFill>
-                  <a:prstClr val="black"/>
-                </a:solidFill>
-              </a:rPr>
-              <a:t>, kina, izložbe, trgovine, banke, bolnice…</a:t>
-            </a:r>
           </a:p>
         </p:txBody>
       </p:sp>
@@ -20567,18 +19797,9 @@
   <p:clrMapOvr>
     <a:masterClrMapping/>
   </p:clrMapOvr>
-  <mc:AlternateContent xmlns:mc="http://schemas.openxmlformats.org/markup-compatibility/2006">
-    <mc:Choice xmlns:p14="http://schemas.microsoft.com/office/powerpoint/2010/main" Requires="p14">
-      <p:transition p14:dur="250">
-        <p:fade/>
-      </p:transition>
-    </mc:Choice>
-    <mc:Fallback>
-      <p:transition>
-        <p:fade/>
-      </p:transition>
-    </mc:Fallback>
-  </mc:AlternateContent>
+  <p:transition>
+    <p:fade/>
+  </p:transition>
   <p:timing>
     <p:tnLst>
       <p:par>
@@ -20722,7 +19943,7 @@
                                         <p:tgtEl>
                                           <p:spTgt spid="3">
                                             <p:txEl>
-                                              <p:pRg st="3" end="3"/>
+                                              <p:pRg st="2" end="2"/>
                                             </p:txEl>
                                           </p:spTgt>
                                         </p:tgtEl>
@@ -20740,7 +19961,7 @@
                                         <p:tgtEl>
                                           <p:spTgt spid="3">
                                             <p:txEl>
-                                              <p:pRg st="3" end="3"/>
+                                              <p:pRg st="2" end="2"/>
                                             </p:txEl>
                                           </p:spTgt>
                                         </p:tgtEl>
@@ -20774,7 +19995,7 @@
                                         <p:tgtEl>
                                           <p:spTgt spid="3">
                                             <p:txEl>
-                                              <p:pRg st="4" end="4"/>
+                                              <p:pRg st="3" end="3"/>
                                             </p:txEl>
                                           </p:spTgt>
                                         </p:tgtEl>
@@ -20792,7 +20013,7 @@
                                         <p:tgtEl>
                                           <p:spTgt spid="3">
                                             <p:txEl>
-                                              <p:pRg st="4" end="4"/>
+                                              <p:pRg st="3" end="3"/>
                                             </p:txEl>
                                           </p:spTgt>
                                         </p:tgtEl>
@@ -20826,7 +20047,7 @@
                                         <p:tgtEl>
                                           <p:spTgt spid="3">
                                             <p:txEl>
-                                              <p:pRg st="5" end="5"/>
+                                              <p:pRg st="4" end="4"/>
                                             </p:txEl>
                                           </p:spTgt>
                                         </p:tgtEl>
@@ -20844,7 +20065,7 @@
                                         <p:tgtEl>
                                           <p:spTgt spid="3">
                                             <p:txEl>
-                                              <p:pRg st="5" end="5"/>
+                                              <p:pRg st="4" end="4"/>
                                             </p:txEl>
                                           </p:spTgt>
                                         </p:tgtEl>
@@ -20878,7 +20099,7 @@
                                         <p:tgtEl>
                                           <p:spTgt spid="3">
                                             <p:txEl>
-                                              <p:pRg st="6" end="6"/>
+                                              <p:pRg st="5" end="5"/>
                                             </p:txEl>
                                           </p:spTgt>
                                         </p:tgtEl>
@@ -20896,274 +20117,9 @@
                                         <p:tgtEl>
                                           <p:spTgt spid="3">
                                             <p:txEl>
-                                              <p:pRg st="6" end="6"/>
+                                              <p:pRg st="5" end="5"/>
                                             </p:txEl>
                                           </p:spTgt>
-                                        </p:tgtEl>
-                                      </p:cBhvr>
-                                    </p:animEffect>
-                                  </p:childTnLst>
-                                </p:cTn>
-                              </p:par>
-                            </p:childTnLst>
-                          </p:cTn>
-                        </p:par>
-                      </p:childTnLst>
-                    </p:cTn>
-                  </p:par>
-                  <p:par>
-                    <p:cTn id="28" fill="hold">
-                      <p:stCondLst>
-                        <p:cond delay="indefinite"/>
-                      </p:stCondLst>
-                      <p:childTnLst>
-                        <p:par>
-                          <p:cTn id="29" fill="hold">
-                            <p:stCondLst>
-                              <p:cond delay="0"/>
-                            </p:stCondLst>
-                            <p:childTnLst>
-                              <p:par>
-                                <p:cTn id="30" presetID="22" presetClass="entr" presetSubtype="8" fill="hold" grpId="0" nodeType="clickEffect">
-                                  <p:stCondLst>
-                                    <p:cond delay="0"/>
-                                  </p:stCondLst>
-                                  <p:childTnLst>
-                                    <p:set>
-                                      <p:cBhvr>
-                                        <p:cTn id="31" dur="1" fill="hold">
-                                          <p:stCondLst>
-                                            <p:cond delay="0"/>
-                                          </p:stCondLst>
-                                        </p:cTn>
-                                        <p:tgtEl>
-                                          <p:spTgt spid="5"/>
-                                        </p:tgtEl>
-                                        <p:attrNameLst>
-                                          <p:attrName>style.visibility</p:attrName>
-                                        </p:attrNameLst>
-                                      </p:cBhvr>
-                                      <p:to>
-                                        <p:strVal val="visible"/>
-                                      </p:to>
-                                    </p:set>
-                                    <p:animEffect transition="in" filter="wipe(left)">
-                                      <p:cBhvr>
-                                        <p:cTn id="32" dur="250"/>
-                                        <p:tgtEl>
-                                          <p:spTgt spid="5"/>
-                                        </p:tgtEl>
-                                      </p:cBhvr>
-                                    </p:animEffect>
-                                  </p:childTnLst>
-                                </p:cTn>
-                              </p:par>
-                            </p:childTnLst>
-                          </p:cTn>
-                        </p:par>
-                      </p:childTnLst>
-                    </p:cTn>
-                  </p:par>
-                  <p:par>
-                    <p:cTn id="33" fill="hold">
-                      <p:stCondLst>
-                        <p:cond delay="indefinite"/>
-                      </p:stCondLst>
-                      <p:childTnLst>
-                        <p:par>
-                          <p:cTn id="34" fill="hold">
-                            <p:stCondLst>
-                              <p:cond delay="0"/>
-                            </p:stCondLst>
-                            <p:childTnLst>
-                              <p:par>
-                                <p:cTn id="35" presetID="22" presetClass="entr" presetSubtype="8" fill="hold" grpId="0" nodeType="clickEffect">
-                                  <p:stCondLst>
-                                    <p:cond delay="0"/>
-                                  </p:stCondLst>
-                                  <p:childTnLst>
-                                    <p:set>
-                                      <p:cBhvr>
-                                        <p:cTn id="36" dur="1" fill="hold">
-                                          <p:stCondLst>
-                                            <p:cond delay="0"/>
-                                          </p:stCondLst>
-                                        </p:cTn>
-                                        <p:tgtEl>
-                                          <p:spTgt spid="7"/>
-                                        </p:tgtEl>
-                                        <p:attrNameLst>
-                                          <p:attrName>style.visibility</p:attrName>
-                                        </p:attrNameLst>
-                                      </p:cBhvr>
-                                      <p:to>
-                                        <p:strVal val="visible"/>
-                                      </p:to>
-                                    </p:set>
-                                    <p:animEffect transition="in" filter="wipe(left)">
-                                      <p:cBhvr>
-                                        <p:cTn id="37" dur="250"/>
-                                        <p:tgtEl>
-                                          <p:spTgt spid="7"/>
-                                        </p:tgtEl>
-                                      </p:cBhvr>
-                                    </p:animEffect>
-                                  </p:childTnLst>
-                                </p:cTn>
-                              </p:par>
-                            </p:childTnLst>
-                          </p:cTn>
-                        </p:par>
-                      </p:childTnLst>
-                    </p:cTn>
-                  </p:par>
-                  <p:par>
-                    <p:cTn id="38" fill="hold">
-                      <p:stCondLst>
-                        <p:cond delay="indefinite"/>
-                      </p:stCondLst>
-                      <p:childTnLst>
-                        <p:par>
-                          <p:cTn id="39" fill="hold">
-                            <p:stCondLst>
-                              <p:cond delay="0"/>
-                            </p:stCondLst>
-                            <p:childTnLst>
-                              <p:par>
-                                <p:cTn id="40" presetID="22" presetClass="entr" presetSubtype="8" fill="hold" grpId="0" nodeType="clickEffect">
-                                  <p:stCondLst>
-                                    <p:cond delay="0"/>
-                                  </p:stCondLst>
-                                  <p:childTnLst>
-                                    <p:set>
-                                      <p:cBhvr>
-                                        <p:cTn id="41" dur="1" fill="hold">
-                                          <p:stCondLst>
-                                            <p:cond delay="0"/>
-                                          </p:stCondLst>
-                                        </p:cTn>
-                                        <p:tgtEl>
-                                          <p:spTgt spid="8"/>
-                                        </p:tgtEl>
-                                        <p:attrNameLst>
-                                          <p:attrName>style.visibility</p:attrName>
-                                        </p:attrNameLst>
-                                      </p:cBhvr>
-                                      <p:to>
-                                        <p:strVal val="visible"/>
-                                      </p:to>
-                                    </p:set>
-                                    <p:animEffect transition="in" filter="wipe(left)">
-                                      <p:cBhvr>
-                                        <p:cTn id="42" dur="250"/>
-                                        <p:tgtEl>
-                                          <p:spTgt spid="8"/>
-                                        </p:tgtEl>
-                                      </p:cBhvr>
-                                    </p:animEffect>
-                                  </p:childTnLst>
-                                </p:cTn>
-                              </p:par>
-                            </p:childTnLst>
-                          </p:cTn>
-                        </p:par>
-                      </p:childTnLst>
-                    </p:cTn>
-                  </p:par>
-                  <p:par>
-                    <p:cTn id="43" fill="hold">
-                      <p:stCondLst>
-                        <p:cond delay="indefinite"/>
-                      </p:stCondLst>
-                      <p:childTnLst>
-                        <p:par>
-                          <p:cTn id="44" fill="hold">
-                            <p:stCondLst>
-                              <p:cond delay="0"/>
-                            </p:stCondLst>
-                            <p:childTnLst>
-                              <p:par>
-                                <p:cTn id="45" presetID="22" presetClass="entr" presetSubtype="8" fill="hold" grpId="0" nodeType="clickEffect">
-                                  <p:stCondLst>
-                                    <p:cond delay="0"/>
-                                  </p:stCondLst>
-                                  <p:childTnLst>
-                                    <p:set>
-                                      <p:cBhvr>
-                                        <p:cTn id="46" dur="1" fill="hold">
-                                          <p:stCondLst>
-                                            <p:cond delay="0"/>
-                                          </p:stCondLst>
-                                        </p:cTn>
-                                        <p:tgtEl>
-                                          <p:spTgt spid="10"/>
-                                        </p:tgtEl>
-                                        <p:attrNameLst>
-                                          <p:attrName>style.visibility</p:attrName>
-                                        </p:attrNameLst>
-                                      </p:cBhvr>
-                                      <p:to>
-                                        <p:strVal val="visible"/>
-                                      </p:to>
-                                    </p:set>
-                                    <p:animEffect transition="in" filter="wipe(left)">
-                                      <p:cBhvr>
-                                        <p:cTn id="47" dur="250"/>
-                                        <p:tgtEl>
-                                          <p:spTgt spid="10"/>
-                                        </p:tgtEl>
-                                      </p:cBhvr>
-                                    </p:animEffect>
-                                  </p:childTnLst>
-                                </p:cTn>
-                              </p:par>
-                            </p:childTnLst>
-                          </p:cTn>
-                        </p:par>
-                      </p:childTnLst>
-                    </p:cTn>
-                  </p:par>
-                  <p:par>
-                    <p:cTn id="48" fill="hold">
-                      <p:stCondLst>
-                        <p:cond delay="indefinite"/>
-                      </p:stCondLst>
-                      <p:childTnLst>
-                        <p:par>
-                          <p:cTn id="49" fill="hold">
-                            <p:stCondLst>
-                              <p:cond delay="0"/>
-                            </p:stCondLst>
-                            <p:childTnLst>
-                              <p:par>
-                                <p:cTn id="50" presetID="22" presetClass="entr" presetSubtype="8" fill="hold" grpId="0" nodeType="clickEffect">
-                                  <p:stCondLst>
-                                    <p:cond delay="0"/>
-                                  </p:stCondLst>
-                                  <p:childTnLst>
-                                    <p:set>
-                                      <p:cBhvr>
-                                        <p:cTn id="51" dur="1" fill="hold">
-                                          <p:stCondLst>
-                                            <p:cond delay="0"/>
-                                          </p:stCondLst>
-                                        </p:cTn>
-                                        <p:tgtEl>
-                                          <p:spTgt spid="11"/>
-                                        </p:tgtEl>
-                                        <p:attrNameLst>
-                                          <p:attrName>style.visibility</p:attrName>
-                                        </p:attrNameLst>
-                                      </p:cBhvr>
-                                      <p:to>
-                                        <p:strVal val="visible"/>
-                                      </p:to>
-                                    </p:set>
-                                    <p:animEffect transition="in" filter="wipe(left)">
-                                      <p:cBhvr>
-                                        <p:cTn id="52" dur="250"/>
-                                        <p:tgtEl>
-                                          <p:spTgt spid="11"/>
                                         </p:tgtEl>
                                       </p:cBhvr>
                                     </p:animEffect>
@@ -21199,11 +20155,6 @@
     </p:tnLst>
     <p:bldLst>
       <p:bldP spid="3" grpId="0" uiExpand="1" build="p"/>
-      <p:bldP spid="5" grpId="0"/>
-      <p:bldP spid="7" grpId="0"/>
-      <p:bldP spid="8" grpId="0"/>
-      <p:bldP spid="10" grpId="0"/>
-      <p:bldP spid="11" grpId="0"/>
     </p:bldLst>
   </p:timing>
 </p:sld>
@@ -21261,7 +20212,7 @@
         <p:spPr>
           <a:xfrm>
             <a:off x="35496" y="928670"/>
-            <a:ext cx="9108504" cy="5929330"/>
+            <a:ext cx="9145016" cy="5929330"/>
           </a:xfrm>
         </p:spPr>
         <p:txBody>
@@ -21276,7 +20227,7 @@
               </a:spcBef>
             </a:pPr>
             <a:r>
-              <a:rPr lang="hr-HR" sz="2800" b="1" dirty="0" smtClean="0">
+              <a:rPr lang="hr-HR" sz="2400" b="1" dirty="0" smtClean="0">
                 <a:solidFill>
                   <a:srgbClr val="FF0000"/>
                 </a:solidFill>
@@ -21284,7 +20235,7 @@
               <a:t>destinacijski menadžment</a:t>
             </a:r>
             <a:r>
-              <a:rPr lang="hr-HR" sz="2800" dirty="0" smtClean="0">
+              <a:rPr lang="hr-HR" sz="2400" dirty="0" smtClean="0">
                 <a:solidFill>
                   <a:srgbClr val="FF0000"/>
                 </a:solidFill>
@@ -21292,36 +20243,18 @@
               <a:t> </a:t>
             </a:r>
             <a:r>
-              <a:rPr lang="hr-HR" sz="2800" dirty="0" smtClean="0"/>
-              <a:t>uključuje </a:t>
-            </a:r>
-            <a:r>
-              <a:rPr lang="hr-HR" sz="2800" dirty="0">
-                <a:highlight>
-                  <a:srgbClr val="FFFF00"/>
-                </a:highlight>
-                <a:ea typeface="Calibri"/>
-                <a:cs typeface="Times New Roman"/>
-              </a:rPr>
-              <a:t>aktivnosti koje pridonose unaprjeđenju i razvoju turizma</a:t>
-            </a:r>
-            <a:r>
-              <a:rPr lang="hr-HR" sz="2800" dirty="0" smtClean="0"/>
-              <a:t> usklađenjem interesa </a:t>
-            </a:r>
-            <a:r>
-              <a:rPr lang="hr-HR" sz="2800" b="1" dirty="0" smtClean="0">
-                <a:solidFill>
-                  <a:srgbClr val="FF0000"/>
-                </a:solidFill>
-              </a:rPr>
+              <a:rPr lang="hr-HR" sz="2400" dirty="0" smtClean="0"/>
+              <a:t>uključuje aktivnosti koje pridonose unaprjeđenju i razvoju turizma usklađenjem interesa </a:t>
+            </a:r>
+            <a:r>
+              <a:rPr lang="hr-HR" sz="2400" b="1" dirty="0" smtClean="0"/>
               <a:t>svih subjekata koji sudjeluju u turizmu</a:t>
             </a:r>
           </a:p>
           <a:p>
             <a:pPr>
               <a:spcBef>
-                <a:spcPts val="3000"/>
+                <a:spcPts val="1800"/>
               </a:spcBef>
             </a:pPr>
             <a:r>
@@ -21329,22 +20262,12 @@
               <a:t>treba voditi </a:t>
             </a:r>
             <a:r>
+              <a:rPr lang="hr-HR" sz="2400" dirty="0" err="1" smtClean="0"/>
+              <a:t>btigu</a:t>
+            </a:r>
+            <a:r>
               <a:rPr lang="hr-HR" sz="2400" dirty="0" smtClean="0"/>
-              <a:t>brigu </a:t>
-            </a:r>
-            <a:r>
-              <a:rPr lang="hr-HR" sz="2400" dirty="0" smtClean="0"/>
-              <a:t>o svim aktivnostima u turističkoj destinaciji koje mogu </a:t>
-            </a:r>
-            <a:r>
-              <a:rPr lang="hr-HR" sz="2400" dirty="0">
-                <a:highlight>
-                  <a:srgbClr val="FFFF00"/>
-                </a:highlight>
-                <a:ea typeface="Calibri"/>
-                <a:cs typeface="Times New Roman"/>
-              </a:rPr>
-              <a:t>naštetiti ili poboljšati kvalitetu turističke ponude</a:t>
+              <a:t> o svim aktivnostima u turističkoj destinaciji koje mogu naštetiti ili poboljšati kvalitetu turističke ponude</a:t>
             </a:r>
           </a:p>
           <a:p>
@@ -21365,18 +20288,8 @@
               </a:spcBef>
             </a:pPr>
             <a:r>
-              <a:rPr lang="hr-HR" sz="2400" dirty="0">
-                <a:highlight>
-                  <a:srgbClr val="FFFF00"/>
-                </a:highlight>
-                <a:ea typeface="Calibri"/>
-                <a:cs typeface="Times New Roman"/>
-              </a:rPr>
-              <a:t>u destinacijski menadžment trebaju biti uključeni svi </a:t>
-            </a:r>
-            <a:r>
               <a:rPr lang="hr-HR" sz="2400" dirty="0" smtClean="0"/>
-              <a:t>– poduzetnici u ugostiteljstvu, javne službe, predstavnici lokalne uprave, razne udruge i sami građani</a:t>
+              <a:t>u destinacijski menadžment trebaju biti uključeni svi – poduzetnici u ugostiteljstvu, javne službe, predstavnici lokalne uprave, razne udruge i sami građani</a:t>
             </a:r>
             <a:endParaRPr lang="hr-HR" dirty="0" smtClean="0"/>
           </a:p>
@@ -21387,18 +20300,9 @@
   <p:clrMapOvr>
     <a:masterClrMapping/>
   </p:clrMapOvr>
-  <mc:AlternateContent xmlns:mc="http://schemas.openxmlformats.org/markup-compatibility/2006">
-    <mc:Choice xmlns:p14="http://schemas.microsoft.com/office/powerpoint/2010/main" Requires="p14">
-      <p:transition p14:dur="250">
-        <p:fade/>
-      </p:transition>
-    </mc:Choice>
-    <mc:Fallback>
-      <p:transition>
-        <p:fade/>
-      </p:transition>
-    </mc:Fallback>
-  </mc:AlternateContent>
+  <p:transition>
+    <p:fade/>
+  </p:transition>
   <p:timing>
     <p:tnLst>
       <p:par>
@@ -21468,30 +20372,21 @@
                             </p:childTnLst>
                           </p:cTn>
                         </p:par>
-                      </p:childTnLst>
-                    </p:cTn>
-                  </p:par>
-                  <p:par>
-                    <p:cTn id="8" fill="hold">
-                      <p:stCondLst>
-                        <p:cond delay="indefinite"/>
-                      </p:stCondLst>
-                      <p:childTnLst>
                         <p:par>
-                          <p:cTn id="9" fill="hold">
+                          <p:cTn id="8" fill="hold">
                             <p:stCondLst>
-                              <p:cond delay="0"/>
+                              <p:cond delay="250"/>
                             </p:stCondLst>
                             <p:childTnLst>
                               <p:par>
-                                <p:cTn id="10" presetID="10" presetClass="entr" presetSubtype="0" fill="hold" grpId="0" nodeType="clickEffect">
+                                <p:cTn id="9" presetID="10" presetClass="entr" presetSubtype="0" fill="hold" grpId="0" nodeType="afterEffect">
                                   <p:stCondLst>
                                     <p:cond delay="0"/>
                                   </p:stCondLst>
                                   <p:childTnLst>
                                     <p:set>
                                       <p:cBhvr>
-                                        <p:cTn id="11" dur="1" fill="hold">
+                                        <p:cTn id="10" dur="1" fill="hold">
                                           <p:stCondLst>
                                             <p:cond delay="0"/>
                                           </p:stCondLst>
@@ -21513,7 +20408,7 @@
                                     </p:set>
                                     <p:animEffect transition="in" filter="fade">
                                       <p:cBhvr>
-                                        <p:cTn id="12" dur="250"/>
+                                        <p:cTn id="11" dur="250"/>
                                         <p:tgtEl>
                                           <p:spTgt spid="3">
                                             <p:txEl>
@@ -21530,20 +20425,20 @@
                           </p:cTn>
                         </p:par>
                         <p:par>
-                          <p:cTn id="13" fill="hold">
+                          <p:cTn id="12" fill="hold">
                             <p:stCondLst>
-                              <p:cond delay="250"/>
+                              <p:cond delay="500"/>
                             </p:stCondLst>
                             <p:childTnLst>
                               <p:par>
-                                <p:cTn id="14" presetID="10" presetClass="entr" presetSubtype="0" fill="hold" grpId="0" nodeType="afterEffect">
+                                <p:cTn id="13" presetID="10" presetClass="entr" presetSubtype="0" fill="hold" grpId="0" nodeType="afterEffect">
                                   <p:stCondLst>
                                     <p:cond delay="0"/>
                                   </p:stCondLst>
                                   <p:childTnLst>
                                     <p:set>
                                       <p:cBhvr>
-                                        <p:cTn id="15" dur="1" fill="hold">
+                                        <p:cTn id="14" dur="1" fill="hold">
                                           <p:stCondLst>
                                             <p:cond delay="0"/>
                                           </p:stCondLst>
@@ -21565,7 +20460,7 @@
                                     </p:set>
                                     <p:animEffect transition="in" filter="fade">
                                       <p:cBhvr>
-                                        <p:cTn id="16" dur="250"/>
+                                        <p:cTn id="15" dur="250"/>
                                         <p:tgtEl>
                                           <p:spTgt spid="3">
                                             <p:txEl>
@@ -21582,20 +20477,20 @@
                           </p:cTn>
                         </p:par>
                         <p:par>
-                          <p:cTn id="17" fill="hold">
+                          <p:cTn id="16" fill="hold">
                             <p:stCondLst>
-                              <p:cond delay="500"/>
+                              <p:cond delay="750"/>
                             </p:stCondLst>
                             <p:childTnLst>
                               <p:par>
-                                <p:cTn id="18" presetID="10" presetClass="entr" presetSubtype="0" fill="hold" grpId="0" nodeType="afterEffect">
+                                <p:cTn id="17" presetID="10" presetClass="entr" presetSubtype="0" fill="hold" grpId="0" nodeType="afterEffect">
                                   <p:stCondLst>
                                     <p:cond delay="0"/>
                                   </p:stCondLst>
                                   <p:childTnLst>
                                     <p:set>
                                       <p:cBhvr>
-                                        <p:cTn id="19" dur="1" fill="hold">
+                                        <p:cTn id="18" dur="1" fill="hold">
                                           <p:stCondLst>
                                             <p:cond delay="0"/>
                                           </p:stCondLst>
@@ -21617,7 +20512,7 @@
                                     </p:set>
                                     <p:animEffect transition="in" filter="fade">
                                       <p:cBhvr>
-                                        <p:cTn id="20" dur="250"/>
+                                        <p:cTn id="19" dur="250"/>
                                         <p:tgtEl>
                                           <p:spTgt spid="3">
                                             <p:txEl>
@@ -21732,8 +20627,8 @@
         </p:nvSpPr>
         <p:spPr>
           <a:xfrm>
-            <a:off x="24637" y="872337"/>
-            <a:ext cx="9144000" cy="6021288"/>
+            <a:off x="36512" y="934964"/>
+            <a:ext cx="9144000" cy="5923036"/>
           </a:xfrm>
         </p:spPr>
         <p:txBody>
@@ -21748,23 +20643,23 @@
               </a:spcBef>
             </a:pPr>
             <a:r>
-              <a:rPr lang="hr-HR" sz="2300" dirty="0"/>
+              <a:rPr lang="hr-HR" sz="2200" dirty="0"/>
               <a:t>turistička mjesta se počinju razvijati kada se </a:t>
             </a:r>
             <a:r>
-              <a:rPr lang="hr-HR" sz="2300" b="1" dirty="0"/>
+              <a:rPr lang="hr-HR" sz="2200" b="1" dirty="0"/>
               <a:t>prometno povežu </a:t>
             </a:r>
             <a:r>
-              <a:rPr lang="hr-HR" sz="2300" dirty="0"/>
+              <a:rPr lang="hr-HR" sz="2200" dirty="0"/>
               <a:t>i kada se </a:t>
             </a:r>
             <a:r>
-              <a:rPr lang="hr-HR" sz="2300" b="1" dirty="0"/>
+              <a:rPr lang="hr-HR" sz="2200" b="1" dirty="0"/>
               <a:t>razviju kapaciteti nužni za prihvat </a:t>
             </a:r>
             <a:r>
-              <a:rPr lang="hr-HR" sz="2300" b="1" dirty="0" smtClean="0"/>
+              <a:rPr lang="hr-HR" sz="2200" b="1" dirty="0" smtClean="0"/>
               <a:t>turista</a:t>
             </a:r>
           </a:p>
@@ -21775,23 +20670,23 @@
               </a:spcBef>
             </a:pPr>
             <a:r>
-              <a:rPr lang="hr-HR" sz="2300" b="1" dirty="0"/>
+              <a:rPr lang="hr-HR" sz="2200" b="1" dirty="0"/>
               <a:t>turistička mjesta</a:t>
             </a:r>
             <a:r>
-              <a:rPr lang="hr-HR" sz="2300" dirty="0"/>
+              <a:rPr lang="hr-HR" sz="2200" dirty="0"/>
               <a:t> su ona mjesta koja turisti i izletnici </a:t>
             </a:r>
             <a:r>
-              <a:rPr lang="hr-HR" sz="2300" b="1" dirty="0"/>
+              <a:rPr lang="hr-HR" sz="2200" b="1" dirty="0"/>
               <a:t>posjećuju u većem broju </a:t>
             </a:r>
             <a:r>
-              <a:rPr lang="hr-HR" sz="2300" dirty="0"/>
+              <a:rPr lang="hr-HR" sz="2200" dirty="0"/>
               <a:t>i </a:t>
             </a:r>
             <a:r>
-              <a:rPr lang="hr-HR" sz="2300" b="1" dirty="0">
+              <a:rPr lang="hr-HR" sz="2200" b="1" dirty="0">
                 <a:solidFill>
                   <a:srgbClr val="FF0000"/>
                 </a:solidFill>
@@ -21799,7 +20694,7 @@
               <a:t>koja svojom opremljenošću omogućuju njihov prihvat i </a:t>
             </a:r>
             <a:r>
-              <a:rPr lang="hr-HR" sz="2300" b="1" dirty="0" smtClean="0">
+              <a:rPr lang="hr-HR" sz="2200" b="1" dirty="0" smtClean="0">
                 <a:solidFill>
                   <a:srgbClr val="FF0000"/>
                 </a:solidFill>
@@ -21808,34 +20703,62 @@
             </a:r>
           </a:p>
           <a:p>
-            <a:pPr lvl="0">
+            <a:pPr>
               <a:spcBef>
-                <a:spcPts val="1800"/>
+                <a:spcPts val="1200"/>
               </a:spcBef>
             </a:pPr>
             <a:r>
-              <a:rPr lang="hr-HR" sz="2300" b="1" dirty="0">
+              <a:rPr lang="hr-HR" sz="2200" b="1" dirty="0"/>
+              <a:t>turistička destinacija </a:t>
+            </a:r>
+            <a:r>
+              <a:rPr lang="hr-HR" sz="2200" dirty="0" smtClean="0"/>
+              <a:t>– područje  </a:t>
+            </a:r>
+            <a:r>
+              <a:rPr lang="hr-HR" sz="2200" b="1" dirty="0" smtClean="0">
                 <a:solidFill>
                   <a:srgbClr val="FF0000"/>
                 </a:solidFill>
               </a:rPr>
-              <a:t>turistička destinacija </a:t>
-            </a:r>
-            <a:r>
-              <a:rPr lang="hr-HR" sz="2300" dirty="0"/>
-              <a:t>– područje </a:t>
-            </a:r>
-            <a:r>
-              <a:rPr lang="hr-HR" sz="2300" b="1" dirty="0">
+              <a:t>šire </a:t>
+            </a:r>
+            <a:r>
+              <a:rPr lang="hr-HR" sz="2200" b="1" dirty="0">
                 <a:solidFill>
                   <a:srgbClr val="FF0000"/>
                 </a:solidFill>
               </a:rPr>
-              <a:t>šire od turističkog mjesta </a:t>
-            </a:r>
-            <a:r>
-              <a:rPr lang="hr-HR" sz="2300" i="1" dirty="0"/>
-              <a:t>(obuhvaća turističko mjesto i okolicu)</a:t>
+              <a:t>od turističkog </a:t>
+            </a:r>
+            <a:r>
+              <a:rPr lang="hr-HR" sz="2200" b="1" dirty="0" smtClean="0">
+                <a:solidFill>
+                  <a:srgbClr val="FF0000"/>
+                </a:solidFill>
+              </a:rPr>
+              <a:t>mjesta </a:t>
+            </a:r>
+            <a:r>
+              <a:rPr lang="hr-HR" sz="2200" dirty="0" smtClean="0"/>
+              <a:t>i</a:t>
+            </a:r>
+            <a:r>
+              <a:rPr lang="hr-HR" sz="2200" b="1" dirty="0" smtClean="0">
+                <a:solidFill>
+                  <a:srgbClr val="FF0000"/>
+                </a:solidFill>
+              </a:rPr>
+              <a:t> </a:t>
+            </a:r>
+            <a:r>
+              <a:rPr lang="hr-HR" sz="2200" dirty="0"/>
+              <a:t>koje svojom dostupnošću i opremljenošću </a:t>
+            </a:r>
+            <a:r>
+              <a:rPr lang="hr-HR" sz="2200" b="1" dirty="0"/>
+              <a:t>omogućuje prihvat, boravak i različite aktivnosti turista</a:t>
             </a:r>
           </a:p>
           <a:p>
@@ -21845,23 +20768,19 @@
               </a:spcBef>
             </a:pPr>
             <a:r>
-              <a:rPr lang="hr-HR" sz="2400" i="1" dirty="0"/>
-              <a:t>npr. turistička destinacija Novalja obuhvaća grad Novalju, ali i </a:t>
-            </a:r>
-            <a:r>
-              <a:rPr lang="hr-HR" sz="2400" i="1" dirty="0" err="1"/>
-              <a:t>Zrće</a:t>
-            </a:r>
-            <a:r>
-              <a:rPr lang="hr-HR" sz="2400" i="1" dirty="0"/>
-              <a:t>, Staru Novalju, </a:t>
-            </a:r>
-            <a:r>
-              <a:rPr lang="hr-HR" sz="2400" i="1" dirty="0" err="1"/>
+              <a:rPr lang="hr-HR" sz="2200" i="1" dirty="0" smtClean="0"/>
+              <a:t>npr</a:t>
+            </a:r>
+            <a:r>
+              <a:rPr lang="hr-HR" sz="2200" i="1" dirty="0"/>
+              <a:t>. turističko mjesto Novalja kao turistička destinacija obuhvaća i Zrće, Staru Novalju, </a:t>
+            </a:r>
+            <a:r>
+              <a:rPr lang="hr-HR" sz="2200" i="1" dirty="0" err="1"/>
               <a:t>Lun</a:t>
             </a:r>
             <a:r>
-              <a:rPr lang="hr-HR" sz="2400" i="1" dirty="0"/>
+              <a:rPr lang="hr-HR" sz="2200" i="1" dirty="0"/>
               <a:t>…</a:t>
             </a:r>
           </a:p>
@@ -21872,208 +20791,113 @@
               </a:spcBef>
             </a:pPr>
             <a:r>
-              <a:rPr lang="hr-HR" sz="2300" b="1" dirty="0" smtClean="0">
-                <a:solidFill>
-                  <a:srgbClr val="FF0000"/>
-                </a:solidFill>
-              </a:rPr>
+              <a:rPr lang="hr-HR" sz="2200" b="1" dirty="0"/>
               <a:t>uvjeti</a:t>
             </a:r>
             <a:r>
-              <a:rPr lang="hr-HR" sz="2300" dirty="0" smtClean="0">
-                <a:solidFill>
-                  <a:srgbClr val="FF0000"/>
-                </a:solidFill>
-              </a:rPr>
-              <a:t> </a:t>
-            </a:r>
-            <a:r>
-              <a:rPr lang="hr-HR" sz="2300" dirty="0"/>
-              <a:t>po kojima je neko područje turistička destinacija:</a:t>
+              <a:rPr lang="hr-HR" sz="2200" dirty="0"/>
+              <a:t> po kojima je neko područje turistička destinacija:</a:t>
             </a:r>
           </a:p>
           <a:p>
             <a:pPr lvl="1">
               <a:spcBef>
-                <a:spcPts val="300"/>
+                <a:spcPts val="0"/>
               </a:spcBef>
             </a:pPr>
             <a:r>
-              <a:rPr lang="hr-HR" sz="2300" b="1" dirty="0" smtClean="0">
-                <a:solidFill>
-                  <a:srgbClr val="FF0000"/>
-                </a:solidFill>
-              </a:rPr>
+              <a:rPr lang="hr-HR" sz="2200" b="1" dirty="0" smtClean="0"/>
               <a:t>privlačnost</a:t>
             </a:r>
             <a:r>
-              <a:rPr lang="hr-HR" sz="2300" dirty="0" smtClean="0">
-                <a:solidFill>
-                  <a:srgbClr val="FF0000"/>
-                </a:solidFill>
-              </a:rPr>
+              <a:rPr lang="hr-HR" sz="2200" dirty="0" smtClean="0"/>
               <a:t> </a:t>
             </a:r>
             <a:r>
-              <a:rPr lang="hr-HR" sz="2300" i="1" dirty="0" smtClean="0"/>
-              <a:t>– turističke atrakcije zanimljive  gostima</a:t>
-            </a:r>
-            <a:endParaRPr lang="hr-HR" sz="2300" i="1" dirty="0" smtClean="0"/>
+              <a:rPr lang="hr-HR" sz="2200" i="1" dirty="0" smtClean="0"/>
+              <a:t>– zanimljive turističke atrakcije</a:t>
+            </a:r>
           </a:p>
           <a:p>
             <a:pPr lvl="1">
               <a:spcBef>
-                <a:spcPts val="300"/>
+                <a:spcPts val="0"/>
               </a:spcBef>
             </a:pPr>
             <a:r>
-              <a:rPr lang="hr-HR" sz="2300" b="1" dirty="0" smtClean="0">
-                <a:solidFill>
-                  <a:srgbClr val="FF0000"/>
-                </a:solidFill>
-              </a:rPr>
+              <a:rPr lang="hr-HR" sz="2200" b="1" dirty="0" smtClean="0"/>
               <a:t>dostupnost</a:t>
             </a:r>
             <a:r>
-              <a:rPr lang="hr-HR" sz="2300" dirty="0" smtClean="0">
-                <a:solidFill>
-                  <a:srgbClr val="FF0000"/>
-                </a:solidFill>
-              </a:rPr>
-              <a:t> </a:t>
-            </a:r>
-            <a:r>
-              <a:rPr lang="hr-HR" sz="2300" dirty="0" smtClean="0"/>
-              <a:t>– </a:t>
-            </a:r>
-            <a:r>
-              <a:rPr lang="hr-HR" sz="2300" i="1" dirty="0" smtClean="0"/>
-              <a:t>prometna i </a:t>
-            </a:r>
-            <a:r>
-              <a:rPr lang="hr-HR" sz="2300" i="1" dirty="0" smtClean="0"/>
-              <a:t>informacijska povezanost</a:t>
-            </a:r>
-            <a:endParaRPr lang="hr-HR" sz="2300" i="1" dirty="0" smtClean="0"/>
+              <a:rPr lang="hr-HR" sz="2200" dirty="0" smtClean="0"/>
+              <a:t> – </a:t>
+            </a:r>
+            <a:r>
+              <a:rPr lang="hr-HR" sz="2200" i="1" dirty="0" smtClean="0"/>
+              <a:t>prometna i informacijska</a:t>
+            </a:r>
           </a:p>
           <a:p>
             <a:pPr lvl="1">
               <a:spcBef>
-                <a:spcPts val="300"/>
+                <a:spcPts val="0"/>
               </a:spcBef>
             </a:pPr>
             <a:r>
-              <a:rPr lang="hr-HR" sz="2300" b="1" dirty="0" smtClean="0">
-                <a:solidFill>
-                  <a:srgbClr val="FF0000"/>
-                </a:solidFill>
-              </a:rPr>
-              <a:t>odgovarajući smještajni </a:t>
-            </a:r>
-            <a:r>
-              <a:rPr lang="hr-HR" sz="2300" b="1" dirty="0" smtClean="0">
-                <a:solidFill>
-                  <a:srgbClr val="FF0000"/>
-                </a:solidFill>
-              </a:rPr>
-              <a:t>kapaciteti </a:t>
-            </a:r>
-            <a:r>
-              <a:rPr lang="hr-HR" sz="2300" dirty="0" smtClean="0"/>
-              <a:t>za boravak gostiju</a:t>
-            </a:r>
-            <a:endParaRPr lang="hr-HR" sz="2300" dirty="0" smtClean="0"/>
+              <a:rPr lang="hr-HR" sz="2200" b="1" dirty="0" smtClean="0"/>
+              <a:t>odgovarajući smještajni kapaciteti</a:t>
+            </a:r>
           </a:p>
           <a:p>
             <a:pPr lvl="1">
               <a:spcBef>
-                <a:spcPts val="300"/>
+                <a:spcPts val="0"/>
               </a:spcBef>
             </a:pPr>
             <a:r>
-              <a:rPr lang="hr-HR" sz="2300" b="1" dirty="0" smtClean="0">
-                <a:solidFill>
-                  <a:srgbClr val="FF0000"/>
-                </a:solidFill>
-              </a:rPr>
-              <a:t>izbor</a:t>
-            </a:r>
-            <a:r>
-              <a:rPr lang="hr-HR" sz="2300" b="1" dirty="0" smtClean="0"/>
-              <a:t> </a:t>
-            </a:r>
-            <a:r>
-              <a:rPr lang="hr-HR" sz="2300" b="1" dirty="0" smtClean="0">
-                <a:solidFill>
-                  <a:srgbClr val="FF0000"/>
-                </a:solidFill>
-              </a:rPr>
-              <a:t>aktivnosti</a:t>
-            </a:r>
-            <a:r>
-              <a:rPr lang="hr-HR" sz="2300" b="1" dirty="0" smtClean="0"/>
-              <a:t> </a:t>
-            </a:r>
-            <a:r>
-              <a:rPr lang="hr-HR" sz="2300" dirty="0" smtClean="0"/>
+              <a:rPr lang="hr-HR" sz="2200" b="1" dirty="0" smtClean="0"/>
+              <a:t>izbor aktivnosti </a:t>
+            </a:r>
+            <a:r>
+              <a:rPr lang="hr-HR" sz="2200" dirty="0" smtClean="0"/>
               <a:t>– </a:t>
             </a:r>
             <a:r>
-              <a:rPr lang="hr-HR" sz="2300" i="1" dirty="0" smtClean="0"/>
+              <a:rPr lang="hr-HR" sz="2200" i="1" dirty="0" smtClean="0"/>
               <a:t>sport, </a:t>
             </a:r>
             <a:r>
-              <a:rPr lang="hr-HR" sz="2300" i="1" dirty="0"/>
+              <a:rPr lang="hr-HR" sz="2200" i="1" dirty="0"/>
               <a:t>kultura, zabava</a:t>
             </a:r>
             <a:r>
-              <a:rPr lang="hr-HR" sz="2300" i="1" dirty="0" smtClean="0"/>
+              <a:rPr lang="hr-HR" sz="2200" i="1" dirty="0" smtClean="0"/>
               <a:t>…</a:t>
             </a:r>
           </a:p>
           <a:p>
             <a:pPr lvl="1">
               <a:spcBef>
-                <a:spcPts val="300"/>
+                <a:spcPts val="0"/>
               </a:spcBef>
             </a:pPr>
             <a:r>
-              <a:rPr lang="hr-HR" sz="2300" b="1" dirty="0">
-                <a:solidFill>
-                  <a:srgbClr val="FF0000"/>
-                </a:solidFill>
-              </a:rPr>
-              <a:t>ostali</a:t>
-            </a:r>
-            <a:r>
-              <a:rPr lang="hr-HR" sz="2300" b="1" dirty="0"/>
-              <a:t> </a:t>
-            </a:r>
-            <a:r>
-              <a:rPr lang="hr-HR" sz="2300" b="1" dirty="0">
-                <a:solidFill>
-                  <a:srgbClr val="FF0000"/>
-                </a:solidFill>
-              </a:rPr>
-              <a:t>sadržaji</a:t>
-            </a:r>
-            <a:r>
-              <a:rPr lang="hr-HR" sz="2300" b="1" dirty="0"/>
-              <a:t> </a:t>
-            </a:r>
-            <a:r>
-              <a:rPr lang="hr-HR" sz="2300" dirty="0"/>
+              <a:rPr lang="hr-HR" sz="2200" b="1" dirty="0"/>
+              <a:t>ostali sadržaji </a:t>
+            </a:r>
+            <a:r>
+              <a:rPr lang="hr-HR" sz="2200" dirty="0"/>
               <a:t>– </a:t>
             </a:r>
             <a:r>
-              <a:rPr lang="hr-HR" sz="2300" i="1" dirty="0"/>
+              <a:rPr lang="hr-HR" sz="2200" i="1" dirty="0"/>
               <a:t>restorani, kina, izložbe, trgovine, banke, bolnice</a:t>
             </a:r>
             <a:r>
-              <a:rPr lang="hr-HR" sz="2300" i="1" dirty="0" smtClean="0"/>
+              <a:rPr lang="hr-HR" sz="2200" i="1" dirty="0" smtClean="0"/>
               <a:t>…</a:t>
             </a:r>
-            <a:endParaRPr lang="hr-HR" sz="2300" dirty="0"/>
+            <a:endParaRPr lang="hr-HR" sz="2200" dirty="0"/>
           </a:p>
         </p:txBody>
       </p:sp>
@@ -22087,18 +20911,9 @@
   <p:clrMapOvr>
     <a:masterClrMapping/>
   </p:clrMapOvr>
-  <mc:AlternateContent xmlns:mc="http://schemas.openxmlformats.org/markup-compatibility/2006">
-    <mc:Choice xmlns:p14="http://schemas.microsoft.com/office/powerpoint/2010/main" Requires="p14">
-      <p:transition p14:dur="250">
-        <p:fade/>
-      </p:transition>
-    </mc:Choice>
-    <mc:Fallback>
-      <p:transition>
-        <p:fade/>
-      </p:transition>
-    </mc:Fallback>
-  </mc:AlternateContent>
+  <p:transition>
+    <p:fade/>
+  </p:transition>
   <p:timing>
     <p:tnLst>
       <p:par>
@@ -23344,18 +22159,9 @@
   <p:clrMapOvr>
     <a:masterClrMapping/>
   </p:clrMapOvr>
-  <mc:AlternateContent xmlns:mc="http://schemas.openxmlformats.org/markup-compatibility/2006">
-    <mc:Choice xmlns:p14="http://schemas.microsoft.com/office/powerpoint/2010/main" Requires="p14">
-      <p:transition p14:dur="250">
-        <p:fade/>
-      </p:transition>
-    </mc:Choice>
-    <mc:Fallback>
-      <p:transition>
-        <p:fade/>
-      </p:transition>
-    </mc:Fallback>
-  </mc:AlternateContent>
+  <p:transition>
+    <p:fade/>
+  </p:transition>
   <p:timing>
     <p:tnLst>
       <p:par>
@@ -24175,11 +22981,7 @@
             </a:pPr>
             <a:r>
               <a:rPr lang="hr-HR" sz="2600" dirty="0" smtClean="0"/>
-              <a:t>Koji su uvjet po kojima je neko mjesto turistička destinacija? (5 uvjeta</a:t>
-            </a:r>
-            <a:r>
-              <a:rPr lang="hr-HR" sz="2600" dirty="0" smtClean="0"/>
-              <a:t>)</a:t>
+              <a:t>Koji su uvjet po kojima je neko mjesto turistička destinacija? (5 uvjeta)</a:t>
             </a:r>
           </a:p>
           <a:p>
@@ -24188,10 +22990,7 @@
                 <a:spcPts val="1500"/>
               </a:spcBef>
             </a:pPr>
-            <a:r>
-              <a:rPr lang="hr-HR" sz="2600" dirty="0" smtClean="0"/>
-              <a:t>Što sve uključuje turistička destinacija Pag?</a:t>
-            </a:r>
+            <a:endParaRPr lang="hr-HR" sz="2600" dirty="0" smtClean="0"/>
           </a:p>
           <a:p>
             <a:pPr lvl="0">
@@ -24199,10 +22998,14 @@
                 <a:spcPts val="1500"/>
               </a:spcBef>
             </a:pPr>
-            <a:r>
-              <a:rPr lang="hr-HR" sz="2600" dirty="0" smtClean="0"/>
-              <a:t>Može li cijela Hrvatska biti jedna turistička destinacija?</a:t>
-            </a:r>
+            <a:endParaRPr lang="hr-HR" sz="2600" dirty="0" smtClean="0"/>
+          </a:p>
+          <a:p>
+            <a:pPr lvl="0">
+              <a:spcBef>
+                <a:spcPts val="1500"/>
+              </a:spcBef>
+            </a:pPr>
             <a:endParaRPr lang="hr-HR" sz="2600" dirty="0" smtClean="0"/>
           </a:p>
         </p:txBody>
@@ -24217,18 +23020,9 @@
   <p:clrMapOvr>
     <a:masterClrMapping/>
   </p:clrMapOvr>
-  <mc:AlternateContent xmlns:mc="http://schemas.openxmlformats.org/markup-compatibility/2006">
-    <mc:Choice xmlns:p14="http://schemas.microsoft.com/office/powerpoint/2010/main" Requires="p14">
-      <p:transition p14:dur="250">
-        <p:fade/>
-      </p:transition>
-    </mc:Choice>
-    <mc:Fallback>
-      <p:transition>
-        <p:fade/>
-      </p:transition>
-    </mc:Fallback>
-  </mc:AlternateContent>
+  <p:transition>
+    <p:fade/>
+  </p:transition>
   <p:timing>
     <p:tnLst>
       <p:par>
@@ -24241,6 +23035,9 @@
                     <p:cTn id="3" fill="hold">
                       <p:stCondLst>
                         <p:cond delay="indefinite"/>
+                        <p:cond evt="onBegin" delay="0">
+                          <p:tn val="2"/>
+                        </p:cond>
                       </p:stCondLst>
                       <p:childTnLst>
                         <p:par>
@@ -24250,7 +23047,7 @@
                             </p:stCondLst>
                             <p:childTnLst>
                               <p:par>
-                                <p:cTn id="5" presetID="10" presetClass="entr" presetSubtype="0" fill="hold" grpId="0" nodeType="clickEffect">
+                                <p:cTn id="5" presetID="10" presetClass="entr" presetSubtype="0" fill="hold" grpId="0" nodeType="afterEffect">
                                   <p:stCondLst>
                                     <p:cond delay="0"/>
                                   </p:stCondLst>
@@ -24279,7 +23076,7 @@
                                     </p:set>
                                     <p:animEffect transition="in" filter="fade">
                                       <p:cBhvr>
-                                        <p:cTn id="7" dur="150"/>
+                                        <p:cTn id="7" dur="250"/>
                                         <p:tgtEl>
                                           <p:spTgt spid="3">
                                             <p:txEl>
@@ -24295,30 +23092,21 @@
                             </p:childTnLst>
                           </p:cTn>
                         </p:par>
-                      </p:childTnLst>
-                    </p:cTn>
-                  </p:par>
-                  <p:par>
-                    <p:cTn id="8" fill="hold">
-                      <p:stCondLst>
-                        <p:cond delay="indefinite"/>
-                      </p:stCondLst>
-                      <p:childTnLst>
                         <p:par>
-                          <p:cTn id="9" fill="hold">
+                          <p:cTn id="8" fill="hold">
                             <p:stCondLst>
-                              <p:cond delay="0"/>
+                              <p:cond delay="250"/>
                             </p:stCondLst>
                             <p:childTnLst>
                               <p:par>
-                                <p:cTn id="10" presetID="10" presetClass="entr" presetSubtype="0" fill="hold" grpId="0" nodeType="clickEffect">
+                                <p:cTn id="9" presetID="10" presetClass="entr" presetSubtype="0" fill="hold" grpId="0" nodeType="afterEffect">
                                   <p:stCondLst>
                                     <p:cond delay="0"/>
                                   </p:stCondLst>
                                   <p:childTnLst>
                                     <p:set>
                                       <p:cBhvr>
-                                        <p:cTn id="11" dur="1" fill="hold">
+                                        <p:cTn id="10" dur="1" fill="hold">
                                           <p:stCondLst>
                                             <p:cond delay="0"/>
                                           </p:stCondLst>
@@ -24340,7 +23128,7 @@
                                     </p:set>
                                     <p:animEffect transition="in" filter="fade">
                                       <p:cBhvr>
-                                        <p:cTn id="12" dur="150"/>
+                                        <p:cTn id="11" dur="250"/>
                                         <p:tgtEl>
                                           <p:spTgt spid="3">
                                             <p:txEl>
@@ -24356,30 +23144,21 @@
                             </p:childTnLst>
                           </p:cTn>
                         </p:par>
-                      </p:childTnLst>
-                    </p:cTn>
-                  </p:par>
-                  <p:par>
-                    <p:cTn id="13" fill="hold">
-                      <p:stCondLst>
-                        <p:cond delay="indefinite"/>
-                      </p:stCondLst>
-                      <p:childTnLst>
                         <p:par>
-                          <p:cTn id="14" fill="hold">
+                          <p:cTn id="12" fill="hold">
                             <p:stCondLst>
-                              <p:cond delay="0"/>
+                              <p:cond delay="500"/>
                             </p:stCondLst>
                             <p:childTnLst>
                               <p:par>
-                                <p:cTn id="15" presetID="10" presetClass="entr" presetSubtype="0" fill="hold" grpId="0" nodeType="clickEffect">
+                                <p:cTn id="13" presetID="10" presetClass="entr" presetSubtype="0" fill="hold" grpId="0" nodeType="afterEffect">
                                   <p:stCondLst>
                                     <p:cond delay="0"/>
                                   </p:stCondLst>
                                   <p:childTnLst>
                                     <p:set>
                                       <p:cBhvr>
-                                        <p:cTn id="16" dur="1" fill="hold">
+                                        <p:cTn id="14" dur="1" fill="hold">
                                           <p:stCondLst>
                                             <p:cond delay="0"/>
                                           </p:stCondLst>
@@ -24401,7 +23180,7 @@
                                     </p:set>
                                     <p:animEffect transition="in" filter="fade">
                                       <p:cBhvr>
-                                        <p:cTn id="17" dur="150"/>
+                                        <p:cTn id="15" dur="250"/>
                                         <p:tgtEl>
                                           <p:spTgt spid="3">
                                             <p:txEl>
@@ -24417,30 +23196,21 @@
                             </p:childTnLst>
                           </p:cTn>
                         </p:par>
-                      </p:childTnLst>
-                    </p:cTn>
-                  </p:par>
-                  <p:par>
-                    <p:cTn id="18" fill="hold">
-                      <p:stCondLst>
-                        <p:cond delay="indefinite"/>
-                      </p:stCondLst>
-                      <p:childTnLst>
                         <p:par>
-                          <p:cTn id="19" fill="hold">
+                          <p:cTn id="16" fill="hold">
                             <p:stCondLst>
-                              <p:cond delay="0"/>
+                              <p:cond delay="750"/>
                             </p:stCondLst>
                             <p:childTnLst>
                               <p:par>
-                                <p:cTn id="20" presetID="10" presetClass="entr" presetSubtype="0" fill="hold" grpId="0" nodeType="clickEffect">
+                                <p:cTn id="17" presetID="10" presetClass="entr" presetSubtype="0" fill="hold" grpId="0" nodeType="afterEffect">
                                   <p:stCondLst>
                                     <p:cond delay="0"/>
                                   </p:stCondLst>
                                   <p:childTnLst>
                                     <p:set>
                                       <p:cBhvr>
-                                        <p:cTn id="21" dur="1" fill="hold">
+                                        <p:cTn id="18" dur="1" fill="hold">
                                           <p:stCondLst>
                                             <p:cond delay="0"/>
                                           </p:stCondLst>
@@ -24462,133 +23232,11 @@
                                     </p:set>
                                     <p:animEffect transition="in" filter="fade">
                                       <p:cBhvr>
-                                        <p:cTn id="22" dur="150"/>
+                                        <p:cTn id="19" dur="250"/>
                                         <p:tgtEl>
                                           <p:spTgt spid="3">
                                             <p:txEl>
                                               <p:pRg st="3" end="3"/>
-                                            </p:txEl>
-                                          </p:spTgt>
-                                        </p:tgtEl>
-                                      </p:cBhvr>
-                                    </p:animEffect>
-                                  </p:childTnLst>
-                                </p:cTn>
-                              </p:par>
-                            </p:childTnLst>
-                          </p:cTn>
-                        </p:par>
-                      </p:childTnLst>
-                    </p:cTn>
-                  </p:par>
-                  <p:par>
-                    <p:cTn id="23" fill="hold">
-                      <p:stCondLst>
-                        <p:cond delay="indefinite"/>
-                      </p:stCondLst>
-                      <p:childTnLst>
-                        <p:par>
-                          <p:cTn id="24" fill="hold">
-                            <p:stCondLst>
-                              <p:cond delay="0"/>
-                            </p:stCondLst>
-                            <p:childTnLst>
-                              <p:par>
-                                <p:cTn id="25" presetID="10" presetClass="entr" presetSubtype="0" fill="hold" grpId="0" nodeType="clickEffect">
-                                  <p:stCondLst>
-                                    <p:cond delay="0"/>
-                                  </p:stCondLst>
-                                  <p:childTnLst>
-                                    <p:set>
-                                      <p:cBhvr>
-                                        <p:cTn id="26" dur="1" fill="hold">
-                                          <p:stCondLst>
-                                            <p:cond delay="0"/>
-                                          </p:stCondLst>
-                                        </p:cTn>
-                                        <p:tgtEl>
-                                          <p:spTgt spid="3">
-                                            <p:txEl>
-                                              <p:pRg st="4" end="4"/>
-                                            </p:txEl>
-                                          </p:spTgt>
-                                        </p:tgtEl>
-                                        <p:attrNameLst>
-                                          <p:attrName>style.visibility</p:attrName>
-                                        </p:attrNameLst>
-                                      </p:cBhvr>
-                                      <p:to>
-                                        <p:strVal val="visible"/>
-                                      </p:to>
-                                    </p:set>
-                                    <p:animEffect transition="in" filter="fade">
-                                      <p:cBhvr>
-                                        <p:cTn id="27" dur="150"/>
-                                        <p:tgtEl>
-                                          <p:spTgt spid="3">
-                                            <p:txEl>
-                                              <p:pRg st="4" end="4"/>
-                                            </p:txEl>
-                                          </p:spTgt>
-                                        </p:tgtEl>
-                                      </p:cBhvr>
-                                    </p:animEffect>
-                                  </p:childTnLst>
-                                </p:cTn>
-                              </p:par>
-                            </p:childTnLst>
-                          </p:cTn>
-                        </p:par>
-                      </p:childTnLst>
-                    </p:cTn>
-                  </p:par>
-                  <p:par>
-                    <p:cTn id="28" fill="hold">
-                      <p:stCondLst>
-                        <p:cond delay="indefinite"/>
-                      </p:stCondLst>
-                      <p:childTnLst>
-                        <p:par>
-                          <p:cTn id="29" fill="hold">
-                            <p:stCondLst>
-                              <p:cond delay="0"/>
-                            </p:stCondLst>
-                            <p:childTnLst>
-                              <p:par>
-                                <p:cTn id="30" presetID="10" presetClass="entr" presetSubtype="0" fill="hold" grpId="0" nodeType="clickEffect">
-                                  <p:stCondLst>
-                                    <p:cond delay="0"/>
-                                  </p:stCondLst>
-                                  <p:childTnLst>
-                                    <p:set>
-                                      <p:cBhvr>
-                                        <p:cTn id="31" dur="1" fill="hold">
-                                          <p:stCondLst>
-                                            <p:cond delay="0"/>
-                                          </p:stCondLst>
-                                        </p:cTn>
-                                        <p:tgtEl>
-                                          <p:spTgt spid="3">
-                                            <p:txEl>
-                                              <p:pRg st="5" end="5"/>
-                                            </p:txEl>
-                                          </p:spTgt>
-                                        </p:tgtEl>
-                                        <p:attrNameLst>
-                                          <p:attrName>style.visibility</p:attrName>
-                                        </p:attrNameLst>
-                                      </p:cBhvr>
-                                      <p:to>
-                                        <p:strVal val="visible"/>
-                                      </p:to>
-                                    </p:set>
-                                    <p:animEffect transition="in" filter="fade">
-                                      <p:cBhvr>
-                                        <p:cTn id="32" dur="150"/>
-                                        <p:tgtEl>
-                                          <p:spTgt spid="3">
-                                            <p:txEl>
-                                              <p:pRg st="5" end="5"/>
                                             </p:txEl>
                                           </p:spTgt>
                                         </p:tgtEl>
@@ -24809,18 +23457,9 @@
   <p:clrMapOvr>
     <a:masterClrMapping/>
   </p:clrMapOvr>
-  <mc:AlternateContent xmlns:mc="http://schemas.openxmlformats.org/markup-compatibility/2006">
-    <mc:Choice xmlns:p14="http://schemas.microsoft.com/office/powerpoint/2010/main" Requires="p14">
-      <p:transition p14:dur="250">
-        <p:fade/>
-      </p:transition>
-    </mc:Choice>
-    <mc:Fallback>
-      <p:transition>
-        <p:fade/>
-      </p:transition>
-    </mc:Fallback>
-  </mc:AlternateContent>
+  <p:transition>
+    <p:fade/>
+  </p:transition>
   <p:timing>
     <p:tnLst>
       <p:par>
@@ -25267,18 +23906,9 @@
   <p:clrMapOvr>
     <a:masterClrMapping/>
   </p:clrMapOvr>
-  <mc:AlternateContent xmlns:mc="http://schemas.openxmlformats.org/markup-compatibility/2006">
-    <mc:Choice xmlns:p14="http://schemas.microsoft.com/office/powerpoint/2010/main" Requires="p14">
-      <p:transition p14:dur="250">
-        <p:fade/>
-      </p:transition>
-    </mc:Choice>
-    <mc:Fallback>
-      <p:transition>
-        <p:fade/>
-      </p:transition>
-    </mc:Fallback>
-  </mc:AlternateContent>
+  <p:transition>
+    <p:fade/>
+  </p:transition>
   <p:timing>
     <p:tnLst>
       <p:par>
@@ -25781,18 +24411,9 @@
   <p:clrMapOvr>
     <a:masterClrMapping/>
   </p:clrMapOvr>
-  <mc:AlternateContent xmlns:mc="http://schemas.openxmlformats.org/markup-compatibility/2006">
-    <mc:Choice xmlns:p14="http://schemas.microsoft.com/office/powerpoint/2010/main" Requires="p14">
-      <p:transition p14:dur="250">
-        <p:fade/>
-      </p:transition>
-    </mc:Choice>
-    <mc:Fallback>
-      <p:transition>
-        <p:fade/>
-      </p:transition>
-    </mc:Fallback>
-  </mc:AlternateContent>
+  <p:transition>
+    <p:fade/>
+  </p:transition>
   <p:timing>
     <p:tnLst>
       <p:par>
@@ -25950,18 +24571,9 @@
   <p:clrMapOvr>
     <a:masterClrMapping/>
   </p:clrMapOvr>
-  <mc:AlternateContent xmlns:mc="http://schemas.openxmlformats.org/markup-compatibility/2006">
-    <mc:Choice xmlns:p14="http://schemas.microsoft.com/office/powerpoint/2010/main" Requires="p14">
-      <p:transition p14:dur="250">
-        <p:fade/>
-      </p:transition>
-    </mc:Choice>
-    <mc:Fallback>
-      <p:transition>
-        <p:fade/>
-      </p:transition>
-    </mc:Fallback>
-  </mc:AlternateContent>
+  <p:transition>
+    <p:fade/>
+  </p:transition>
   <p:timing>
     <p:tnLst>
       <p:par>
@@ -27562,18 +26174,9 @@
   <p:clrMapOvr>
     <a:masterClrMapping/>
   </p:clrMapOvr>
-  <mc:AlternateContent xmlns:mc="http://schemas.openxmlformats.org/markup-compatibility/2006">
-    <mc:Choice xmlns:p14="http://schemas.microsoft.com/office/powerpoint/2010/main" Requires="p14">
-      <p:transition p14:dur="250">
-        <p:fade/>
-      </p:transition>
-    </mc:Choice>
-    <mc:Fallback>
-      <p:transition>
-        <p:fade/>
-      </p:transition>
-    </mc:Fallback>
-  </mc:AlternateContent>
+  <p:transition>
+    <p:fade/>
+  </p:transition>
   <p:timing>
     <p:tnLst>
       <p:par>
@@ -28046,18 +26649,9 @@
   <p:clrMapOvr>
     <a:masterClrMapping/>
   </p:clrMapOvr>
-  <mc:AlternateContent xmlns:mc="http://schemas.openxmlformats.org/markup-compatibility/2006">
-    <mc:Choice xmlns:p14="http://schemas.microsoft.com/office/powerpoint/2010/main" Requires="p14">
-      <p:transition p14:dur="250">
-        <p:fade/>
-      </p:transition>
-    </mc:Choice>
-    <mc:Fallback>
-      <p:transition>
-        <p:fade/>
-      </p:transition>
-    </mc:Fallback>
-  </mc:AlternateContent>
+  <p:transition>
+    <p:fade/>
+  </p:transition>
   <p:timing>
     <p:tnLst>
       <p:par>
@@ -28563,18 +27157,9 @@
   <p:clrMapOvr>
     <a:masterClrMapping/>
   </p:clrMapOvr>
-  <mc:AlternateContent xmlns:mc="http://schemas.openxmlformats.org/markup-compatibility/2006">
-    <mc:Choice xmlns:p14="http://schemas.microsoft.com/office/powerpoint/2010/main" Requires="p14">
-      <p:transition p14:dur="250">
-        <p:fade/>
-      </p:transition>
-    </mc:Choice>
-    <mc:Fallback>
-      <p:transition>
-        <p:fade/>
-      </p:transition>
-    </mc:Fallback>
-  </mc:AlternateContent>
+  <p:transition>
+    <p:fade/>
+  </p:transition>
   <p:timing>
     <p:tnLst>
       <p:par>
@@ -29100,18 +27685,9 @@
   <p:clrMapOvr>
     <a:masterClrMapping/>
   </p:clrMapOvr>
-  <mc:AlternateContent xmlns:mc="http://schemas.openxmlformats.org/markup-compatibility/2006">
-    <mc:Choice xmlns:p14="http://schemas.microsoft.com/office/powerpoint/2010/main" Requires="p14">
-      <p:transition p14:dur="250">
-        <p:fade/>
-      </p:transition>
-    </mc:Choice>
-    <mc:Fallback>
-      <p:transition>
-        <p:fade/>
-      </p:transition>
-    </mc:Fallback>
-  </mc:AlternateContent>
+  <p:transition>
+    <p:fade/>
+  </p:transition>
   <p:timing>
     <p:tnLst>
       <p:par>
@@ -29513,18 +28089,9 @@
   <p:clrMapOvr>
     <a:masterClrMapping/>
   </p:clrMapOvr>
-  <mc:AlternateContent xmlns:mc="http://schemas.openxmlformats.org/markup-compatibility/2006">
-    <mc:Choice xmlns:p14="http://schemas.microsoft.com/office/powerpoint/2010/main" Requires="p14">
-      <p:transition p14:dur="250">
-        <p:fade/>
-      </p:transition>
-    </mc:Choice>
-    <mc:Fallback>
-      <p:transition>
-        <p:fade/>
-      </p:transition>
-    </mc:Fallback>
-  </mc:AlternateContent>
+  <p:transition>
+    <p:fade/>
+  </p:transition>
   <p:timing>
     <p:tnLst>
       <p:par>
